--- a/MondayPresentations/5_fail2ban/Fail2Ban.pptx
+++ b/MondayPresentations/5_fail2ban/Fail2Ban.pptx
@@ -5,12 +5,14 @@
     <p:sldMasterId id="2147483648" r:id="rId1"/>
   </p:sldMasterIdLst>
   <p:notesMasterIdLst>
-    <p:notesMasterId r:id="rId5"/>
+    <p:notesMasterId r:id="rId7"/>
   </p:notesMasterIdLst>
   <p:sldIdLst>
     <p:sldId id="256" r:id="rId2"/>
-    <p:sldId id="257" r:id="rId3"/>
-    <p:sldId id="258" r:id="rId4"/>
+    <p:sldId id="258" r:id="rId3"/>
+    <p:sldId id="259" r:id="rId4"/>
+    <p:sldId id="257" r:id="rId5"/>
+    <p:sldId id="260" r:id="rId6"/>
   </p:sldIdLst>
   <p:sldSz cx="12192000" cy="6858000"/>
   <p:notesSz cx="6858000" cy="9144000"/>
@@ -523,49 +525,91 @@
           <a:p>
             <a:r>
               <a:rPr lang="en-US" dirty="0"/>
-              <a:t>How it began (back in 2004)</a:t>
-            </a:r>
+              <a:t>Fail2Ban is an intrusion prevention software framework that protects computer servers from brute-force attacks.[2] Written in the Python programming language, it is able to run on POSIX systems that have an interface to a packet-control system or firewall installed locally, for example, iptables or TCP Wrapper.</a:t>
+            </a:r>
+          </a:p>
+          <a:p>
+            <a:endParaRPr lang="en-US" dirty="0"/>
+          </a:p>
+          <a:p>
+            <a:endParaRPr lang="en-US" dirty="0"/>
           </a:p>
           <a:p>
             <a:r>
               <a:rPr lang="en-US" dirty="0"/>
-              <a:t>Eager to learn a new programming language</a:t>
+              <a:t>Functionality</a:t>
             </a:r>
           </a:p>
           <a:p>
             <a:r>
               <a:rPr lang="en-US" dirty="0"/>
-              <a:t>Will be Python</a:t>
-            </a:r>
+              <a:t>Fail2Ban operates by monitoring log files (e.g. /var/log/auth.log, /var/log/apache/access.log, etc.) for selected entries and running scripts based on them. Most commonly this is used to block selected IP addresses that may belong to hosts that are trying to breach the system's security. It can ban any host IP address that makes too many login attempts or performs any other unwanted action within a time frame defined by the administrator. Fail2Ban is typically set up to unban a blocked host within a certain period, so as to not "lock out" any genuine connections that may have been temporarily misconfigured. However, an unban time of several minutes is usually enough to stop a network connection being flooded by malicious connections, as well as reducing the likelihood of a successful dictionary attack.</a:t>
+            </a:r>
+          </a:p>
+          <a:p>
+            <a:endParaRPr lang="en-US" dirty="0"/>
           </a:p>
           <a:p>
             <a:r>
               <a:rPr lang="en-US" dirty="0"/>
-              <a:t>First ADSL, permanent internet connection</a:t>
-            </a:r>
-          </a:p>
-          <a:p>
+              <a:t>Fail2Ban can perform multiple actions whenever an abusive IP address is detected:[3] update </a:t>
+            </a:r>
+            <a:r>
+              <a:rPr lang="en-US" dirty="0" err="1"/>
+              <a:t>Netfilter</a:t>
+            </a:r>
             <a:r>
               <a:rPr lang="en-US" dirty="0"/>
-              <a:t>Time to host a Linux server at home</a:t>
-            </a:r>
-          </a:p>
-          <a:p>
+              <a:t>/iptables or PF firewall rules, TCP Wrapper's </a:t>
+            </a:r>
+            <a:r>
+              <a:rPr lang="en-US" dirty="0" err="1"/>
+              <a:t>hosts.deny</a:t>
+            </a:r>
             <a:r>
               <a:rPr lang="en-US" dirty="0"/>
-              <a:t>with SSH for remote access</a:t>
-            </a:r>
+              <a:t> table, to reject an abuser's IP address; email notifications; or any user-defined action that can be carried out by a Python script.</a:t>
+            </a:r>
+          </a:p>
+          <a:p>
+            <a:endParaRPr lang="en-US" dirty="0"/>
           </a:p>
           <a:p>
             <a:r>
               <a:rPr lang="en-US" dirty="0"/>
-              <a:t>Soon, script kiddies tried to log-in onto my box</a:t>
-            </a:r>
-          </a:p>
-          <a:p>
+              <a:t>The standard configuration ships with filters for Apache, </a:t>
+            </a:r>
+            <a:r>
+              <a:rPr lang="en-US" dirty="0" err="1"/>
+              <a:t>Lighttpd</a:t>
+            </a:r>
             <a:r>
               <a:rPr lang="en-US" dirty="0"/>
-              <a:t>Many (failed) log-in attempts over SSH</a:t>
+              <a:t>, </a:t>
+            </a:r>
+            <a:r>
+              <a:rPr lang="en-US" dirty="0" err="1"/>
+              <a:t>sshd</a:t>
+            </a:r>
+            <a:r>
+              <a:rPr lang="en-US" dirty="0"/>
+              <a:t>, </a:t>
+            </a:r>
+            <a:r>
+              <a:rPr lang="en-US" dirty="0" err="1"/>
+              <a:t>vsftpd</a:t>
+            </a:r>
+            <a:r>
+              <a:rPr lang="en-US" dirty="0"/>
+              <a:t>, </a:t>
+            </a:r>
+            <a:r>
+              <a:rPr lang="en-US" dirty="0" err="1"/>
+              <a:t>qmail</a:t>
+            </a:r>
+            <a:r>
+              <a:rPr lang="en-US" dirty="0"/>
+              <a:t>, Postfix and Courier Mail Server.[4] Filters are defined by Python regexes, which may be conveniently customized by an administrator familiar with regular expressions. A combination of a filter and an action is known as a "jail" and is what causes a malicious host to be blocked from accessing specified network services. As well as the examples that are distributed with the software, a "jail" may be created for any network-facing process that creates a log file of access.</a:t>
             </a:r>
           </a:p>
           <a:p>
@@ -574,7 +618,106 @@
           <a:p>
             <a:r>
               <a:rPr lang="en-US" dirty="0"/>
-              <a:t>Fail2ban is born Ban failed log-in attempts found in logs with iptables Could make a good project to learn Python Why not make it an open-source project? I’m using many open-source software I want to contribute something back The project ends up on sourceforge.net Licensed as GPLv2 First versions targeted at SSH only</a:t>
+              <a:t>Fail2Ban is similar to </a:t>
+            </a:r>
+            <a:r>
+              <a:rPr lang="en-US" dirty="0" err="1"/>
+              <a:t>DenyHosts</a:t>
+            </a:r>
+            <a:r>
+              <a:rPr lang="en-US" dirty="0"/>
+              <a:t> [...] but unlike </a:t>
+            </a:r>
+            <a:r>
+              <a:rPr lang="en-US" dirty="0" err="1"/>
+              <a:t>DenyHosts</a:t>
+            </a:r>
+            <a:r>
+              <a:rPr lang="en-US" dirty="0"/>
+              <a:t> which focuses on SSH, Fail2Ban can be configured to monitor any service that writes login attempts to a log file, and instead of using /</a:t>
+            </a:r>
+            <a:r>
+              <a:rPr lang="en-US" dirty="0" err="1"/>
+              <a:t>etc</a:t>
+            </a:r>
+            <a:r>
+              <a:rPr lang="en-US" dirty="0"/>
+              <a:t>/</a:t>
+            </a:r>
+            <a:r>
+              <a:rPr lang="en-US" dirty="0" err="1"/>
+              <a:t>hosts.deny</a:t>
+            </a:r>
+            <a:r>
+              <a:rPr lang="en-US" dirty="0"/>
+              <a:t> only to block IP addresses/hosts, Fail2Ban can use </a:t>
+            </a:r>
+            <a:r>
+              <a:rPr lang="en-US" dirty="0" err="1"/>
+              <a:t>Netfilter</a:t>
+            </a:r>
+            <a:r>
+              <a:rPr lang="en-US" dirty="0"/>
+              <a:t>/iptables and TCP Wrappers /</a:t>
+            </a:r>
+            <a:r>
+              <a:rPr lang="en-US" dirty="0" err="1"/>
+              <a:t>etc</a:t>
+            </a:r>
+            <a:r>
+              <a:rPr lang="en-US" dirty="0"/>
+              <a:t>/</a:t>
+            </a:r>
+            <a:r>
+              <a:rPr lang="en-US" dirty="0" err="1"/>
+              <a:t>hosts.deny</a:t>
+            </a:r>
+            <a:r>
+              <a:rPr lang="en-US" dirty="0"/>
+              <a:t>.</a:t>
+            </a:r>
+          </a:p>
+          <a:p>
+            <a:endParaRPr lang="en-US" dirty="0"/>
+          </a:p>
+          <a:p>
+            <a:r>
+              <a:rPr lang="en-US" dirty="0"/>
+              <a:t>— </a:t>
+            </a:r>
+            <a:r>
+              <a:rPr lang="en-US" dirty="0" err="1"/>
+              <a:t>Falko</a:t>
+            </a:r>
+            <a:r>
+              <a:rPr lang="en-US" dirty="0"/>
+              <a:t> </a:t>
+            </a:r>
+            <a:r>
+              <a:rPr lang="en-US" dirty="0" err="1"/>
+              <a:t>Timme</a:t>
+            </a:r>
+            <a:r>
+              <a:rPr lang="en-US" dirty="0"/>
+              <a:t>[5]</a:t>
+            </a:r>
+          </a:p>
+          <a:p>
+            <a:r>
+              <a:rPr lang="en-US" dirty="0"/>
+              <a:t>Shortcomings</a:t>
+            </a:r>
+          </a:p>
+          <a:p>
+            <a:r>
+              <a:rPr lang="en-US" dirty="0"/>
+              <a:t>Fail2Ban fails to protect against a distributed brute-force attack.</a:t>
+            </a:r>
+          </a:p>
+          <a:p>
+            <a:r>
+              <a:rPr lang="en-US" dirty="0"/>
+              <a:t>There is no interaction with application-specific APIs/AGIs.</a:t>
             </a:r>
           </a:p>
           <a:p>
@@ -608,7 +751,7 @@
     </p:spTree>
     <p:extLst>
       <p:ext uri="{BB962C8B-B14F-4D97-AF65-F5344CB8AC3E}">
-        <p14:creationId xmlns:p14="http://schemas.microsoft.com/office/powerpoint/2010/main" val="1192716274"/>
+        <p14:creationId xmlns:p14="http://schemas.microsoft.com/office/powerpoint/2010/main" val="332930541"/>
       </p:ext>
     </p:extLst>
   </p:cSld>
@@ -890,7 +1033,148 @@
     </p:spTree>
     <p:extLst>
       <p:ext uri="{BB962C8B-B14F-4D97-AF65-F5344CB8AC3E}">
-        <p14:creationId xmlns:p14="http://schemas.microsoft.com/office/powerpoint/2010/main" val="332930541"/>
+        <p14:creationId xmlns:p14="http://schemas.microsoft.com/office/powerpoint/2010/main" val="1750177562"/>
+      </p:ext>
+    </p:extLst>
+  </p:cSld>
+  <p:clrMapOvr>
+    <a:masterClrMapping/>
+  </p:clrMapOvr>
+</p:notes>
+</file>
+
+<file path=ppt/notesSlides/notesSlide3.xml><?xml version="1.0" encoding="utf-8"?>
+<p:notes xmlns:a="http://schemas.openxmlformats.org/drawingml/2006/main" xmlns:r="http://schemas.openxmlformats.org/officeDocument/2006/relationships" xmlns:p="http://schemas.openxmlformats.org/presentationml/2006/main">
+  <p:cSld>
+    <p:spTree>
+      <p:nvGrpSpPr>
+        <p:cNvPr id="1" name=""/>
+        <p:cNvGrpSpPr/>
+        <p:nvPr/>
+      </p:nvGrpSpPr>
+      <p:grpSpPr>
+        <a:xfrm>
+          <a:off x="0" y="0"/>
+          <a:ext cx="0" cy="0"/>
+          <a:chOff x="0" y="0"/>
+          <a:chExt cx="0" cy="0"/>
+        </a:xfrm>
+      </p:grpSpPr>
+      <p:sp>
+        <p:nvSpPr>
+          <p:cNvPr id="2" name="Slide Image Placeholder 1"/>
+          <p:cNvSpPr>
+            <a:spLocks noGrp="1" noRot="1" noChangeAspect="1"/>
+          </p:cNvSpPr>
+          <p:nvPr>
+            <p:ph type="sldImg"/>
+          </p:nvPr>
+        </p:nvSpPr>
+        <p:spPr/>
+      </p:sp>
+      <p:sp>
+        <p:nvSpPr>
+          <p:cNvPr id="3" name="Notes Placeholder 2"/>
+          <p:cNvSpPr>
+            <a:spLocks noGrp="1"/>
+          </p:cNvSpPr>
+          <p:nvPr>
+            <p:ph type="body" idx="1"/>
+          </p:nvPr>
+        </p:nvSpPr>
+        <p:spPr/>
+        <p:txBody>
+          <a:bodyPr/>
+          <a:lstStyle/>
+          <a:p>
+            <a:r>
+              <a:rPr lang="en-US" dirty="0"/>
+              <a:t>How it began (back in 2004)</a:t>
+            </a:r>
+          </a:p>
+          <a:p>
+            <a:r>
+              <a:rPr lang="en-US" dirty="0"/>
+              <a:t>Eager to learn a new programming language</a:t>
+            </a:r>
+          </a:p>
+          <a:p>
+            <a:r>
+              <a:rPr lang="en-US" dirty="0"/>
+              <a:t>Will be Python</a:t>
+            </a:r>
+          </a:p>
+          <a:p>
+            <a:r>
+              <a:rPr lang="en-US" dirty="0"/>
+              <a:t>First ADSL, permanent internet connection</a:t>
+            </a:r>
+          </a:p>
+          <a:p>
+            <a:r>
+              <a:rPr lang="en-US" dirty="0"/>
+              <a:t>Time to host a Linux server at home</a:t>
+            </a:r>
+          </a:p>
+          <a:p>
+            <a:r>
+              <a:rPr lang="en-US" dirty="0"/>
+              <a:t>with SSH for remote access</a:t>
+            </a:r>
+          </a:p>
+          <a:p>
+            <a:r>
+              <a:rPr lang="en-US" dirty="0"/>
+              <a:t>Soon, script kiddies tried to log-in onto my box</a:t>
+            </a:r>
+          </a:p>
+          <a:p>
+            <a:r>
+              <a:rPr lang="en-US" dirty="0"/>
+              <a:t>Many (failed) log-in attempts over SSH</a:t>
+            </a:r>
+          </a:p>
+          <a:p>
+            <a:endParaRPr lang="en-US" dirty="0"/>
+          </a:p>
+          <a:p>
+            <a:r>
+              <a:rPr lang="en-US" dirty="0"/>
+              <a:t>Fail2ban is born Ban failed log-in attempts found in logs with iptables Could make a good project to learn Python Why not make it an open-source project? I’m using many open-source software I want to contribute something back The project ends up on sourceforge.net Licensed as GPLv2 First versions targeted at SSH only</a:t>
+            </a:r>
+          </a:p>
+          <a:p>
+            <a:endParaRPr lang="en-US" dirty="0"/>
+          </a:p>
+        </p:txBody>
+      </p:sp>
+      <p:sp>
+        <p:nvSpPr>
+          <p:cNvPr id="4" name="Slide Number Placeholder 3"/>
+          <p:cNvSpPr>
+            <a:spLocks noGrp="1"/>
+          </p:cNvSpPr>
+          <p:nvPr>
+            <p:ph type="sldNum" sz="quarter" idx="10"/>
+          </p:nvPr>
+        </p:nvSpPr>
+        <p:spPr/>
+        <p:txBody>
+          <a:bodyPr/>
+          <a:lstStyle/>
+          <a:p>
+            <a:fld id="{3D333A4B-B0C0-41D5-8830-D1E3718BA891}" type="slidenum">
+              <a:rPr lang="en-US" smtClean="0"/>
+              <a:t>4</a:t>
+            </a:fld>
+            <a:endParaRPr lang="en-US"/>
+          </a:p>
+        </p:txBody>
+      </p:sp>
+    </p:spTree>
+    <p:extLst>
+      <p:ext uri="{BB962C8B-B14F-4D97-AF65-F5344CB8AC3E}">
+        <p14:creationId xmlns:p14="http://schemas.microsoft.com/office/powerpoint/2010/main" val="1192716274"/>
       </p:ext>
     </p:extLst>
   </p:cSld>
@@ -4393,43 +4677,304 @@
           <a:chExt cx="0" cy="0"/>
         </a:xfrm>
       </p:grpSpPr>
-      <p:sp>
-        <p:nvSpPr>
-          <p:cNvPr id="33" name="Rectangle 28">
-            <a:extLst>
-              <a:ext uri="{FF2B5EF4-FFF2-40B4-BE49-F238E27FC236}">
-                <a16:creationId xmlns:a16="http://schemas.microsoft.com/office/drawing/2014/main" id="{99899462-FC16-43B0-966B-FCA263450716}"/>
-              </a:ext>
-              <a:ext uri="{C183D7F6-B498-43B3-948B-1728B52AA6E4}">
-                <adec:decorative xmlns:adec="http://schemas.microsoft.com/office/drawing/2017/decorative" val="1"/>
-              </a:ext>
-            </a:extLst>
-          </p:cNvPr>
-          <p:cNvSpPr>
-            <a:spLocks noGrp="1" noRot="1" noChangeAspect="1" noMove="1" noResize="1" noEditPoints="1" noAdjustHandles="1" noChangeArrowheads="1" noChangeShapeType="1" noTextEdit="1"/>
-          </p:cNvSpPr>
-          <p:nvPr>
-            <p:extLst>
-              <p:ext uri="{386F3935-93C4-4BCD-93E2-E3B085C9AB24}">
-                <p16:designElem xmlns:p16="http://schemas.microsoft.com/office/powerpoint/2015/main" val="1"/>
-              </p:ext>
-            </p:extLst>
-          </p:nvPr>
-        </p:nvSpPr>
-        <p:spPr bwMode="ltGray">
+      <p:pic>
+        <p:nvPicPr>
+          <p:cNvPr id="4" name="Picture 3">
+            <a:extLst>
+              <a:ext uri="{FF2B5EF4-FFF2-40B4-BE49-F238E27FC236}">
+                <a16:creationId xmlns:a16="http://schemas.microsoft.com/office/drawing/2014/main" id="{4DF25158-32B5-45A5-AC0C-FF177248273B}"/>
+              </a:ext>
+            </a:extLst>
+          </p:cNvPr>
+          <p:cNvPicPr>
+            <a:picLocks noChangeAspect="1"/>
+          </p:cNvPicPr>
+          <p:nvPr/>
+        </p:nvPicPr>
+        <p:blipFill>
+          <a:blip r:embed="rId3"/>
+          <a:stretch>
+            <a:fillRect/>
+          </a:stretch>
+        </p:blipFill>
+        <p:spPr>
           <a:xfrm>
-            <a:off x="4654295" y="478232"/>
-            <a:ext cx="7034121" cy="5918673"/>
+            <a:off x="643467" y="729996"/>
+            <a:ext cx="10905066" cy="5398006"/>
+          </a:xfrm>
+          <a:prstGeom prst="rect">
+            <a:avLst/>
+          </a:prstGeom>
+        </p:spPr>
+      </p:pic>
+      <p:sp>
+        <p:nvSpPr>
+          <p:cNvPr id="12" name="TextBox 11">
+            <a:extLst>
+              <a:ext uri="{FF2B5EF4-FFF2-40B4-BE49-F238E27FC236}">
+                <a16:creationId xmlns:a16="http://schemas.microsoft.com/office/drawing/2014/main" id="{05C5C9D7-8DE3-4455-8DFE-85CDF936B5FA}"/>
+              </a:ext>
+            </a:extLst>
+          </p:cNvPr>
+          <p:cNvSpPr txBox="1"/>
+          <p:nvPr/>
+        </p:nvSpPr>
+        <p:spPr>
+          <a:xfrm>
+            <a:off x="0" y="6550223"/>
+            <a:ext cx="7823200" cy="307777"/>
+          </a:xfrm>
+          <a:prstGeom prst="rect">
+            <a:avLst/>
+          </a:prstGeom>
+          <a:noFill/>
+        </p:spPr>
+        <p:txBody>
+          <a:bodyPr wrap="square" rtlCol="0">
+            <a:spAutoFit/>
+          </a:bodyPr>
+          <a:lstStyle/>
+          <a:p>
+            <a:r>
+              <a:rPr lang="en-US" sz="1400" dirty="0">
+                <a:solidFill>
+                  <a:schemeClr val="bg1">
+                    <a:lumMod val="65000"/>
+                  </a:schemeClr>
+                </a:solidFill>
+              </a:rPr>
+              <a:t>Source: http://www.onerussian.com/tmp/fail2ban-pycon2014.pdf</a:t>
+            </a:r>
+          </a:p>
+        </p:txBody>
+      </p:sp>
+      <p:sp>
+        <p:nvSpPr>
+          <p:cNvPr id="8" name="Rectangle 7">
+            <a:extLst>
+              <a:ext uri="{FF2B5EF4-FFF2-40B4-BE49-F238E27FC236}">
+                <a16:creationId xmlns:a16="http://schemas.microsoft.com/office/drawing/2014/main" id="{8AC20C1D-7784-4978-A490-96353AEA7ED0}"/>
+              </a:ext>
+            </a:extLst>
+          </p:cNvPr>
+          <p:cNvSpPr/>
+          <p:nvPr/>
+        </p:nvSpPr>
+        <p:spPr>
+          <a:xfrm>
+            <a:off x="431800" y="5708650"/>
+            <a:ext cx="11430000" cy="527050"/>
           </a:xfrm>
           <a:prstGeom prst="rect">
             <a:avLst/>
           </a:prstGeom>
           <a:solidFill>
-            <a:srgbClr val="404040"/>
+            <a:schemeClr val="bg1"/>
           </a:solidFill>
-          <a:ln w="127000" cap="sq" cmpd="thinThick">
+          <a:ln>
+            <a:noFill/>
+          </a:ln>
+        </p:spPr>
+        <p:style>
+          <a:lnRef idx="2">
+            <a:schemeClr val="accent1">
+              <a:shade val="50000"/>
+            </a:schemeClr>
+          </a:lnRef>
+          <a:fillRef idx="1">
+            <a:schemeClr val="accent1"/>
+          </a:fillRef>
+          <a:effectRef idx="0">
+            <a:schemeClr val="accent1"/>
+          </a:effectRef>
+          <a:fontRef idx="minor">
+            <a:schemeClr val="lt1"/>
+          </a:fontRef>
+        </p:style>
+        <p:txBody>
+          <a:bodyPr rtlCol="0" anchor="ctr"/>
+          <a:lstStyle/>
+          <a:p>
+            <a:pPr algn="ctr"/>
+            <a:endParaRPr lang="en-US"/>
+          </a:p>
+        </p:txBody>
+      </p:sp>
+    </p:spTree>
+    <p:extLst>
+      <p:ext uri="{BB962C8B-B14F-4D97-AF65-F5344CB8AC3E}">
+        <p14:creationId xmlns:p14="http://schemas.microsoft.com/office/powerpoint/2010/main" val="3964321685"/>
+      </p:ext>
+    </p:extLst>
+  </p:cSld>
+  <p:clrMapOvr>
+    <a:masterClrMapping/>
+  </p:clrMapOvr>
+</p:sld>
+</file>
+
+<file path=ppt/slides/slide3.xml><?xml version="1.0" encoding="utf-8"?>
+<p:sld xmlns:a="http://schemas.openxmlformats.org/drawingml/2006/main" xmlns:r="http://schemas.openxmlformats.org/officeDocument/2006/relationships" xmlns:p="http://schemas.openxmlformats.org/presentationml/2006/main">
+  <p:cSld>
+    <p:bg>
+      <p:bgPr>
+        <a:solidFill>
+          <a:schemeClr val="bg1"/>
+        </a:solidFill>
+        <a:effectLst/>
+      </p:bgPr>
+    </p:bg>
+    <p:spTree>
+      <p:nvGrpSpPr>
+        <p:cNvPr id="1" name=""/>
+        <p:cNvGrpSpPr/>
+        <p:nvPr/>
+      </p:nvGrpSpPr>
+      <p:grpSpPr>
+        <a:xfrm>
+          <a:off x="0" y="0"/>
+          <a:ext cx="0" cy="0"/>
+          <a:chOff x="0" y="0"/>
+          <a:chExt cx="0" cy="0"/>
+        </a:xfrm>
+      </p:grpSpPr>
+      <p:pic>
+        <p:nvPicPr>
+          <p:cNvPr id="4" name="Picture 3">
+            <a:extLst>
+              <a:ext uri="{FF2B5EF4-FFF2-40B4-BE49-F238E27FC236}">
+                <a16:creationId xmlns:a16="http://schemas.microsoft.com/office/drawing/2014/main" id="{4DF25158-32B5-45A5-AC0C-FF177248273B}"/>
+              </a:ext>
+            </a:extLst>
+          </p:cNvPr>
+          <p:cNvPicPr>
+            <a:picLocks noChangeAspect="1"/>
+          </p:cNvPicPr>
+          <p:nvPr/>
+        </p:nvPicPr>
+        <p:blipFill>
+          <a:blip r:embed="rId3"/>
+          <a:stretch>
+            <a:fillRect/>
+          </a:stretch>
+        </p:blipFill>
+        <p:spPr>
+          <a:xfrm>
+            <a:off x="650094" y="733277"/>
+            <a:ext cx="10891813" cy="5391447"/>
+          </a:xfrm>
+          <a:prstGeom prst="rect">
+            <a:avLst/>
+          </a:prstGeom>
+        </p:spPr>
+      </p:pic>
+      <p:sp>
+        <p:nvSpPr>
+          <p:cNvPr id="2" name="Title 1">
+            <a:extLst>
+              <a:ext uri="{FF2B5EF4-FFF2-40B4-BE49-F238E27FC236}">
+                <a16:creationId xmlns:a16="http://schemas.microsoft.com/office/drawing/2014/main" id="{FB5999B7-2C81-4067-BD64-9A71A8EB4292}"/>
+              </a:ext>
+            </a:extLst>
+          </p:cNvPr>
+          <p:cNvSpPr>
+            <a:spLocks noGrp="1"/>
+          </p:cNvSpPr>
+          <p:nvPr>
+            <p:ph type="title"/>
+          </p:nvPr>
+        </p:nvSpPr>
+        <p:spPr>
+          <a:xfrm>
+            <a:off x="254000" y="-142875"/>
+            <a:ext cx="10515600" cy="1325563"/>
+          </a:xfrm>
+        </p:spPr>
+        <p:txBody>
+          <a:bodyPr vert="horz" lIns="91440" tIns="45720" rIns="91440" bIns="45720" rtlCol="0" anchor="ctr">
+            <a:normAutofit/>
+          </a:bodyPr>
+          <a:lstStyle/>
+          <a:p>
+            <a:r>
+              <a:rPr lang="en-US" sz="4400" b="1" kern="1200" dirty="0">
+                <a:solidFill>
+                  <a:schemeClr val="tx1"/>
+                </a:solidFill>
+                <a:latin typeface="+mj-lt"/>
+                <a:ea typeface="+mj-ea"/>
+                <a:cs typeface="+mj-cs"/>
+              </a:rPr>
+              <a:t>Brute-Force Attack</a:t>
+            </a:r>
+          </a:p>
+        </p:txBody>
+      </p:sp>
+      <p:sp>
+        <p:nvSpPr>
+          <p:cNvPr id="5" name="TextBox 4">
+            <a:extLst>
+              <a:ext uri="{FF2B5EF4-FFF2-40B4-BE49-F238E27FC236}">
+                <a16:creationId xmlns:a16="http://schemas.microsoft.com/office/drawing/2014/main" id="{1EE7142A-CB4A-4EA5-BBF4-9A5FF5416ADF}"/>
+              </a:ext>
+            </a:extLst>
+          </p:cNvPr>
+          <p:cNvSpPr txBox="1"/>
+          <p:nvPr/>
+        </p:nvSpPr>
+        <p:spPr>
+          <a:xfrm>
+            <a:off x="0" y="6550223"/>
+            <a:ext cx="7823200" cy="307777"/>
+          </a:xfrm>
+          <a:prstGeom prst="rect">
+            <a:avLst/>
+          </a:prstGeom>
+          <a:noFill/>
+        </p:spPr>
+        <p:txBody>
+          <a:bodyPr wrap="square" rtlCol="0">
+            <a:spAutoFit/>
+          </a:bodyPr>
+          <a:lstStyle/>
+          <a:p>
+            <a:r>
+              <a:rPr lang="en-US" sz="1400" dirty="0">
+                <a:solidFill>
+                  <a:schemeClr val="bg1">
+                    <a:lumMod val="65000"/>
+                  </a:schemeClr>
+                </a:solidFill>
+              </a:rPr>
+              <a:t>Source: http://www.onerussian.com/tmp/fail2ban-pycon2014.pdf</a:t>
+            </a:r>
+          </a:p>
+        </p:txBody>
+      </p:sp>
+      <p:sp>
+        <p:nvSpPr>
+          <p:cNvPr id="3" name="Rectangle: Rounded Corners 2">
+            <a:extLst>
+              <a:ext uri="{FF2B5EF4-FFF2-40B4-BE49-F238E27FC236}">
+                <a16:creationId xmlns:a16="http://schemas.microsoft.com/office/drawing/2014/main" id="{5874C595-40C5-4EAA-AC35-F4EE3B94E30A}"/>
+              </a:ext>
+            </a:extLst>
+          </p:cNvPr>
+          <p:cNvSpPr/>
+          <p:nvPr/>
+        </p:nvSpPr>
+        <p:spPr>
+          <a:xfrm>
+            <a:off x="603250" y="1182688"/>
+            <a:ext cx="2457450" cy="4189413"/>
+          </a:xfrm>
+          <a:prstGeom prst="roundRect">
+            <a:avLst/>
+          </a:prstGeom>
+          <a:noFill/>
+          <a:ln w="38100">
             <a:solidFill>
-              <a:srgbClr val="404040"/>
+              <a:srgbClr val="FF0000"/>
             </a:solidFill>
           </a:ln>
         </p:spPr>
@@ -4458,70 +5003,133 @@
           </a:p>
         </p:txBody>
       </p:sp>
-      <p:pic>
-        <p:nvPicPr>
-          <p:cNvPr id="17" name="Picture 16">
-            <a:extLst>
-              <a:ext uri="{FF2B5EF4-FFF2-40B4-BE49-F238E27FC236}">
-                <a16:creationId xmlns:a16="http://schemas.microsoft.com/office/drawing/2014/main" id="{552E7E14-CC18-4B8A-B40E-4393AA344AD5}"/>
-              </a:ext>
-            </a:extLst>
-          </p:cNvPr>
-          <p:cNvPicPr>
-            <a:picLocks noChangeAspect="1"/>
-          </p:cNvPicPr>
+      <p:sp>
+        <p:nvSpPr>
+          <p:cNvPr id="6" name="Rectangle: Rounded Corners 5">
+            <a:extLst>
+              <a:ext uri="{FF2B5EF4-FFF2-40B4-BE49-F238E27FC236}">
+                <a16:creationId xmlns:a16="http://schemas.microsoft.com/office/drawing/2014/main" id="{2AFDAEC9-FFEF-4B2A-9702-69D47E8BCE1E}"/>
+              </a:ext>
+            </a:extLst>
+          </p:cNvPr>
+          <p:cNvSpPr/>
           <p:nvPr/>
-        </p:nvPicPr>
-        <p:blipFill>
-          <a:blip r:embed="rId3"/>
-          <a:stretch>
-            <a:fillRect/>
-          </a:stretch>
-        </p:blipFill>
+        </p:nvSpPr>
         <p:spPr>
           <a:xfrm>
-            <a:off x="1270525" y="478232"/>
-            <a:ext cx="2085451" cy="2789902"/>
+            <a:off x="7397750" y="1182687"/>
+            <a:ext cx="425450" cy="4189414"/>
           </a:xfrm>
-          <a:prstGeom prst="rect">
+          <a:prstGeom prst="roundRect">
             <a:avLst/>
           </a:prstGeom>
+          <a:noFill/>
+          <a:ln w="38100">
+            <a:solidFill>
+              <a:srgbClr val="FF0000"/>
+            </a:solidFill>
+          </a:ln>
         </p:spPr>
-      </p:pic>
+        <p:style>
+          <a:lnRef idx="2">
+            <a:schemeClr val="accent1">
+              <a:shade val="50000"/>
+            </a:schemeClr>
+          </a:lnRef>
+          <a:fillRef idx="1">
+            <a:schemeClr val="accent1"/>
+          </a:fillRef>
+          <a:effectRef idx="0">
+            <a:schemeClr val="accent1"/>
+          </a:effectRef>
+          <a:fontRef idx="minor">
+            <a:schemeClr val="lt1"/>
+          </a:fontRef>
+        </p:style>
+        <p:txBody>
+          <a:bodyPr rtlCol="0" anchor="ctr"/>
+          <a:lstStyle/>
+          <a:p>
+            <a:pPr algn="ctr"/>
+            <a:endParaRPr lang="en-US"/>
+          </a:p>
+        </p:txBody>
+      </p:sp>
+      <p:sp>
+        <p:nvSpPr>
+          <p:cNvPr id="7" name="Rectangle: Rounded Corners 6">
+            <a:extLst>
+              <a:ext uri="{FF2B5EF4-FFF2-40B4-BE49-F238E27FC236}">
+                <a16:creationId xmlns:a16="http://schemas.microsoft.com/office/drawing/2014/main" id="{B8C1AC19-7A34-4E8E-BE49-4485EC9D52CF}"/>
+              </a:ext>
+            </a:extLst>
+          </p:cNvPr>
+          <p:cNvSpPr/>
+          <p:nvPr/>
+        </p:nvSpPr>
+        <p:spPr>
+          <a:xfrm>
+            <a:off x="8453828" y="1182687"/>
+            <a:ext cx="1217222" cy="4189413"/>
+          </a:xfrm>
+          <a:prstGeom prst="roundRect">
+            <a:avLst/>
+          </a:prstGeom>
+          <a:noFill/>
+          <a:ln w="38100">
+            <a:solidFill>
+              <a:srgbClr val="FF0000"/>
+            </a:solidFill>
+          </a:ln>
+        </p:spPr>
+        <p:style>
+          <a:lnRef idx="2">
+            <a:schemeClr val="accent1">
+              <a:shade val="50000"/>
+            </a:schemeClr>
+          </a:lnRef>
+          <a:fillRef idx="1">
+            <a:schemeClr val="accent1"/>
+          </a:fillRef>
+          <a:effectRef idx="0">
+            <a:schemeClr val="accent1"/>
+          </a:effectRef>
+          <a:fontRef idx="minor">
+            <a:schemeClr val="lt1"/>
+          </a:fontRef>
+        </p:style>
+        <p:txBody>
+          <a:bodyPr rtlCol="0" anchor="ctr"/>
+          <a:lstStyle/>
+          <a:p>
+            <a:pPr algn="ctr"/>
+            <a:endParaRPr lang="en-US"/>
+          </a:p>
+        </p:txBody>
+      </p:sp>
       <p:cxnSp>
         <p:nvCxnSpPr>
-          <p:cNvPr id="34" name="Straight Connector 30">
-            <a:extLst>
-              <a:ext uri="{FF2B5EF4-FFF2-40B4-BE49-F238E27FC236}">
-                <a16:creationId xmlns:a16="http://schemas.microsoft.com/office/drawing/2014/main" id="{AAFEA932-2DF1-410C-A00A-7A1E7DBF7511}"/>
-              </a:ext>
-              <a:ext uri="{C183D7F6-B498-43B3-948B-1728B52AA6E4}">
-                <adec:decorative xmlns:adec="http://schemas.microsoft.com/office/drawing/2017/decorative" val="1"/>
-              </a:ext>
-            </a:extLst>
-          </p:cNvPr>
-          <p:cNvCxnSpPr>
-            <a:cxnSpLocks noGrp="1" noRot="1" noChangeAspect="1" noMove="1" noResize="1" noEditPoints="1" noAdjustHandles="1" noChangeArrowheads="1" noChangeShapeType="1"/>
-          </p:cNvCxnSpPr>
-          <p:nvPr>
-            <p:extLst>
-              <p:ext uri="{386F3935-93C4-4BCD-93E2-E3B085C9AB24}">
-                <p16:designElem xmlns:p16="http://schemas.microsoft.com/office/powerpoint/2015/main" val="1"/>
-              </p:ext>
-            </p:extLst>
-          </p:nvPr>
+          <p:cNvPr id="9" name="Straight Connector 8">
+            <a:extLst>
+              <a:ext uri="{FF2B5EF4-FFF2-40B4-BE49-F238E27FC236}">
+                <a16:creationId xmlns:a16="http://schemas.microsoft.com/office/drawing/2014/main" id="{81970B25-E406-43BC-B4AC-E80EB10A9D75}"/>
+              </a:ext>
+            </a:extLst>
+          </p:cNvPr>
+          <p:cNvCxnSpPr/>
+          <p:nvPr/>
         </p:nvCxnSpPr>
         <p:spPr>
           <a:xfrm>
-            <a:off x="5430098" y="2639023"/>
-            <a:ext cx="4562441" cy="0"/>
+            <a:off x="4559300" y="6076950"/>
+            <a:ext cx="2673350" cy="0"/>
           </a:xfrm>
           <a:prstGeom prst="line">
             <a:avLst/>
           </a:prstGeom>
-          <a:ln w="22225">
+          <a:ln w="76200">
             <a:solidFill>
-              <a:srgbClr val="E7E6E6"/>
+              <a:srgbClr val="FF0000"/>
             </a:solidFill>
           </a:ln>
         </p:spPr>
@@ -4540,6 +5148,211 @@
           </a:fontRef>
         </p:style>
       </p:cxnSp>
+    </p:spTree>
+    <p:extLst>
+      <p:ext uri="{BB962C8B-B14F-4D97-AF65-F5344CB8AC3E}">
+        <p14:creationId xmlns:p14="http://schemas.microsoft.com/office/powerpoint/2010/main" val="3905946720"/>
+      </p:ext>
+    </p:extLst>
+  </p:cSld>
+  <p:clrMapOvr>
+    <a:masterClrMapping/>
+  </p:clrMapOvr>
+</p:sld>
+</file>
+
+<file path=ppt/slides/slide4.xml><?xml version="1.0" encoding="utf-8"?>
+<p:sld xmlns:a="http://schemas.openxmlformats.org/drawingml/2006/main" xmlns:r="http://schemas.openxmlformats.org/officeDocument/2006/relationships" xmlns:p="http://schemas.openxmlformats.org/presentationml/2006/main">
+  <p:cSld>
+    <p:bg>
+      <p:bgPr>
+        <a:solidFill>
+          <a:schemeClr val="bg1"/>
+        </a:solidFill>
+        <a:effectLst/>
+      </p:bgPr>
+    </p:bg>
+    <p:spTree>
+      <p:nvGrpSpPr>
+        <p:cNvPr id="1" name=""/>
+        <p:cNvGrpSpPr/>
+        <p:nvPr/>
+      </p:nvGrpSpPr>
+      <p:grpSpPr>
+        <a:xfrm>
+          <a:off x="0" y="0"/>
+          <a:ext cx="0" cy="0"/>
+          <a:chOff x="0" y="0"/>
+          <a:chExt cx="0" cy="0"/>
+        </a:xfrm>
+      </p:grpSpPr>
+      <p:sp>
+        <p:nvSpPr>
+          <p:cNvPr id="39" name="Rectangle 38">
+            <a:extLst>
+              <a:ext uri="{FF2B5EF4-FFF2-40B4-BE49-F238E27FC236}">
+                <a16:creationId xmlns:a16="http://schemas.microsoft.com/office/drawing/2014/main" id="{A98BC887-4916-4227-9F48-3B078D238FAF}"/>
+              </a:ext>
+              <a:ext uri="{C183D7F6-B498-43B3-948B-1728B52AA6E4}">
+                <adec:decorative xmlns:adec="http://schemas.microsoft.com/office/drawing/2017/decorative" val="1"/>
+              </a:ext>
+            </a:extLst>
+          </p:cNvPr>
+          <p:cNvSpPr>
+            <a:spLocks noGrp="1" noRot="1" noChangeAspect="1" noMove="1" noResize="1" noEditPoints="1" noAdjustHandles="1" noChangeArrowheads="1" noChangeShapeType="1" noTextEdit="1"/>
+          </p:cNvSpPr>
+          <p:nvPr>
+            <p:extLst>
+              <p:ext uri="{386F3935-93C4-4BCD-93E2-E3B085C9AB24}">
+                <p16:designElem xmlns:p16="http://schemas.microsoft.com/office/powerpoint/2015/main" val="1"/>
+              </p:ext>
+            </p:extLst>
+          </p:nvPr>
+        </p:nvSpPr>
+        <p:spPr>
+          <a:xfrm>
+            <a:off x="0" y="0"/>
+            <a:ext cx="4636008" cy="6858000"/>
+          </a:xfrm>
+          <a:prstGeom prst="rect">
+            <a:avLst/>
+          </a:prstGeom>
+          <a:solidFill>
+            <a:srgbClr val="C8CACA"/>
+          </a:solidFill>
+          <a:ln>
+            <a:noFill/>
+          </a:ln>
+        </p:spPr>
+        <p:style>
+          <a:lnRef idx="2">
+            <a:schemeClr val="accent1">
+              <a:shade val="50000"/>
+            </a:schemeClr>
+          </a:lnRef>
+          <a:fillRef idx="1">
+            <a:schemeClr val="accent1"/>
+          </a:fillRef>
+          <a:effectRef idx="0">
+            <a:schemeClr val="accent1"/>
+          </a:effectRef>
+          <a:fontRef idx="minor">
+            <a:schemeClr val="lt1"/>
+          </a:fontRef>
+        </p:style>
+        <p:txBody>
+          <a:bodyPr rtlCol="0" anchor="ctr"/>
+          <a:lstStyle/>
+          <a:p>
+            <a:pPr algn="ctr"/>
+            <a:endParaRPr lang="en-US"/>
+          </a:p>
+        </p:txBody>
+      </p:sp>
+      <p:sp>
+        <p:nvSpPr>
+          <p:cNvPr id="41" name="Rounded Rectangle 9">
+            <a:extLst>
+              <a:ext uri="{FF2B5EF4-FFF2-40B4-BE49-F238E27FC236}">
+                <a16:creationId xmlns:a16="http://schemas.microsoft.com/office/drawing/2014/main" id="{1AD6DCFA-0E71-4650-A5E4-3C20E73EB6C9}"/>
+              </a:ext>
+              <a:ext uri="{C183D7F6-B498-43B3-948B-1728B52AA6E4}">
+                <adec:decorative xmlns:adec="http://schemas.microsoft.com/office/drawing/2017/decorative" val="1"/>
+              </a:ext>
+            </a:extLst>
+          </p:cNvPr>
+          <p:cNvSpPr>
+            <a:spLocks noGrp="1" noRot="1" noChangeAspect="1" noMove="1" noResize="1" noEditPoints="1" noAdjustHandles="1" noChangeArrowheads="1" noChangeShapeType="1" noTextEdit="1"/>
+          </p:cNvSpPr>
+          <p:nvPr>
+            <p:extLst>
+              <p:ext uri="{386F3935-93C4-4BCD-93E2-E3B085C9AB24}">
+                <p16:designElem xmlns:p16="http://schemas.microsoft.com/office/powerpoint/2015/main" val="1"/>
+              </p:ext>
+            </p:extLst>
+          </p:nvPr>
+        </p:nvSpPr>
+        <p:spPr>
+          <a:xfrm>
+            <a:off x="484632" y="484632"/>
+            <a:ext cx="3666744" cy="5739187"/>
+          </a:xfrm>
+          <a:prstGeom prst="roundRect">
+            <a:avLst>
+              <a:gd name="adj" fmla="val 0"/>
+            </a:avLst>
+          </a:prstGeom>
+          <a:solidFill>
+            <a:srgbClr val="FFFFFF"/>
+          </a:solidFill>
+          <a:ln w="9525">
+            <a:solidFill>
+              <a:srgbClr val="C8CACA"/>
+            </a:solidFill>
+          </a:ln>
+          <a:effectLst>
+            <a:outerShdw blurRad="57150" dist="19050" dir="5400000" algn="t" rotWithShape="0">
+              <a:prstClr val="black">
+                <a:alpha val="63000"/>
+              </a:prstClr>
+            </a:outerShdw>
+          </a:effectLst>
+        </p:spPr>
+        <p:style>
+          <a:lnRef idx="2">
+            <a:schemeClr val="accent1">
+              <a:shade val="50000"/>
+            </a:schemeClr>
+          </a:lnRef>
+          <a:fillRef idx="1">
+            <a:schemeClr val="accent1"/>
+          </a:fillRef>
+          <a:effectRef idx="0">
+            <a:schemeClr val="accent1"/>
+          </a:effectRef>
+          <a:fontRef idx="minor">
+            <a:schemeClr val="lt1"/>
+          </a:fontRef>
+        </p:style>
+        <p:txBody>
+          <a:bodyPr rtlCol="0" anchor="ctr"/>
+          <a:lstStyle/>
+          <a:p>
+            <a:pPr algn="ctr"/>
+            <a:endParaRPr lang="en-US"/>
+          </a:p>
+        </p:txBody>
+      </p:sp>
+      <p:pic>
+        <p:nvPicPr>
+          <p:cNvPr id="17" name="Picture 16">
+            <a:extLst>
+              <a:ext uri="{FF2B5EF4-FFF2-40B4-BE49-F238E27FC236}">
+                <a16:creationId xmlns:a16="http://schemas.microsoft.com/office/drawing/2014/main" id="{552E7E14-CC18-4B8A-B40E-4393AA344AD5}"/>
+              </a:ext>
+            </a:extLst>
+          </p:cNvPr>
+          <p:cNvPicPr>
+            <a:picLocks noChangeAspect="1"/>
+          </p:cNvPicPr>
+          <p:nvPr/>
+        </p:nvPicPr>
+        <p:blipFill rotWithShape="1">
+          <a:blip r:embed="rId3"/>
+          <a:srcRect t="18239" r="4" b="20743"/>
+          <a:stretch/>
+        </p:blipFill>
+        <p:spPr>
+          <a:xfrm>
+            <a:off x="804672" y="803049"/>
+            <a:ext cx="3026664" cy="2470743"/>
+          </a:xfrm>
+          <a:prstGeom prst="rect">
+            <a:avLst/>
+          </a:prstGeom>
+          <a:effectLst/>
+        </p:spPr>
+      </p:pic>
       <p:pic>
         <p:nvPicPr>
           <p:cNvPr id="13" name="Picture 12" descr="A drawing of a cartoon character&#10;&#10;Description generated with high confidence">
@@ -4562,13 +5375,13 @@
               </a:ext>
             </a:extLst>
           </a:blip>
-          <a:srcRect r="-1" b="3466"/>
+          <a:srcRect r="5" b="14525"/>
           <a:stretch/>
         </p:blipFill>
         <p:spPr>
           <a:xfrm>
-            <a:off x="780580" y="3589867"/>
-            <a:ext cx="3065341" cy="2788920"/>
+            <a:off x="804672" y="3461344"/>
+            <a:ext cx="3026663" cy="2438400"/>
           </a:xfrm>
           <a:prstGeom prst="rect">
             <a:avLst/>
@@ -4593,37 +5406,25 @@
         </p:nvSpPr>
         <p:spPr>
           <a:xfrm>
-            <a:off x="5297762" y="478232"/>
-            <a:ext cx="6390654" cy="1999925"/>
+            <a:off x="5116878" y="629266"/>
+            <a:ext cx="6852872" cy="1676603"/>
           </a:xfrm>
         </p:spPr>
         <p:txBody>
           <a:bodyPr>
-            <a:normAutofit fontScale="90000"/>
+            <a:noAutofit/>
           </a:bodyPr>
           <a:lstStyle/>
           <a:p>
             <a:r>
-              <a:rPr lang="en-US" dirty="0">
-                <a:solidFill>
-                  <a:srgbClr val="FFFFFF"/>
-                </a:solidFill>
-              </a:rPr>
+              <a:rPr lang="en-US" b="1" dirty="0"/>
               <a:t>Intrusion Prevention Software</a:t>
             </a:r>
             <a:br>
-              <a:rPr lang="en-US" dirty="0">
-                <a:solidFill>
-                  <a:srgbClr val="FFFFFF"/>
-                </a:solidFill>
-              </a:rPr>
+              <a:rPr lang="en-US" dirty="0"/>
             </a:br>
             <a:r>
-              <a:rPr lang="en-US" dirty="0">
-                <a:solidFill>
-                  <a:srgbClr val="FFFFFF"/>
-                </a:solidFill>
-              </a:rPr>
+              <a:rPr lang="en-US" sz="3200" dirty="0"/>
               <a:t>Protects servers from brute-force attacks</a:t>
             </a:r>
           </a:p>
@@ -4647,104 +5448,57 @@
         </p:nvSpPr>
         <p:spPr>
           <a:xfrm>
-            <a:off x="5297762" y="2799889"/>
-            <a:ext cx="5747187" cy="2987543"/>
+            <a:off x="5116880" y="2438400"/>
+            <a:ext cx="6422848" cy="3785419"/>
           </a:xfrm>
         </p:spPr>
         <p:txBody>
-          <a:bodyPr anchor="t">
+          <a:bodyPr>
             <a:normAutofit/>
           </a:bodyPr>
           <a:lstStyle/>
           <a:p>
             <a:r>
-              <a:rPr lang="en-US" sz="3200" dirty="0">
-                <a:solidFill>
-                  <a:srgbClr val="FFFFFF"/>
-                </a:solidFill>
-              </a:rPr>
+              <a:rPr lang="en-US" sz="3200" dirty="0"/>
               <a:t>Cyril </a:t>
             </a:r>
             <a:r>
-              <a:rPr lang="en-US" sz="3200" dirty="0" err="1">
-                <a:solidFill>
-                  <a:srgbClr val="FFFFFF"/>
-                </a:solidFill>
-              </a:rPr>
+              <a:rPr lang="en-US" sz="3200" dirty="0" err="1"/>
               <a:t>Jaquier</a:t>
             </a:r>
             <a:r>
-              <a:rPr lang="en-US" sz="3200" dirty="0">
-                <a:solidFill>
-                  <a:srgbClr val="FFFFFF"/>
-                </a:solidFill>
-              </a:rPr>
+              <a:rPr lang="en-US" sz="3200" dirty="0"/>
               <a:t>, in 2004</a:t>
             </a:r>
           </a:p>
           <a:p>
             <a:r>
-              <a:rPr lang="en-US" sz="3200" dirty="0">
-                <a:solidFill>
-                  <a:srgbClr val="FFFFFF"/>
-                </a:solidFill>
-              </a:rPr>
+              <a:rPr lang="en-US" sz="3200" dirty="0"/>
               <a:t>1</a:t>
             </a:r>
             <a:r>
-              <a:rPr lang="en-US" sz="3200" baseline="30000" dirty="0">
-                <a:solidFill>
-                  <a:srgbClr val="FFFFFF"/>
-                </a:solidFill>
-              </a:rPr>
+              <a:rPr lang="en-US" sz="3200" baseline="30000" dirty="0"/>
               <a:t>st</a:t>
             </a:r>
             <a:r>
-              <a:rPr lang="en-US" sz="3200" dirty="0">
-                <a:solidFill>
-                  <a:srgbClr val="FFFFFF"/>
-                </a:solidFill>
-              </a:rPr>
+              <a:rPr lang="en-US" sz="3200" dirty="0"/>
               <a:t> Stable in 2006 (0.6.0)</a:t>
             </a:r>
           </a:p>
           <a:p>
             <a:r>
-              <a:rPr lang="en-US" sz="3200" dirty="0">
-                <a:solidFill>
-                  <a:srgbClr val="FFFFFF"/>
-                </a:solidFill>
-              </a:rPr>
+              <a:rPr lang="en-US" sz="3200" dirty="0"/>
               <a:t>Written in Python</a:t>
             </a:r>
           </a:p>
           <a:p>
-            <a:endParaRPr lang="en-US" sz="3200" dirty="0">
-              <a:solidFill>
-                <a:srgbClr val="FFFFFF"/>
-              </a:solidFill>
-            </a:endParaRPr>
-          </a:p>
-          <a:p>
-            <a:endParaRPr lang="en-US" sz="3200" dirty="0">
-              <a:solidFill>
-                <a:srgbClr val="FFFFFF"/>
-              </a:solidFill>
-            </a:endParaRPr>
-          </a:p>
-          <a:p>
-            <a:endParaRPr lang="en-US" sz="3200" dirty="0">
-              <a:solidFill>
-                <a:srgbClr val="FFFFFF"/>
-              </a:solidFill>
-            </a:endParaRPr>
-          </a:p>
-          <a:p>
-            <a:endParaRPr lang="en-US" sz="3200" dirty="0">
-              <a:solidFill>
-                <a:srgbClr val="FFFFFF"/>
-              </a:solidFill>
-            </a:endParaRPr>
+            <a:r>
+              <a:rPr lang="en-US" sz="3200" dirty="0"/>
+              <a:t>POSIX (Unix-like OS)</a:t>
+            </a:r>
+          </a:p>
+          <a:p>
+            <a:endParaRPr lang="en-US" sz="3200" dirty="0"/>
           </a:p>
         </p:txBody>
       </p:sp>
@@ -4761,7 +5515,7 @@
 </p:sld>
 </file>
 
-<file path=ppt/slides/slide3.xml><?xml version="1.0" encoding="utf-8"?>
+<file path=ppt/slides/slide5.xml><?xml version="1.0" encoding="utf-8"?>
 <p:sld xmlns:a="http://schemas.openxmlformats.org/drawingml/2006/main" xmlns:r="http://schemas.openxmlformats.org/officeDocument/2006/relationships" xmlns:p="http://schemas.openxmlformats.org/presentationml/2006/main">
   <p:cSld>
     <p:spTree>
@@ -4783,7 +5537,7 @@
           <p:cNvPr id="2" name="Title 1">
             <a:extLst>
               <a:ext uri="{FF2B5EF4-FFF2-40B4-BE49-F238E27FC236}">
-                <a16:creationId xmlns:a16="http://schemas.microsoft.com/office/drawing/2014/main" id="{FB5999B7-2C81-4067-BD64-9A71A8EB4292}"/>
+                <a16:creationId xmlns:a16="http://schemas.microsoft.com/office/drawing/2014/main" id="{1E490212-B4AD-44D2-993A-DB6D97A56444}"/>
               </a:ext>
             </a:extLst>
           </p:cNvPr>
@@ -4799,39 +5553,145 @@
           <a:bodyPr/>
           <a:lstStyle/>
           <a:p>
-            <a:endParaRPr lang="en-US"/>
-          </a:p>
-        </p:txBody>
-      </p:sp>
-      <p:sp>
-        <p:nvSpPr>
-          <p:cNvPr id="3" name="Content Placeholder 2">
-            <a:extLst>
-              <a:ext uri="{FF2B5EF4-FFF2-40B4-BE49-F238E27FC236}">
-                <a16:creationId xmlns:a16="http://schemas.microsoft.com/office/drawing/2014/main" id="{4994CF75-3413-4C10-A5F0-BAB340FE4844}"/>
-              </a:ext>
-            </a:extLst>
-          </p:cNvPr>
-          <p:cNvSpPr>
-            <a:spLocks noGrp="1"/>
-          </p:cNvSpPr>
-          <p:nvPr>
-            <p:ph idx="1"/>
-          </p:nvPr>
-        </p:nvSpPr>
-        <p:spPr/>
-        <p:txBody>
-          <a:bodyPr/>
-          <a:lstStyle/>
-          <a:p>
-            <a:endParaRPr lang="en-US"/>
-          </a:p>
-        </p:txBody>
-      </p:sp>
+            <a:r>
+              <a:rPr lang="en-US" dirty="0"/>
+              <a:t>How it works</a:t>
+            </a:r>
+          </a:p>
+        </p:txBody>
+      </p:sp>
+      <p:grpSp>
+        <p:nvGrpSpPr>
+          <p:cNvPr id="7" name="Group 6">
+            <a:extLst>
+              <a:ext uri="{FF2B5EF4-FFF2-40B4-BE49-F238E27FC236}">
+                <a16:creationId xmlns:a16="http://schemas.microsoft.com/office/drawing/2014/main" id="{5E2F6689-B17F-49C5-8513-C59F87426FB7}"/>
+              </a:ext>
+            </a:extLst>
+          </p:cNvPr>
+          <p:cNvGrpSpPr/>
+          <p:nvPr/>
+        </p:nvGrpSpPr>
+        <p:grpSpPr>
+          <a:xfrm>
+            <a:off x="5005388" y="866775"/>
+            <a:ext cx="1857376" cy="2628682"/>
+            <a:chOff x="757238" y="1825625"/>
+            <a:chExt cx="1857376" cy="2628682"/>
+          </a:xfrm>
+        </p:grpSpPr>
+        <p:pic>
+          <p:nvPicPr>
+            <p:cNvPr id="1028" name="Picture 4" descr="Resultado de imagem para monitoring">
+              <a:extLst>
+                <a:ext uri="{FF2B5EF4-FFF2-40B4-BE49-F238E27FC236}">
+                  <a16:creationId xmlns:a16="http://schemas.microsoft.com/office/drawing/2014/main" id="{8533CA3F-7DB5-49BD-AC97-F87DF0C25227}"/>
+                </a:ext>
+              </a:extLst>
+            </p:cNvPr>
+            <p:cNvPicPr>
+              <a:picLocks noChangeAspect="1" noChangeArrowheads="1"/>
+            </p:cNvPicPr>
+            <p:nvPr/>
+          </p:nvPicPr>
+          <p:blipFill>
+            <a:blip r:embed="rId2">
+              <a:extLst>
+                <a:ext uri="{28A0092B-C50C-407E-A947-70E740481C1C}">
+                  <a14:useLocalDpi xmlns:a14="http://schemas.microsoft.com/office/drawing/2010/main" val="0"/>
+                </a:ext>
+              </a:extLst>
+            </a:blip>
+            <a:srcRect/>
+            <a:stretch>
+              <a:fillRect/>
+            </a:stretch>
+          </p:blipFill>
+          <p:spPr bwMode="auto">
+            <a:xfrm>
+              <a:off x="757238" y="1825625"/>
+              <a:ext cx="1800225" cy="2543175"/>
+            </a:xfrm>
+            <a:prstGeom prst="rect">
+              <a:avLst/>
+            </a:prstGeom>
+            <a:noFill/>
+            <a:extLst>
+              <a:ext uri="{909E8E84-426E-40DD-AFC4-6F175D3DCCD1}">
+                <a14:hiddenFill xmlns:a14="http://schemas.microsoft.com/office/drawing/2010/main">
+                  <a:solidFill>
+                    <a:srgbClr val="FFFFFF"/>
+                  </a:solidFill>
+                </a14:hiddenFill>
+              </a:ext>
+            </a:extLst>
+          </p:spPr>
+        </p:pic>
+        <p:pic>
+          <p:nvPicPr>
+            <p:cNvPr id="4" name="Picture 3">
+              <a:extLst>
+                <a:ext uri="{FF2B5EF4-FFF2-40B4-BE49-F238E27FC236}">
+                  <a16:creationId xmlns:a16="http://schemas.microsoft.com/office/drawing/2014/main" id="{2818621C-4D2C-4209-BC66-DEDCE2FF03BB}"/>
+                </a:ext>
+              </a:extLst>
+            </p:cNvPr>
+            <p:cNvPicPr>
+              <a:picLocks noChangeAspect="1"/>
+            </p:cNvPicPr>
+            <p:nvPr/>
+          </p:nvPicPr>
+          <p:blipFill>
+            <a:blip r:embed="rId3"/>
+            <a:stretch>
+              <a:fillRect/>
+            </a:stretch>
+          </p:blipFill>
+          <p:spPr>
+            <a:xfrm>
+              <a:off x="1946276" y="3597202"/>
+              <a:ext cx="668338" cy="857105"/>
+            </a:xfrm>
+            <a:prstGeom prst="rect">
+              <a:avLst/>
+            </a:prstGeom>
+          </p:spPr>
+        </p:pic>
+      </p:grpSp>
+      <p:pic>
+        <p:nvPicPr>
+          <p:cNvPr id="11" name="Picture 10">
+            <a:extLst>
+              <a:ext uri="{FF2B5EF4-FFF2-40B4-BE49-F238E27FC236}">
+                <a16:creationId xmlns:a16="http://schemas.microsoft.com/office/drawing/2014/main" id="{15553F55-0857-4F9B-BCE8-91A38C820B0C}"/>
+              </a:ext>
+            </a:extLst>
+          </p:cNvPr>
+          <p:cNvPicPr>
+            <a:picLocks noChangeAspect="1"/>
+          </p:cNvPicPr>
+          <p:nvPr/>
+        </p:nvPicPr>
+        <p:blipFill>
+          <a:blip r:embed="rId4"/>
+          <a:stretch>
+            <a:fillRect/>
+          </a:stretch>
+        </p:blipFill>
+        <p:spPr>
+          <a:xfrm>
+            <a:off x="7594600" y="3829050"/>
+            <a:ext cx="1905000" cy="1905000"/>
+          </a:xfrm>
+          <a:prstGeom prst="rect">
+            <a:avLst/>
+          </a:prstGeom>
+        </p:spPr>
+      </p:pic>
     </p:spTree>
     <p:extLst>
       <p:ext uri="{BB962C8B-B14F-4D97-AF65-F5344CB8AC3E}">
-        <p14:creationId xmlns:p14="http://schemas.microsoft.com/office/powerpoint/2010/main" val="3964321685"/>
+        <p14:creationId xmlns:p14="http://schemas.microsoft.com/office/powerpoint/2010/main" val="14304050"/>
       </p:ext>
     </p:extLst>
   </p:cSld>

--- a/MondayPresentations/5_fail2ban/Fail2Ban.pptx
+++ b/MondayPresentations/5_fail2ban/Fail2Ban.pptx
@@ -5,7 +5,7 @@
     <p:sldMasterId id="2147483648" r:id="rId1"/>
   </p:sldMasterIdLst>
   <p:notesMasterIdLst>
-    <p:notesMasterId r:id="rId7"/>
+    <p:notesMasterId r:id="rId16"/>
   </p:notesMasterIdLst>
   <p:sldIdLst>
     <p:sldId id="256" r:id="rId2"/>
@@ -13,6 +13,15 @@
     <p:sldId id="259" r:id="rId4"/>
     <p:sldId id="257" r:id="rId5"/>
     <p:sldId id="260" r:id="rId6"/>
+    <p:sldId id="261" r:id="rId7"/>
+    <p:sldId id="263" r:id="rId8"/>
+    <p:sldId id="267" r:id="rId9"/>
+    <p:sldId id="270" r:id="rId10"/>
+    <p:sldId id="272" r:id="rId11"/>
+    <p:sldId id="273" r:id="rId12"/>
+    <p:sldId id="264" r:id="rId13"/>
+    <p:sldId id="275" r:id="rId14"/>
+    <p:sldId id="274" r:id="rId15"/>
   </p:sldIdLst>
   <p:sldSz cx="12192000" cy="6858000"/>
   <p:notesSz cx="6858000" cy="9144000"/>
@@ -4387,7 +4396,10 @@
     <p:bg>
       <p:bgPr>
         <a:solidFill>
-          <a:schemeClr val="bg1"/>
+          <a:schemeClr val="bg1">
+            <a:tint val="95000"/>
+            <a:satMod val="170000"/>
+          </a:schemeClr>
         </a:solidFill>
         <a:effectLst/>
       </p:bgPr>
@@ -4408,10 +4420,10 @@
       </p:grpSpPr>
       <p:sp>
         <p:nvSpPr>
-          <p:cNvPr id="18" name="Rectangle 17">
-            <a:extLst>
-              <a:ext uri="{FF2B5EF4-FFF2-40B4-BE49-F238E27FC236}">
-                <a16:creationId xmlns:a16="http://schemas.microsoft.com/office/drawing/2014/main" id="{ACBE1851-2230-47A9-B000-CE9046EA61B9}"/>
+          <p:cNvPr id="36" name="Freeform: Shape 35">
+            <a:extLst>
+              <a:ext uri="{FF2B5EF4-FFF2-40B4-BE49-F238E27FC236}">
+                <a16:creationId xmlns:a16="http://schemas.microsoft.com/office/drawing/2014/main" id="{1DB7C82F-AB7E-4F0C-B829-FA1B9C415180}"/>
               </a:ext>
               <a:ext uri="{C183D7F6-B498-43B3-948B-1728B52AA6E4}">
                 <adec:decorative xmlns:adec="http://schemas.microsoft.com/office/drawing/2017/decorative" val="1"/>
@@ -4430,15 +4442,88 @@
           </p:nvPr>
         </p:nvSpPr>
         <p:spPr>
-          <a:xfrm>
+          <a:xfrm flipH="1">
             <a:off x="0" y="0"/>
-            <a:ext cx="5468548" cy="6858000"/>
-          </a:xfrm>
-          <a:prstGeom prst="rect">
+            <a:ext cx="6172782" cy="6858000"/>
+          </a:xfrm>
+          <a:custGeom>
             <a:avLst/>
-          </a:prstGeom>
+            <a:gdLst>
+              <a:gd name="connsiteX0" fmla="*/ 6172782 w 6172782"/>
+              <a:gd name="connsiteY0" fmla="*/ 0 h 6858000"/>
+              <a:gd name="connsiteX1" fmla="*/ 69075 w 6172782"/>
+              <a:gd name="connsiteY1" fmla="*/ 0 h 6858000"/>
+              <a:gd name="connsiteX2" fmla="*/ 35131 w 6172782"/>
+              <a:gd name="connsiteY2" fmla="*/ 267128 h 6858000"/>
+              <a:gd name="connsiteX3" fmla="*/ 0 w 6172782"/>
+              <a:gd name="connsiteY3" fmla="*/ 962845 h 6858000"/>
+              <a:gd name="connsiteX4" fmla="*/ 3276103 w 6172782"/>
+              <a:gd name="connsiteY4" fmla="*/ 6782205 h 6858000"/>
+              <a:gd name="connsiteX5" fmla="*/ 3407923 w 6172782"/>
+              <a:gd name="connsiteY5" fmla="*/ 6858000 h 6858000"/>
+              <a:gd name="connsiteX6" fmla="*/ 6172782 w 6172782"/>
+              <a:gd name="connsiteY6" fmla="*/ 6858000 h 6858000"/>
+            </a:gdLst>
+            <a:ahLst/>
+            <a:cxnLst>
+              <a:cxn ang="0">
+                <a:pos x="connsiteX0" y="connsiteY0"/>
+              </a:cxn>
+              <a:cxn ang="0">
+                <a:pos x="connsiteX1" y="connsiteY1"/>
+              </a:cxn>
+              <a:cxn ang="0">
+                <a:pos x="connsiteX2" y="connsiteY2"/>
+              </a:cxn>
+              <a:cxn ang="0">
+                <a:pos x="connsiteX3" y="connsiteY3"/>
+              </a:cxn>
+              <a:cxn ang="0">
+                <a:pos x="connsiteX4" y="connsiteY4"/>
+              </a:cxn>
+              <a:cxn ang="0">
+                <a:pos x="connsiteX5" y="connsiteY5"/>
+              </a:cxn>
+              <a:cxn ang="0">
+                <a:pos x="connsiteX6" y="connsiteY6"/>
+              </a:cxn>
+            </a:cxnLst>
+            <a:rect l="l" t="t" r="r" b="b"/>
+            <a:pathLst>
+              <a:path w="6172782" h="6858000">
+                <a:moveTo>
+                  <a:pt x="6172782" y="0"/>
+                </a:moveTo>
+                <a:lnTo>
+                  <a:pt x="69075" y="0"/>
+                </a:lnTo>
+                <a:lnTo>
+                  <a:pt x="35131" y="267128"/>
+                </a:lnTo>
+                <a:cubicBezTo>
+                  <a:pt x="11901" y="495874"/>
+                  <a:pt x="0" y="727970"/>
+                  <a:pt x="0" y="962845"/>
+                </a:cubicBezTo>
+                <a:cubicBezTo>
+                  <a:pt x="0" y="3429034"/>
+                  <a:pt x="1312002" y="5588789"/>
+                  <a:pt x="3276103" y="6782205"/>
+                </a:cubicBezTo>
+                <a:lnTo>
+                  <a:pt x="3407923" y="6858000"/>
+                </a:lnTo>
+                <a:lnTo>
+                  <a:pt x="6172782" y="6858000"/>
+                </a:lnTo>
+                <a:close/>
+              </a:path>
+            </a:pathLst>
+          </a:custGeom>
           <a:solidFill>
-            <a:srgbClr val="42724E"/>
+            <a:srgbClr val="FFFFFF">
+              <a:alpha val="80000"/>
+            </a:srgbClr>
           </a:solidFill>
           <a:ln>
             <a:noFill/>
@@ -4461,68 +4546,45 @@
           </a:fontRef>
         </p:style>
         <p:txBody>
-          <a:bodyPr rtlCol="0" anchor="ctr"/>
-          <a:lstStyle/>
-          <a:p>
-            <a:pPr algn="ctr"/>
-            <a:endParaRPr lang="en-US"/>
-          </a:p>
-        </p:txBody>
-      </p:sp>
-      <p:cxnSp>
-        <p:nvCxnSpPr>
-          <p:cNvPr id="20" name="Straight Connector 19">
-            <a:extLst>
-              <a:ext uri="{FF2B5EF4-FFF2-40B4-BE49-F238E27FC236}">
-                <a16:creationId xmlns:a16="http://schemas.microsoft.com/office/drawing/2014/main" id="{23B93832-6514-44F4-849B-5EE2C8A2337D}"/>
-              </a:ext>
-              <a:ext uri="{C183D7F6-B498-43B3-948B-1728B52AA6E4}">
-                <adec:decorative xmlns:adec="http://schemas.microsoft.com/office/drawing/2017/decorative" val="1"/>
-              </a:ext>
-            </a:extLst>
-          </p:cNvPr>
-          <p:cNvCxnSpPr>
-            <a:cxnSpLocks noGrp="1" noRot="1" noChangeAspect="1" noMove="1" noResize="1" noEditPoints="1" noAdjustHandles="1" noChangeArrowheads="1" noChangeShapeType="1"/>
-          </p:cNvCxnSpPr>
-          <p:nvPr>
-            <p:extLst>
-              <p:ext uri="{386F3935-93C4-4BCD-93E2-E3B085C9AB24}">
-                <p16:designElem xmlns:p16="http://schemas.microsoft.com/office/powerpoint/2015/main" val="1"/>
-              </p:ext>
-            </p:extLst>
-          </p:nvPr>
-        </p:nvCxnSpPr>
-        <p:spPr>
-          <a:xfrm>
-            <a:off x="786679" y="3928939"/>
-            <a:ext cx="3931920" cy="0"/>
-          </a:xfrm>
-          <a:prstGeom prst="line">
-            <a:avLst/>
-          </a:prstGeom>
-          <a:ln w="19050">
-            <a:solidFill>
-              <a:srgbClr val="FFFFFF">
-                <a:alpha val="80000"/>
-              </a:srgbClr>
-            </a:solidFill>
-          </a:ln>
-        </p:spPr>
-        <p:style>
-          <a:lnRef idx="1">
-            <a:schemeClr val="accent1"/>
-          </a:lnRef>
-          <a:fillRef idx="0">
-            <a:schemeClr val="accent1"/>
-          </a:fillRef>
-          <a:effectRef idx="0">
-            <a:schemeClr val="accent1"/>
-          </a:effectRef>
-          <a:fontRef idx="minor">
-            <a:schemeClr val="tx1"/>
-          </a:fontRef>
-        </p:style>
-      </p:cxnSp>
+          <a:bodyPr wrap="square" rtlCol="0" anchor="ctr">
+            <a:noAutofit/>
+          </a:bodyPr>
+          <a:lstStyle/>
+          <a:p>
+            <a:pPr marL="0" marR="0" lvl="0" indent="0" algn="ctr" defTabSz="914400" rtl="0" eaLnBrk="1" fontAlgn="auto" latinLnBrk="0" hangingPunct="1">
+              <a:lnSpc>
+                <a:spcPct val="100000"/>
+              </a:lnSpc>
+              <a:spcBef>
+                <a:spcPts val="0"/>
+              </a:spcBef>
+              <a:spcAft>
+                <a:spcPts val="0"/>
+              </a:spcAft>
+              <a:buClrTx/>
+              <a:buSzTx/>
+              <a:buFontTx/>
+              <a:buNone/>
+              <a:tabLst/>
+              <a:defRPr/>
+            </a:pPr>
+            <a:endParaRPr kumimoji="0" lang="en-US" sz="1800" b="0" i="0" u="none" strike="noStrike" kern="1200" cap="none" spc="0" normalizeH="0" baseline="0" noProof="0">
+              <a:ln>
+                <a:noFill/>
+              </a:ln>
+              <a:solidFill>
+                <a:prstClr val="white"/>
+              </a:solidFill>
+              <a:effectLst/>
+              <a:uLnTx/>
+              <a:uFillTx/>
+              <a:latin typeface="Calibri" panose="020F0502020204030204"/>
+              <a:ea typeface="+mn-ea"/>
+              <a:cs typeface="+mn-cs"/>
+            </a:endParaRPr>
+          </a:p>
+        </p:txBody>
+      </p:sp>
       <p:pic>
         <p:nvPicPr>
           <p:cNvPr id="13" name="Picture 12" descr="A drawing of a cartoon character&#10;&#10;Description generated with high confidence">
@@ -4545,25 +4607,413 @@
               </a:ext>
             </a:extLst>
           </a:blip>
-          <a:srcRect r="-1" b="3466"/>
+          <a:srcRect l="17210"/>
           <a:stretch/>
         </p:blipFill>
         <p:spPr>
           <a:xfrm>
-            <a:off x="6096000" y="945910"/>
-            <a:ext cx="5459470" cy="4967155"/>
+            <a:off x="20" y="10"/>
+            <a:ext cx="6024134" cy="6857990"/>
+          </a:xfrm>
+          <a:custGeom>
+            <a:avLst/>
+            <a:gdLst>
+              <a:gd name="connsiteX0" fmla="*/ 0 w 6024154"/>
+              <a:gd name="connsiteY0" fmla="*/ 0 h 6858000"/>
+              <a:gd name="connsiteX1" fmla="*/ 5953780 w 6024154"/>
+              <a:gd name="connsiteY1" fmla="*/ 0 h 6858000"/>
+              <a:gd name="connsiteX2" fmla="*/ 5989880 w 6024154"/>
+              <a:gd name="connsiteY2" fmla="*/ 284091 h 6858000"/>
+              <a:gd name="connsiteX3" fmla="*/ 6024154 w 6024154"/>
+              <a:gd name="connsiteY3" fmla="*/ 962844 h 6858000"/>
+              <a:gd name="connsiteX4" fmla="*/ 2549934 w 6024154"/>
+              <a:gd name="connsiteY4" fmla="*/ 6800152 h 6858000"/>
+              <a:gd name="connsiteX5" fmla="*/ 2436987 w 6024154"/>
+              <a:gd name="connsiteY5" fmla="*/ 6858000 h 6858000"/>
+              <a:gd name="connsiteX6" fmla="*/ 0 w 6024154"/>
+              <a:gd name="connsiteY6" fmla="*/ 6858000 h 6858000"/>
+            </a:gdLst>
+            <a:ahLst/>
+            <a:cxnLst>
+              <a:cxn ang="0">
+                <a:pos x="connsiteX0" y="connsiteY0"/>
+              </a:cxn>
+              <a:cxn ang="0">
+                <a:pos x="connsiteX1" y="connsiteY1"/>
+              </a:cxn>
+              <a:cxn ang="0">
+                <a:pos x="connsiteX2" y="connsiteY2"/>
+              </a:cxn>
+              <a:cxn ang="0">
+                <a:pos x="connsiteX3" y="connsiteY3"/>
+              </a:cxn>
+              <a:cxn ang="0">
+                <a:pos x="connsiteX4" y="connsiteY4"/>
+              </a:cxn>
+              <a:cxn ang="0">
+                <a:pos x="connsiteX5" y="connsiteY5"/>
+              </a:cxn>
+              <a:cxn ang="0">
+                <a:pos x="connsiteX6" y="connsiteY6"/>
+              </a:cxn>
+            </a:cxnLst>
+            <a:rect l="l" t="t" r="r" b="b"/>
+            <a:pathLst>
+              <a:path w="6024154" h="6858000">
+                <a:moveTo>
+                  <a:pt x="0" y="0"/>
+                </a:moveTo>
+                <a:lnTo>
+                  <a:pt x="5953780" y="0"/>
+                </a:lnTo>
+                <a:lnTo>
+                  <a:pt x="5989880" y="284091"/>
+                </a:lnTo>
+                <a:cubicBezTo>
+                  <a:pt x="6012544" y="507260"/>
+                  <a:pt x="6024154" y="733696"/>
+                  <a:pt x="6024154" y="962844"/>
+                </a:cubicBezTo>
+                <a:cubicBezTo>
+                  <a:pt x="6024154" y="3483472"/>
+                  <a:pt x="4619336" y="5675986"/>
+                  <a:pt x="2549934" y="6800152"/>
+                </a:cubicBezTo>
+                <a:lnTo>
+                  <a:pt x="2436987" y="6858000"/>
+                </a:lnTo>
+                <a:lnTo>
+                  <a:pt x="0" y="6858000"/>
+                </a:lnTo>
+                <a:close/>
+              </a:path>
+            </a:pathLst>
+          </a:custGeom>
+        </p:spPr>
+      </p:pic>
+      <p:sp>
+        <p:nvSpPr>
+          <p:cNvPr id="2" name="Title 1">
+            <a:extLst>
+              <a:ext uri="{FF2B5EF4-FFF2-40B4-BE49-F238E27FC236}">
+                <a16:creationId xmlns:a16="http://schemas.microsoft.com/office/drawing/2014/main" id="{20C7CC26-8994-46B7-A7E9-990F85AEBC19}"/>
+              </a:ext>
+            </a:extLst>
+          </p:cNvPr>
+          <p:cNvSpPr>
+            <a:spLocks noGrp="1"/>
+          </p:cNvSpPr>
+          <p:nvPr>
+            <p:ph type="ctrTitle"/>
+          </p:nvPr>
+        </p:nvSpPr>
+        <p:spPr>
+          <a:xfrm>
+            <a:off x="6746628" y="1783959"/>
+            <a:ext cx="4645250" cy="2889114"/>
+          </a:xfrm>
+        </p:spPr>
+        <p:txBody>
+          <a:bodyPr anchor="b">
+            <a:normAutofit/>
+          </a:bodyPr>
+          <a:lstStyle/>
+          <a:p>
+            <a:pPr algn="l"/>
+            <a:r>
+              <a:rPr lang="en-US" b="1">
+                <a:latin typeface="Arial Black" panose="020B0A04020102020204" pitchFamily="34" charset="0"/>
+              </a:rPr>
+              <a:t>FAIL2BAN</a:t>
+            </a:r>
+          </a:p>
+        </p:txBody>
+      </p:sp>
+      <p:sp>
+        <p:nvSpPr>
+          <p:cNvPr id="3" name="Subtitle 2">
+            <a:extLst>
+              <a:ext uri="{FF2B5EF4-FFF2-40B4-BE49-F238E27FC236}">
+                <a16:creationId xmlns:a16="http://schemas.microsoft.com/office/drawing/2014/main" id="{90E077CE-3354-478B-841A-390DE8FBDAD8}"/>
+              </a:ext>
+            </a:extLst>
+          </p:cNvPr>
+          <p:cNvSpPr>
+            <a:spLocks noGrp="1"/>
+          </p:cNvSpPr>
+          <p:nvPr>
+            <p:ph type="subTitle" idx="1"/>
+          </p:nvPr>
+        </p:nvSpPr>
+        <p:spPr>
+          <a:xfrm>
+            <a:off x="6746627" y="4750893"/>
+            <a:ext cx="4645250" cy="1147863"/>
+          </a:xfrm>
+        </p:spPr>
+        <p:txBody>
+          <a:bodyPr anchor="t">
+            <a:normAutofit/>
+          </a:bodyPr>
+          <a:lstStyle/>
+          <a:p>
+            <a:pPr algn="l"/>
+            <a:r>
+              <a:rPr lang="en-US" sz="2000"/>
+              <a:t>Francis B. Odisi</a:t>
+            </a:r>
+          </a:p>
+        </p:txBody>
+      </p:sp>
+    </p:spTree>
+    <p:extLst>
+      <p:ext uri="{BB962C8B-B14F-4D97-AF65-F5344CB8AC3E}">
+        <p14:creationId xmlns:p14="http://schemas.microsoft.com/office/powerpoint/2010/main" val="58590654"/>
+      </p:ext>
+    </p:extLst>
+  </p:cSld>
+  <p:clrMapOvr>
+    <a:overrideClrMapping bg1="dk1" tx1="lt1" bg2="dk2" tx2="lt2" accent1="accent1" accent2="accent2" accent3="accent3" accent4="accent4" accent5="accent5" accent6="accent6" hlink="hlink" folHlink="folHlink"/>
+  </p:clrMapOvr>
+</p:sld>
+</file>
+
+<file path=ppt/slides/slide10.xml><?xml version="1.0" encoding="utf-8"?>
+<p:sld xmlns:a="http://schemas.openxmlformats.org/drawingml/2006/main" xmlns:r="http://schemas.openxmlformats.org/officeDocument/2006/relationships" xmlns:p="http://schemas.openxmlformats.org/presentationml/2006/main">
+  <p:cSld>
+    <p:bg>
+      <p:bgPr>
+        <a:solidFill>
+          <a:schemeClr val="bg1"/>
+        </a:solidFill>
+        <a:effectLst/>
+      </p:bgPr>
+    </p:bg>
+    <p:spTree>
+      <p:nvGrpSpPr>
+        <p:cNvPr id="1" name=""/>
+        <p:cNvGrpSpPr/>
+        <p:nvPr/>
+      </p:nvGrpSpPr>
+      <p:grpSpPr>
+        <a:xfrm>
+          <a:off x="0" y="0"/>
+          <a:ext cx="0" cy="0"/>
+          <a:chOff x="0" y="0"/>
+          <a:chExt cx="0" cy="0"/>
+        </a:xfrm>
+      </p:grpSpPr>
+      <p:sp>
+        <p:nvSpPr>
+          <p:cNvPr id="3" name="Content Placeholder 2">
+            <a:extLst>
+              <a:ext uri="{FF2B5EF4-FFF2-40B4-BE49-F238E27FC236}">
+                <a16:creationId xmlns:a16="http://schemas.microsoft.com/office/drawing/2014/main" id="{53E7C274-D9C6-4274-8466-68D65667A66A}"/>
+              </a:ext>
+            </a:extLst>
+          </p:cNvPr>
+          <p:cNvSpPr>
+            <a:spLocks noGrp="1"/>
+          </p:cNvSpPr>
+          <p:nvPr>
+            <p:ph idx="1"/>
+          </p:nvPr>
+        </p:nvSpPr>
+        <p:spPr>
+          <a:xfrm>
+            <a:off x="412750" y="1930248"/>
+            <a:ext cx="6318250" cy="3937152"/>
+          </a:xfrm>
+        </p:spPr>
+        <p:txBody>
+          <a:bodyPr>
+            <a:noAutofit/>
+          </a:bodyPr>
+          <a:lstStyle/>
+          <a:p>
+            <a:pPr>
+              <a:spcAft>
+                <a:spcPts val="1200"/>
+              </a:spcAft>
+            </a:pPr>
+            <a:r>
+              <a:rPr lang="en-US" sz="3200" dirty="0"/>
+              <a:t>Client/Server architecture</a:t>
+            </a:r>
+          </a:p>
+          <a:p>
+            <a:pPr>
+              <a:spcAft>
+                <a:spcPts val="1200"/>
+              </a:spcAft>
+            </a:pPr>
+            <a:r>
+              <a:rPr lang="en-US" sz="3200" dirty="0"/>
+              <a:t>Multi-threaded</a:t>
+            </a:r>
+          </a:p>
+          <a:p>
+            <a:pPr>
+              <a:spcAft>
+                <a:spcPts val="1200"/>
+              </a:spcAft>
+            </a:pPr>
+            <a:r>
+              <a:rPr lang="en-US" sz="3200" dirty="0"/>
+              <a:t>Database support</a:t>
+            </a:r>
+          </a:p>
+          <a:p>
+            <a:pPr>
+              <a:spcAft>
+                <a:spcPts val="1200"/>
+              </a:spcAft>
+            </a:pPr>
+            <a:r>
+              <a:rPr lang="en-US" sz="3200" dirty="0"/>
+              <a:t>Highly configurable using split configuration files</a:t>
+            </a:r>
+          </a:p>
+          <a:p>
+            <a:pPr>
+              <a:spcAft>
+                <a:spcPts val="1200"/>
+              </a:spcAft>
+            </a:pPr>
+            <a:r>
+              <a:rPr lang="en-US" sz="3200" dirty="0"/>
+              <a:t>Timeout on ban commands</a:t>
+            </a:r>
+          </a:p>
+        </p:txBody>
+      </p:sp>
+      <p:sp>
+        <p:nvSpPr>
+          <p:cNvPr id="23" name="Title 1">
+            <a:extLst>
+              <a:ext uri="{FF2B5EF4-FFF2-40B4-BE49-F238E27FC236}">
+                <a16:creationId xmlns:a16="http://schemas.microsoft.com/office/drawing/2014/main" id="{B4BD1465-E306-4B88-80FC-E7D576EF1DDE}"/>
+              </a:ext>
+            </a:extLst>
+          </p:cNvPr>
+          <p:cNvSpPr>
+            <a:spLocks noGrp="1"/>
+          </p:cNvSpPr>
+          <p:nvPr>
+            <p:ph type="title"/>
+          </p:nvPr>
+        </p:nvSpPr>
+        <p:spPr>
+          <a:xfrm>
+            <a:off x="0" y="5231"/>
+            <a:ext cx="12192000" cy="705969"/>
+          </a:xfrm>
+          <a:solidFill>
+            <a:schemeClr val="tx1">
+              <a:lumMod val="75000"/>
+              <a:lumOff val="25000"/>
+            </a:schemeClr>
+          </a:solidFill>
+        </p:spPr>
+        <p:txBody>
+          <a:bodyPr>
+            <a:normAutofit/>
+          </a:bodyPr>
+          <a:lstStyle/>
+          <a:p>
+            <a:pPr algn="ctr"/>
+            <a:r>
+              <a:rPr lang="en-US" b="1" dirty="0">
+                <a:solidFill>
+                  <a:schemeClr val="bg1"/>
+                </a:solidFill>
+                <a:latin typeface="+mn-lt"/>
+              </a:rPr>
+              <a:t>Additional Features</a:t>
+            </a:r>
+          </a:p>
+        </p:txBody>
+      </p:sp>
+      <p:pic>
+        <p:nvPicPr>
+          <p:cNvPr id="24" name="Picture 23" descr="A close up of a logo&#10;&#10;Description generated with high confidence">
+            <a:extLst>
+              <a:ext uri="{FF2B5EF4-FFF2-40B4-BE49-F238E27FC236}">
+                <a16:creationId xmlns:a16="http://schemas.microsoft.com/office/drawing/2014/main" id="{0CAFAEEA-9ED5-4F16-9E5C-F2A4E73A664F}"/>
+              </a:ext>
+            </a:extLst>
+          </p:cNvPr>
+          <p:cNvPicPr>
+            <a:picLocks noChangeAspect="1"/>
+          </p:cNvPicPr>
+          <p:nvPr/>
+        </p:nvPicPr>
+        <p:blipFill>
+          <a:blip r:embed="rId2">
+            <a:extLst>
+              <a:ext uri="{28A0092B-C50C-407E-A947-70E740481C1C}">
+                <a14:useLocalDpi xmlns:a14="http://schemas.microsoft.com/office/drawing/2010/main" val="0"/>
+              </a:ext>
+            </a:extLst>
+          </a:blip>
+          <a:stretch>
+            <a:fillRect/>
+          </a:stretch>
+        </p:blipFill>
+        <p:spPr>
+          <a:xfrm>
+            <a:off x="8422103" y="3937000"/>
+            <a:ext cx="3211096" cy="2405222"/>
           </a:xfrm>
           <a:prstGeom prst="rect">
             <a:avLst/>
           </a:prstGeom>
         </p:spPr>
       </p:pic>
-      <p:sp>
-        <p:nvSpPr>
-          <p:cNvPr id="2" name="Title 1">
-            <a:extLst>
-              <a:ext uri="{FF2B5EF4-FFF2-40B4-BE49-F238E27FC236}">
-                <a16:creationId xmlns:a16="http://schemas.microsoft.com/office/drawing/2014/main" id="{20C7CC26-8994-46B7-A7E9-990F85AEBC19}"/>
+    </p:spTree>
+    <p:extLst>
+      <p:ext uri="{BB962C8B-B14F-4D97-AF65-F5344CB8AC3E}">
+        <p14:creationId xmlns:p14="http://schemas.microsoft.com/office/powerpoint/2010/main" val="2336316075"/>
+      </p:ext>
+    </p:extLst>
+  </p:cSld>
+  <p:clrMapOvr>
+    <a:masterClrMapping/>
+  </p:clrMapOvr>
+</p:sld>
+</file>
+
+<file path=ppt/slides/slide11.xml><?xml version="1.0" encoding="utf-8"?>
+<p:sld xmlns:a="http://schemas.openxmlformats.org/drawingml/2006/main" xmlns:r="http://schemas.openxmlformats.org/officeDocument/2006/relationships" xmlns:p="http://schemas.openxmlformats.org/presentationml/2006/main">
+  <p:cSld>
+    <p:bg>
+      <p:bgPr>
+        <a:solidFill>
+          <a:schemeClr val="bg1"/>
+        </a:solidFill>
+        <a:effectLst/>
+      </p:bgPr>
+    </p:bg>
+    <p:spTree>
+      <p:nvGrpSpPr>
+        <p:cNvPr id="1" name=""/>
+        <p:cNvGrpSpPr/>
+        <p:nvPr/>
+      </p:nvGrpSpPr>
+      <p:grpSpPr>
+        <a:xfrm>
+          <a:off x="0" y="0"/>
+          <a:ext cx="0" cy="0"/>
+          <a:chOff x="0" y="0"/>
+          <a:chExt cx="0" cy="0"/>
+        </a:xfrm>
+      </p:grpSpPr>
+      <p:sp>
+        <p:nvSpPr>
+          <p:cNvPr id="3" name="Content Placeholder 2">
+            <a:extLst>
+              <a:ext uri="{FF2B5EF4-FFF2-40B4-BE49-F238E27FC236}">
+                <a16:creationId xmlns:a16="http://schemas.microsoft.com/office/drawing/2014/main" id="{53E7C274-D9C6-4274-8466-68D65667A66A}"/>
               </a:ext>
             </a:extLst>
           </p:cNvPr>
@@ -4571,78 +5021,759 @@
             <a:spLocks noGrp="1"/>
           </p:cNvSpPr>
           <p:nvPr>
-            <p:ph type="ctrTitle"/>
+            <p:ph idx="1"/>
           </p:nvPr>
         </p:nvSpPr>
         <p:spPr>
           <a:xfrm>
-            <a:off x="634276" y="803705"/>
-            <a:ext cx="4208656" cy="3034857"/>
+            <a:off x="317500" y="1940411"/>
+            <a:ext cx="6483350" cy="3503924"/>
           </a:xfrm>
         </p:spPr>
         <p:txBody>
-          <a:bodyPr anchor="b">
+          <a:bodyPr>
+            <a:noAutofit/>
+          </a:bodyPr>
+          <a:lstStyle/>
+          <a:p>
+            <a:pPr>
+              <a:spcAft>
+                <a:spcPts val="1200"/>
+              </a:spcAft>
+            </a:pPr>
+            <a:r>
+              <a:rPr lang="en-US" sz="3200"/>
+              <a:t>Can handle multiple services at once</a:t>
+            </a:r>
+          </a:p>
+          <a:p>
+            <a:pPr>
+              <a:spcAft>
+                <a:spcPts val="1200"/>
+              </a:spcAft>
+            </a:pPr>
+            <a:r>
+              <a:rPr lang="en-US" sz="3200"/>
+              <a:t>Resolves DNS hostname &gt; IP address</a:t>
+            </a:r>
+          </a:p>
+          <a:p>
+            <a:pPr>
+              <a:spcAft>
+                <a:spcPts val="1200"/>
+              </a:spcAft>
+            </a:pPr>
+            <a:r>
+              <a:rPr lang="en-US" sz="3200"/>
+              <a:t>Multi-line parsing in filters</a:t>
+            </a:r>
+          </a:p>
+          <a:p>
+            <a:pPr>
+              <a:spcAft>
+                <a:spcPts val="1200"/>
+              </a:spcAft>
+            </a:pPr>
+            <a:r>
+              <a:rPr lang="en-US" sz="3200"/>
+              <a:t>Custom date time support for filters</a:t>
+            </a:r>
+          </a:p>
+          <a:p>
+            <a:pPr>
+              <a:spcAft>
+                <a:spcPts val="1200"/>
+              </a:spcAft>
+            </a:pPr>
+            <a:r>
+              <a:rPr lang="en-US" sz="3200"/>
+              <a:t>Timezone awareness by default</a:t>
+            </a:r>
+            <a:endParaRPr lang="en-US" sz="3200" dirty="0"/>
+          </a:p>
+        </p:txBody>
+      </p:sp>
+      <p:sp>
+        <p:nvSpPr>
+          <p:cNvPr id="23" name="Title 1">
+            <a:extLst>
+              <a:ext uri="{FF2B5EF4-FFF2-40B4-BE49-F238E27FC236}">
+                <a16:creationId xmlns:a16="http://schemas.microsoft.com/office/drawing/2014/main" id="{B4BD1465-E306-4B88-80FC-E7D576EF1DDE}"/>
+              </a:ext>
+            </a:extLst>
+          </p:cNvPr>
+          <p:cNvSpPr>
+            <a:spLocks noGrp="1"/>
+          </p:cNvSpPr>
+          <p:nvPr>
+            <p:ph type="title"/>
+          </p:nvPr>
+        </p:nvSpPr>
+        <p:spPr>
+          <a:xfrm>
+            <a:off x="0" y="5231"/>
+            <a:ext cx="12192000" cy="705969"/>
+          </a:xfrm>
+          <a:solidFill>
+            <a:schemeClr val="tx1">
+              <a:lumMod val="75000"/>
+              <a:lumOff val="25000"/>
+            </a:schemeClr>
+          </a:solidFill>
+        </p:spPr>
+        <p:txBody>
+          <a:bodyPr>
             <a:normAutofit/>
           </a:bodyPr>
           <a:lstStyle/>
           <a:p>
-            <a:pPr algn="r"/>
-            <a:r>
-              <a:rPr lang="en-US" sz="5400" b="1">
+            <a:pPr algn="ctr"/>
+            <a:r>
+              <a:rPr lang="en-US" b="1">
+                <a:solidFill>
+                  <a:schemeClr val="bg1"/>
+                </a:solidFill>
+                <a:latin typeface="+mn-lt"/>
+              </a:rPr>
+              <a:t>Additional Features</a:t>
+            </a:r>
+            <a:endParaRPr lang="en-US" b="1" dirty="0">
+              <a:solidFill>
+                <a:schemeClr val="bg1"/>
+              </a:solidFill>
+              <a:latin typeface="+mn-lt"/>
+            </a:endParaRPr>
+          </a:p>
+        </p:txBody>
+      </p:sp>
+      <p:pic>
+        <p:nvPicPr>
+          <p:cNvPr id="5" name="Picture 4" descr="A close up of a logo&#10;&#10;Description generated with high confidence">
+            <a:extLst>
+              <a:ext uri="{FF2B5EF4-FFF2-40B4-BE49-F238E27FC236}">
+                <a16:creationId xmlns:a16="http://schemas.microsoft.com/office/drawing/2014/main" id="{2924CFD9-9B92-492D-954C-EAC730E5176B}"/>
+              </a:ext>
+            </a:extLst>
+          </p:cNvPr>
+          <p:cNvPicPr>
+            <a:picLocks noChangeAspect="1"/>
+          </p:cNvPicPr>
+          <p:nvPr/>
+        </p:nvPicPr>
+        <p:blipFill>
+          <a:blip r:embed="rId2">
+            <a:extLst>
+              <a:ext uri="{28A0092B-C50C-407E-A947-70E740481C1C}">
+                <a14:useLocalDpi xmlns:a14="http://schemas.microsoft.com/office/drawing/2010/main" val="0"/>
+              </a:ext>
+            </a:extLst>
+          </a:blip>
+          <a:stretch>
+            <a:fillRect/>
+          </a:stretch>
+        </p:blipFill>
+        <p:spPr>
+          <a:xfrm>
+            <a:off x="8422103" y="3937000"/>
+            <a:ext cx="3211096" cy="2405222"/>
+          </a:xfrm>
+          <a:prstGeom prst="rect">
+            <a:avLst/>
+          </a:prstGeom>
+        </p:spPr>
+      </p:pic>
+    </p:spTree>
+    <p:extLst>
+      <p:ext uri="{BB962C8B-B14F-4D97-AF65-F5344CB8AC3E}">
+        <p14:creationId xmlns:p14="http://schemas.microsoft.com/office/powerpoint/2010/main" val="2731030370"/>
+      </p:ext>
+    </p:extLst>
+  </p:cSld>
+  <p:clrMapOvr>
+    <a:masterClrMapping/>
+  </p:clrMapOvr>
+</p:sld>
+</file>
+
+<file path=ppt/slides/slide12.xml><?xml version="1.0" encoding="utf-8"?>
+<p:sld xmlns:a="http://schemas.openxmlformats.org/drawingml/2006/main" xmlns:r="http://schemas.openxmlformats.org/officeDocument/2006/relationships" xmlns:p="http://schemas.openxmlformats.org/presentationml/2006/main">
+  <p:cSld>
+    <p:bg>
+      <p:bgPr>
+        <a:solidFill>
+          <a:schemeClr val="bg1"/>
+        </a:solidFill>
+        <a:effectLst/>
+      </p:bgPr>
+    </p:bg>
+    <p:spTree>
+      <p:nvGrpSpPr>
+        <p:cNvPr id="1" name=""/>
+        <p:cNvGrpSpPr/>
+        <p:nvPr/>
+      </p:nvGrpSpPr>
+      <p:grpSpPr>
+        <a:xfrm>
+          <a:off x="0" y="0"/>
+          <a:ext cx="0" cy="0"/>
+          <a:chOff x="0" y="0"/>
+          <a:chExt cx="0" cy="0"/>
+        </a:xfrm>
+      </p:grpSpPr>
+      <p:sp>
+        <p:nvSpPr>
+          <p:cNvPr id="92" name="Rectangle 91">
+            <a:extLst>
+              <a:ext uri="{FF2B5EF4-FFF2-40B4-BE49-F238E27FC236}">
+                <a16:creationId xmlns:a16="http://schemas.microsoft.com/office/drawing/2014/main" id="{01D0AF59-99C3-4251-AB9A-C966C6AD4400}"/>
+              </a:ext>
+              <a:ext uri="{C183D7F6-B498-43B3-948B-1728B52AA6E4}">
+                <adec:decorative xmlns:adec="http://schemas.microsoft.com/office/drawing/2017/decorative" val="1"/>
+              </a:ext>
+            </a:extLst>
+          </p:cNvPr>
+          <p:cNvSpPr>
+            <a:spLocks noGrp="1" noRot="1" noChangeAspect="1" noMove="1" noResize="1" noEditPoints="1" noAdjustHandles="1" noChangeArrowheads="1" noChangeShapeType="1" noTextEdit="1"/>
+          </p:cNvSpPr>
+          <p:nvPr>
+            <p:extLst>
+              <p:ext uri="{386F3935-93C4-4BCD-93E2-E3B085C9AB24}">
+                <p16:designElem xmlns:p16="http://schemas.microsoft.com/office/powerpoint/2015/main" val="1"/>
+              </p:ext>
+            </p:extLst>
+          </p:nvPr>
+        </p:nvSpPr>
+        <p:spPr>
+          <a:xfrm>
+            <a:off x="0" y="0"/>
+            <a:ext cx="12192000" cy="6858000"/>
+          </a:xfrm>
+          <a:prstGeom prst="rect">
+            <a:avLst/>
+          </a:prstGeom>
+          <a:solidFill>
+            <a:schemeClr val="bg2"/>
+          </a:solidFill>
+          <a:ln>
+            <a:noFill/>
+          </a:ln>
+        </p:spPr>
+        <p:style>
+          <a:lnRef idx="2">
+            <a:schemeClr val="accent1">
+              <a:shade val="50000"/>
+            </a:schemeClr>
+          </a:lnRef>
+          <a:fillRef idx="1">
+            <a:schemeClr val="accent1"/>
+          </a:fillRef>
+          <a:effectRef idx="0">
+            <a:schemeClr val="accent1"/>
+          </a:effectRef>
+          <a:fontRef idx="minor">
+            <a:schemeClr val="lt1"/>
+          </a:fontRef>
+        </p:style>
+        <p:txBody>
+          <a:bodyPr rtlCol="0" anchor="ctr"/>
+          <a:lstStyle/>
+          <a:p>
+            <a:pPr algn="ctr"/>
+            <a:endParaRPr lang="en-US"/>
+          </a:p>
+        </p:txBody>
+      </p:sp>
+      <p:sp>
+        <p:nvSpPr>
+          <p:cNvPr id="94" name="Rectangle 93">
+            <a:extLst>
+              <a:ext uri="{FF2B5EF4-FFF2-40B4-BE49-F238E27FC236}">
+                <a16:creationId xmlns:a16="http://schemas.microsoft.com/office/drawing/2014/main" id="{1855405F-37A2-4869-9154-F8BE3BECE6C3}"/>
+              </a:ext>
+              <a:ext uri="{C183D7F6-B498-43B3-948B-1728B52AA6E4}">
+                <adec:decorative xmlns:adec="http://schemas.microsoft.com/office/drawing/2017/decorative" val="1"/>
+              </a:ext>
+            </a:extLst>
+          </p:cNvPr>
+          <p:cNvSpPr>
+            <a:spLocks noGrp="1" noRot="1" noChangeAspect="1" noMove="1" noResize="1" noEditPoints="1" noAdjustHandles="1" noChangeArrowheads="1" noChangeShapeType="1" noTextEdit="1"/>
+          </p:cNvSpPr>
+          <p:nvPr>
+            <p:extLst>
+              <p:ext uri="{386F3935-93C4-4BCD-93E2-E3B085C9AB24}">
+                <p16:designElem xmlns:p16="http://schemas.microsoft.com/office/powerpoint/2015/main" val="1"/>
+              </p:ext>
+            </p:extLst>
+          </p:nvPr>
+        </p:nvSpPr>
+        <p:spPr>
+          <a:xfrm>
+            <a:off x="477012" y="480060"/>
+            <a:ext cx="11237976" cy="5897880"/>
+          </a:xfrm>
+          <a:prstGeom prst="rect">
+            <a:avLst/>
+          </a:prstGeom>
+          <a:solidFill>
+            <a:srgbClr val="FFFFFF"/>
+          </a:solidFill>
+          <a:ln w="9525">
+            <a:noFill/>
+          </a:ln>
+          <a:effectLst>
+            <a:outerShdw blurRad="63500" dist="17780" dir="5400000" algn="t" rotWithShape="0">
+              <a:prstClr val="black">
+                <a:alpha val="43000"/>
+              </a:prstClr>
+            </a:outerShdw>
+          </a:effectLst>
+        </p:spPr>
+        <p:style>
+          <a:lnRef idx="2">
+            <a:schemeClr val="accent1">
+              <a:shade val="50000"/>
+            </a:schemeClr>
+          </a:lnRef>
+          <a:fillRef idx="1">
+            <a:schemeClr val="accent1"/>
+          </a:fillRef>
+          <a:effectRef idx="0">
+            <a:schemeClr val="accent1"/>
+          </a:effectRef>
+          <a:fontRef idx="minor">
+            <a:schemeClr val="lt1"/>
+          </a:fontRef>
+        </p:style>
+        <p:txBody>
+          <a:bodyPr rtlCol="0" anchor="ctr"/>
+          <a:lstStyle/>
+          <a:p>
+            <a:pPr algn="ctr"/>
+            <a:endParaRPr lang="en-US"/>
+          </a:p>
+        </p:txBody>
+      </p:sp>
+      <p:pic>
+        <p:nvPicPr>
+          <p:cNvPr id="2068" name="Picture 2" descr="Fail2ban-screenshot.jpg">
+            <a:extLst>
+              <a:ext uri="{FF2B5EF4-FFF2-40B4-BE49-F238E27FC236}">
+                <a16:creationId xmlns:a16="http://schemas.microsoft.com/office/drawing/2014/main" id="{50387F1B-6FBD-4133-8588-5CAC0F349DD1}"/>
+              </a:ext>
+            </a:extLst>
+          </p:cNvPr>
+          <p:cNvPicPr>
+            <a:picLocks noGrp="1" noChangeAspect="1" noChangeArrowheads="1"/>
+          </p:cNvPicPr>
+          <p:nvPr>
+            <p:ph idx="1"/>
+          </p:nvPr>
+        </p:nvPicPr>
+        <p:blipFill>
+          <a:blip r:embed="rId2">
+            <a:extLst>
+              <a:ext uri="{28A0092B-C50C-407E-A947-70E740481C1C}">
+                <a14:useLocalDpi xmlns:a14="http://schemas.microsoft.com/office/drawing/2010/main" val="0"/>
+              </a:ext>
+            </a:extLst>
+          </a:blip>
+          <a:srcRect/>
+          <a:stretch>
+            <a:fillRect/>
+          </a:stretch>
+        </p:blipFill>
+        <p:spPr bwMode="auto">
+          <a:xfrm>
+            <a:off x="1843278" y="643467"/>
+            <a:ext cx="8505444" cy="5571066"/>
+          </a:xfrm>
+          <a:prstGeom prst="rect">
+            <a:avLst/>
+          </a:prstGeom>
+          <a:noFill/>
+          <a:extLst>
+            <a:ext uri="{909E8E84-426E-40DD-AFC4-6F175D3DCCD1}">
+              <a14:hiddenFill xmlns:a14="http://schemas.microsoft.com/office/drawing/2010/main">
                 <a:solidFill>
                   <a:srgbClr val="FFFFFF"/>
                 </a:solidFill>
-                <a:latin typeface="Arial Black" panose="020B0A04020102020204" pitchFamily="34" charset="0"/>
-              </a:rPr>
-              <a:t>FAIL2BAN</a:t>
-            </a:r>
-          </a:p>
-        </p:txBody>
-      </p:sp>
-      <p:sp>
-        <p:nvSpPr>
-          <p:cNvPr id="3" name="Subtitle 2">
-            <a:extLst>
-              <a:ext uri="{FF2B5EF4-FFF2-40B4-BE49-F238E27FC236}">
-                <a16:creationId xmlns:a16="http://schemas.microsoft.com/office/drawing/2014/main" id="{90E077CE-3354-478B-841A-390DE8FBDAD8}"/>
-              </a:ext>
-            </a:extLst>
-          </p:cNvPr>
-          <p:cNvSpPr>
-            <a:spLocks noGrp="1"/>
-          </p:cNvSpPr>
-          <p:nvPr>
-            <p:ph type="subTitle" idx="1"/>
-          </p:nvPr>
-        </p:nvSpPr>
-        <p:spPr>
-          <a:xfrm>
-            <a:off x="638921" y="4013165"/>
-            <a:ext cx="4204012" cy="2205732"/>
-          </a:xfrm>
+              </a14:hiddenFill>
+            </a:ext>
+          </a:extLst>
         </p:spPr>
-        <p:txBody>
-          <a:bodyPr anchor="t">
-            <a:normAutofit/>
-          </a:bodyPr>
-          <a:lstStyle/>
-          <a:p>
-            <a:pPr algn="r"/>
-            <a:r>
-              <a:rPr lang="en-US" sz="1800">
-                <a:solidFill>
-                  <a:srgbClr val="FFFFFF"/>
-                </a:solidFill>
-              </a:rPr>
-              <a:t>Francis B. Odisi</a:t>
-            </a:r>
-          </a:p>
-        </p:txBody>
-      </p:sp>
+      </p:pic>
     </p:spTree>
     <p:extLst>
       <p:ext uri="{BB962C8B-B14F-4D97-AF65-F5344CB8AC3E}">
-        <p14:creationId xmlns:p14="http://schemas.microsoft.com/office/powerpoint/2010/main" val="58590654"/>
+        <p14:creationId xmlns:p14="http://schemas.microsoft.com/office/powerpoint/2010/main" val="2382750837"/>
+      </p:ext>
+    </p:extLst>
+  </p:cSld>
+  <p:clrMapOvr>
+    <a:masterClrMapping/>
+  </p:clrMapOvr>
+</p:sld>
+</file>
+
+<file path=ppt/slides/slide13.xml><?xml version="1.0" encoding="utf-8"?>
+<p:sld xmlns:a="http://schemas.openxmlformats.org/drawingml/2006/main" xmlns:r="http://schemas.openxmlformats.org/officeDocument/2006/relationships" xmlns:p="http://schemas.openxmlformats.org/presentationml/2006/main">
+  <p:cSld>
+    <p:bg>
+      <p:bgPr>
+        <a:solidFill>
+          <a:schemeClr val="bg1"/>
+        </a:solidFill>
+        <a:effectLst/>
+      </p:bgPr>
+    </p:bg>
+    <p:spTree>
+      <p:nvGrpSpPr>
+        <p:cNvPr id="1" name=""/>
+        <p:cNvGrpSpPr/>
+        <p:nvPr/>
+      </p:nvGrpSpPr>
+      <p:grpSpPr>
+        <a:xfrm>
+          <a:off x="0" y="0"/>
+          <a:ext cx="0" cy="0"/>
+          <a:chOff x="0" y="0"/>
+          <a:chExt cx="0" cy="0"/>
+        </a:xfrm>
+      </p:grpSpPr>
+      <p:sp>
+        <p:nvSpPr>
+          <p:cNvPr id="26" name="Rectangle 16">
+            <a:extLst>
+              <a:ext uri="{FF2B5EF4-FFF2-40B4-BE49-F238E27FC236}">
+                <a16:creationId xmlns:a16="http://schemas.microsoft.com/office/drawing/2014/main" id="{32BC26D8-82FB-445E-AA49-62A77D7C1EE0}"/>
+              </a:ext>
+              <a:ext uri="{C183D7F6-B498-43B3-948B-1728B52AA6E4}">
+                <adec:decorative xmlns:adec="http://schemas.microsoft.com/office/drawing/2017/decorative" val="1"/>
+              </a:ext>
+            </a:extLst>
+          </p:cNvPr>
+          <p:cNvSpPr>
+            <a:spLocks noGrp="1" noRot="1" noChangeAspect="1" noMove="1" noResize="1" noEditPoints="1" noAdjustHandles="1" noChangeArrowheads="1" noChangeShapeType="1" noTextEdit="1"/>
+          </p:cNvSpPr>
+          <p:nvPr>
+            <p:extLst>
+              <p:ext uri="{386F3935-93C4-4BCD-93E2-E3B085C9AB24}">
+                <p16:designElem xmlns:p16="http://schemas.microsoft.com/office/powerpoint/2015/main" val="1"/>
+              </p:ext>
+            </p:extLst>
+          </p:nvPr>
+        </p:nvSpPr>
+        <p:spPr>
+          <a:xfrm>
+            <a:off x="0" y="0"/>
+            <a:ext cx="12192000" cy="6858000"/>
+          </a:xfrm>
+          <a:prstGeom prst="rect">
+            <a:avLst/>
+          </a:prstGeom>
+          <a:solidFill>
+            <a:schemeClr val="tx1">
+              <a:lumMod val="65000"/>
+              <a:lumOff val="35000"/>
+            </a:schemeClr>
+          </a:solidFill>
+          <a:ln>
+            <a:noFill/>
+          </a:ln>
+        </p:spPr>
+        <p:style>
+          <a:lnRef idx="2">
+            <a:schemeClr val="accent1">
+              <a:shade val="50000"/>
+            </a:schemeClr>
+          </a:lnRef>
+          <a:fillRef idx="1">
+            <a:schemeClr val="accent1"/>
+          </a:fillRef>
+          <a:effectRef idx="0">
+            <a:schemeClr val="accent1"/>
+          </a:effectRef>
+          <a:fontRef idx="minor">
+            <a:schemeClr val="lt1"/>
+          </a:fontRef>
+        </p:style>
+        <p:txBody>
+          <a:bodyPr rtlCol="0" anchor="ctr"/>
+          <a:lstStyle/>
+          <a:p>
+            <a:pPr algn="ctr"/>
+            <a:endParaRPr lang="en-US"/>
+          </a:p>
+        </p:txBody>
+      </p:sp>
+      <p:sp>
+        <p:nvSpPr>
+          <p:cNvPr id="19" name="Rectangle 18">
+            <a:extLst>
+              <a:ext uri="{FF2B5EF4-FFF2-40B4-BE49-F238E27FC236}">
+                <a16:creationId xmlns:a16="http://schemas.microsoft.com/office/drawing/2014/main" id="{CB44330D-EA18-4254-AA95-EB49948539B8}"/>
+              </a:ext>
+              <a:ext uri="{C183D7F6-B498-43B3-948B-1728B52AA6E4}">
+                <adec:decorative xmlns:adec="http://schemas.microsoft.com/office/drawing/2017/decorative" val="1"/>
+              </a:ext>
+            </a:extLst>
+          </p:cNvPr>
+          <p:cNvSpPr>
+            <a:spLocks noGrp="1" noRot="1" noChangeAspect="1" noMove="1" noResize="1" noEditPoints="1" noAdjustHandles="1" noChangeArrowheads="1" noChangeShapeType="1" noTextEdit="1"/>
+          </p:cNvSpPr>
+          <p:nvPr>
+            <p:extLst>
+              <p:ext uri="{386F3935-93C4-4BCD-93E2-E3B085C9AB24}">
+                <p16:designElem xmlns:p16="http://schemas.microsoft.com/office/powerpoint/2015/main" val="1"/>
+              </p:ext>
+            </p:extLst>
+          </p:nvPr>
+        </p:nvSpPr>
+        <p:spPr>
+          <a:xfrm>
+            <a:off x="477012" y="480060"/>
+            <a:ext cx="11237976" cy="5897880"/>
+          </a:xfrm>
+          <a:prstGeom prst="rect">
+            <a:avLst/>
+          </a:prstGeom>
+          <a:solidFill>
+            <a:srgbClr val="FFFFFF"/>
+          </a:solidFill>
+          <a:ln>
+            <a:noFill/>
+          </a:ln>
+        </p:spPr>
+        <p:style>
+          <a:lnRef idx="2">
+            <a:schemeClr val="accent1">
+              <a:shade val="50000"/>
+            </a:schemeClr>
+          </a:lnRef>
+          <a:fillRef idx="1">
+            <a:schemeClr val="accent1"/>
+          </a:fillRef>
+          <a:effectRef idx="0">
+            <a:schemeClr val="accent1"/>
+          </a:effectRef>
+          <a:fontRef idx="minor">
+            <a:schemeClr val="lt1"/>
+          </a:fontRef>
+        </p:style>
+        <p:txBody>
+          <a:bodyPr rtlCol="0" anchor="ctr"/>
+          <a:lstStyle/>
+          <a:p>
+            <a:pPr algn="ctr"/>
+            <a:endParaRPr lang="en-US"/>
+          </a:p>
+        </p:txBody>
+      </p:sp>
+      <p:pic>
+        <p:nvPicPr>
+          <p:cNvPr id="27" name="Content Placeholder 3">
+            <a:extLst>
+              <a:ext uri="{FF2B5EF4-FFF2-40B4-BE49-F238E27FC236}">
+                <a16:creationId xmlns:a16="http://schemas.microsoft.com/office/drawing/2014/main" id="{91E94739-7AB6-43AB-B54A-E6419B095F44}"/>
+              </a:ext>
+            </a:extLst>
+          </p:cNvPr>
+          <p:cNvPicPr>
+            <a:picLocks noGrp="1" noChangeAspect="1"/>
+          </p:cNvPicPr>
+          <p:nvPr>
+            <p:ph idx="1"/>
+          </p:nvPr>
+        </p:nvPicPr>
+        <p:blipFill>
+          <a:blip r:embed="rId2"/>
+          <a:stretch>
+            <a:fillRect/>
+          </a:stretch>
+        </p:blipFill>
+        <p:spPr>
+          <a:xfrm>
+            <a:off x="643467" y="729997"/>
+            <a:ext cx="10905066" cy="5398006"/>
+          </a:xfrm>
+          <a:prstGeom prst="rect">
+            <a:avLst/>
+          </a:prstGeom>
+        </p:spPr>
+      </p:pic>
+    </p:spTree>
+    <p:extLst>
+      <p:ext uri="{BB962C8B-B14F-4D97-AF65-F5344CB8AC3E}">
+        <p14:creationId xmlns:p14="http://schemas.microsoft.com/office/powerpoint/2010/main" val="4274483757"/>
+      </p:ext>
+    </p:extLst>
+  </p:cSld>
+  <p:clrMapOvr>
+    <a:masterClrMapping/>
+  </p:clrMapOvr>
+</p:sld>
+</file>
+
+<file path=ppt/slides/slide14.xml><?xml version="1.0" encoding="utf-8"?>
+<p:sld xmlns:a="http://schemas.openxmlformats.org/drawingml/2006/main" xmlns:r="http://schemas.openxmlformats.org/officeDocument/2006/relationships" xmlns:p="http://schemas.openxmlformats.org/presentationml/2006/main">
+  <p:cSld>
+    <p:bg>
+      <p:bgPr>
+        <a:solidFill>
+          <a:schemeClr val="bg1"/>
+        </a:solidFill>
+        <a:effectLst/>
+      </p:bgPr>
+    </p:bg>
+    <p:spTree>
+      <p:nvGrpSpPr>
+        <p:cNvPr id="1" name=""/>
+        <p:cNvGrpSpPr/>
+        <p:nvPr/>
+      </p:nvGrpSpPr>
+      <p:grpSpPr>
+        <a:xfrm>
+          <a:off x="0" y="0"/>
+          <a:ext cx="0" cy="0"/>
+          <a:chOff x="0" y="0"/>
+          <a:chExt cx="0" cy="0"/>
+        </a:xfrm>
+      </p:grpSpPr>
+      <p:pic>
+        <p:nvPicPr>
+          <p:cNvPr id="4" name="Picture 3" descr="A drawing of a cartoon character&#10;&#10;Description generated with high confidence">
+            <a:extLst>
+              <a:ext uri="{FF2B5EF4-FFF2-40B4-BE49-F238E27FC236}">
+                <a16:creationId xmlns:a16="http://schemas.microsoft.com/office/drawing/2014/main" id="{CBB175C8-60EC-4174-8BDD-1873E87E30F9}"/>
+              </a:ext>
+            </a:extLst>
+          </p:cNvPr>
+          <p:cNvPicPr>
+            <a:picLocks noChangeAspect="1"/>
+          </p:cNvPicPr>
+          <p:nvPr/>
+        </p:nvPicPr>
+        <p:blipFill rotWithShape="1">
+          <a:blip r:embed="rId2">
+            <a:extLst>
+              <a:ext uri="{28A0092B-C50C-407E-A947-70E740481C1C}">
+                <a14:useLocalDpi xmlns:a14="http://schemas.microsoft.com/office/drawing/2010/main" val="0"/>
+              </a:ext>
+            </a:extLst>
+          </a:blip>
+          <a:srcRect l="7712" r="-2" b="-2"/>
+          <a:stretch/>
+        </p:blipFill>
+        <p:spPr>
+          <a:xfrm>
+            <a:off x="6090613" y="640082"/>
+            <a:ext cx="5461724" cy="5577837"/>
+          </a:xfrm>
+          <a:prstGeom prst="rect">
+            <a:avLst/>
+          </a:prstGeom>
+          <a:effectLst/>
+        </p:spPr>
+      </p:pic>
+      <p:sp>
+        <p:nvSpPr>
+          <p:cNvPr id="2" name="Title 1">
+            <a:extLst>
+              <a:ext uri="{FF2B5EF4-FFF2-40B4-BE49-F238E27FC236}">
+                <a16:creationId xmlns:a16="http://schemas.microsoft.com/office/drawing/2014/main" id="{722B1022-AF8C-4DD6-8B10-4C181995D0B4}"/>
+              </a:ext>
+            </a:extLst>
+          </p:cNvPr>
+          <p:cNvSpPr>
+            <a:spLocks noGrp="1"/>
+          </p:cNvSpPr>
+          <p:nvPr>
+            <p:ph type="title"/>
+          </p:nvPr>
+        </p:nvSpPr>
+        <p:spPr>
+          <a:xfrm>
+            <a:off x="572729" y="2540616"/>
+            <a:ext cx="5127031" cy="1676603"/>
+          </a:xfrm>
+        </p:spPr>
+        <p:txBody>
+          <a:bodyPr>
+            <a:noAutofit/>
+          </a:bodyPr>
+          <a:lstStyle/>
+          <a:p>
+            <a:pPr algn="ctr"/>
+            <a:r>
+              <a:rPr lang="en-US" sz="30000" dirty="0">
+                <a:solidFill>
+                  <a:schemeClr val="bg2">
+                    <a:lumMod val="50000"/>
+                  </a:schemeClr>
+                </a:solidFill>
+              </a:rPr>
+              <a:t>?</a:t>
+            </a:r>
+          </a:p>
+        </p:txBody>
+      </p:sp>
+      <p:sp>
+        <p:nvSpPr>
+          <p:cNvPr id="3" name="Content Placeholder 2">
+            <a:extLst>
+              <a:ext uri="{FF2B5EF4-FFF2-40B4-BE49-F238E27FC236}">
+                <a16:creationId xmlns:a16="http://schemas.microsoft.com/office/drawing/2014/main" id="{FCE51C68-6958-4213-804D-2E9340819E4C}"/>
+              </a:ext>
+            </a:extLst>
+          </p:cNvPr>
+          <p:cNvSpPr>
+            <a:spLocks noGrp="1"/>
+          </p:cNvSpPr>
+          <p:nvPr>
+            <p:ph idx="1"/>
+          </p:nvPr>
+        </p:nvSpPr>
+        <p:spPr>
+          <a:xfrm>
+            <a:off x="648930" y="5200650"/>
+            <a:ext cx="5127029" cy="1023169"/>
+          </a:xfrm>
+        </p:spPr>
+        <p:txBody>
+          <a:bodyPr>
+            <a:normAutofit/>
+          </a:bodyPr>
+          <a:lstStyle/>
+          <a:p>
+            <a:pPr marL="0" indent="0" algn="ctr">
+              <a:buNone/>
+            </a:pPr>
+            <a:r>
+              <a:rPr lang="en-US" dirty="0">
+                <a:hlinkClick r:id="rId3"/>
+              </a:rPr>
+              <a:t>https://www.fail2ban.org</a:t>
+            </a:r>
+            <a:endParaRPr lang="en-US" dirty="0"/>
+          </a:p>
+          <a:p>
+            <a:pPr marL="0" indent="0" algn="ctr">
+              <a:buNone/>
+            </a:pPr>
+            <a:r>
+              <a:rPr lang="en-US" dirty="0">
+                <a:hlinkClick r:id="rId4"/>
+              </a:rPr>
+              <a:t>https://github.com/fail2ban</a:t>
+            </a:r>
+            <a:endParaRPr lang="en-US" dirty="0"/>
+          </a:p>
+        </p:txBody>
+      </p:sp>
+    </p:spTree>
+    <p:extLst>
+      <p:ext uri="{BB962C8B-B14F-4D97-AF65-F5344CB8AC3E}">
+        <p14:creationId xmlns:p14="http://schemas.microsoft.com/office/powerpoint/2010/main" val="2371076207"/>
       </p:ext>
     </p:extLst>
   </p:cSld>
@@ -5188,10 +6319,10 @@
       </p:grpSpPr>
       <p:sp>
         <p:nvSpPr>
-          <p:cNvPr id="39" name="Rectangle 38">
-            <a:extLst>
-              <a:ext uri="{FF2B5EF4-FFF2-40B4-BE49-F238E27FC236}">
-                <a16:creationId xmlns:a16="http://schemas.microsoft.com/office/drawing/2014/main" id="{A98BC887-4916-4227-9F48-3B078D238FAF}"/>
+          <p:cNvPr id="46" name="Rectangle 45">
+            <a:extLst>
+              <a:ext uri="{FF2B5EF4-FFF2-40B4-BE49-F238E27FC236}">
+                <a16:creationId xmlns:a16="http://schemas.microsoft.com/office/drawing/2014/main" id="{99899462-FC16-43B0-966B-FCA263450716}"/>
               </a:ext>
               <a:ext uri="{C183D7F6-B498-43B3-948B-1728B52AA6E4}">
                 <adec:decorative xmlns:adec="http://schemas.microsoft.com/office/drawing/2017/decorative" val="1"/>
@@ -5209,19 +6340,21 @@
             </p:extLst>
           </p:nvPr>
         </p:nvSpPr>
-        <p:spPr>
+        <p:spPr bwMode="ltGray">
           <a:xfrm>
-            <a:off x="0" y="0"/>
-            <a:ext cx="4636008" cy="6858000"/>
+            <a:off x="4654295" y="478232"/>
+            <a:ext cx="7034121" cy="5918673"/>
           </a:xfrm>
           <a:prstGeom prst="rect">
             <a:avLst/>
           </a:prstGeom>
           <a:solidFill>
-            <a:srgbClr val="C8CACA"/>
+            <a:srgbClr val="404040"/>
           </a:solidFill>
-          <a:ln>
-            <a:noFill/>
+          <a:ln w="127000" cap="sq" cmpd="thinThick">
+            <a:solidFill>
+              <a:srgbClr val="404040"/>
+            </a:solidFill>
           </a:ln>
         </p:spPr>
         <p:style>
@@ -5249,80 +6382,6 @@
           </a:p>
         </p:txBody>
       </p:sp>
-      <p:sp>
-        <p:nvSpPr>
-          <p:cNvPr id="41" name="Rounded Rectangle 9">
-            <a:extLst>
-              <a:ext uri="{FF2B5EF4-FFF2-40B4-BE49-F238E27FC236}">
-                <a16:creationId xmlns:a16="http://schemas.microsoft.com/office/drawing/2014/main" id="{1AD6DCFA-0E71-4650-A5E4-3C20E73EB6C9}"/>
-              </a:ext>
-              <a:ext uri="{C183D7F6-B498-43B3-948B-1728B52AA6E4}">
-                <adec:decorative xmlns:adec="http://schemas.microsoft.com/office/drawing/2017/decorative" val="1"/>
-              </a:ext>
-            </a:extLst>
-          </p:cNvPr>
-          <p:cNvSpPr>
-            <a:spLocks noGrp="1" noRot="1" noChangeAspect="1" noMove="1" noResize="1" noEditPoints="1" noAdjustHandles="1" noChangeArrowheads="1" noChangeShapeType="1" noTextEdit="1"/>
-          </p:cNvSpPr>
-          <p:nvPr>
-            <p:extLst>
-              <p:ext uri="{386F3935-93C4-4BCD-93E2-E3B085C9AB24}">
-                <p16:designElem xmlns:p16="http://schemas.microsoft.com/office/powerpoint/2015/main" val="1"/>
-              </p:ext>
-            </p:extLst>
-          </p:nvPr>
-        </p:nvSpPr>
-        <p:spPr>
-          <a:xfrm>
-            <a:off x="484632" y="484632"/>
-            <a:ext cx="3666744" cy="5739187"/>
-          </a:xfrm>
-          <a:prstGeom prst="roundRect">
-            <a:avLst>
-              <a:gd name="adj" fmla="val 0"/>
-            </a:avLst>
-          </a:prstGeom>
-          <a:solidFill>
-            <a:srgbClr val="FFFFFF"/>
-          </a:solidFill>
-          <a:ln w="9525">
-            <a:solidFill>
-              <a:srgbClr val="C8CACA"/>
-            </a:solidFill>
-          </a:ln>
-          <a:effectLst>
-            <a:outerShdw blurRad="57150" dist="19050" dir="5400000" algn="t" rotWithShape="0">
-              <a:prstClr val="black">
-                <a:alpha val="63000"/>
-              </a:prstClr>
-            </a:outerShdw>
-          </a:effectLst>
-        </p:spPr>
-        <p:style>
-          <a:lnRef idx="2">
-            <a:schemeClr val="accent1">
-              <a:shade val="50000"/>
-            </a:schemeClr>
-          </a:lnRef>
-          <a:fillRef idx="1">
-            <a:schemeClr val="accent1"/>
-          </a:fillRef>
-          <a:effectRef idx="0">
-            <a:schemeClr val="accent1"/>
-          </a:effectRef>
-          <a:fontRef idx="minor">
-            <a:schemeClr val="lt1"/>
-          </a:fontRef>
-        </p:style>
-        <p:txBody>
-          <a:bodyPr rtlCol="0" anchor="ctr"/>
-          <a:lstStyle/>
-          <a:p>
-            <a:pPr algn="ctr"/>
-            <a:endParaRPr lang="en-US"/>
-          </a:p>
-        </p:txBody>
-      </p:sp>
       <p:pic>
         <p:nvPicPr>
           <p:cNvPr id="17" name="Picture 16">
@@ -5344,15 +6403,66 @@
         </p:blipFill>
         <p:spPr>
           <a:xfrm>
-            <a:off x="804672" y="803049"/>
-            <a:ext cx="3026664" cy="2470743"/>
+            <a:off x="604437" y="478232"/>
+            <a:ext cx="3417627" cy="2789902"/>
           </a:xfrm>
           <a:prstGeom prst="rect">
             <a:avLst/>
           </a:prstGeom>
-          <a:effectLst/>
         </p:spPr>
       </p:pic>
+      <p:cxnSp>
+        <p:nvCxnSpPr>
+          <p:cNvPr id="48" name="Straight Connector 47">
+            <a:extLst>
+              <a:ext uri="{FF2B5EF4-FFF2-40B4-BE49-F238E27FC236}">
+                <a16:creationId xmlns:a16="http://schemas.microsoft.com/office/drawing/2014/main" id="{AAFEA932-2DF1-410C-A00A-7A1E7DBF7511}"/>
+              </a:ext>
+              <a:ext uri="{C183D7F6-B498-43B3-948B-1728B52AA6E4}">
+                <adec:decorative xmlns:adec="http://schemas.microsoft.com/office/drawing/2017/decorative" val="1"/>
+              </a:ext>
+            </a:extLst>
+          </p:cNvPr>
+          <p:cNvCxnSpPr>
+            <a:cxnSpLocks noGrp="1" noRot="1" noChangeAspect="1" noMove="1" noResize="1" noEditPoints="1" noAdjustHandles="1" noChangeArrowheads="1" noChangeShapeType="1"/>
+          </p:cNvCxnSpPr>
+          <p:nvPr>
+            <p:extLst>
+              <p:ext uri="{386F3935-93C4-4BCD-93E2-E3B085C9AB24}">
+                <p16:designElem xmlns:p16="http://schemas.microsoft.com/office/powerpoint/2015/main" val="1"/>
+              </p:ext>
+            </p:extLst>
+          </p:nvPr>
+        </p:nvCxnSpPr>
+        <p:spPr>
+          <a:xfrm>
+            <a:off x="5430098" y="2639023"/>
+            <a:ext cx="4562441" cy="0"/>
+          </a:xfrm>
+          <a:prstGeom prst="line">
+            <a:avLst/>
+          </a:prstGeom>
+          <a:ln w="22225">
+            <a:solidFill>
+              <a:srgbClr val="E7E6E6"/>
+            </a:solidFill>
+          </a:ln>
+        </p:spPr>
+        <p:style>
+          <a:lnRef idx="1">
+            <a:schemeClr val="accent1"/>
+          </a:lnRef>
+          <a:fillRef idx="0">
+            <a:schemeClr val="accent1"/>
+          </a:fillRef>
+          <a:effectRef idx="0">
+            <a:schemeClr val="accent1"/>
+          </a:effectRef>
+          <a:fontRef idx="minor">
+            <a:schemeClr val="tx1"/>
+          </a:fontRef>
+        </p:style>
+      </p:cxnSp>
       <p:pic>
         <p:nvPicPr>
           <p:cNvPr id="13" name="Picture 12" descr="A drawing of a cartoon character&#10;&#10;Description generated with high confidence">
@@ -5380,8 +6490,8 @@
         </p:blipFill>
         <p:spPr>
           <a:xfrm>
-            <a:off x="804672" y="3461344"/>
-            <a:ext cx="3026663" cy="2438400"/>
+            <a:off x="582384" y="3589867"/>
+            <a:ext cx="3461734" cy="2788920"/>
           </a:xfrm>
           <a:prstGeom prst="rect">
             <a:avLst/>
@@ -5406,50 +6516,8 @@
         </p:nvSpPr>
         <p:spPr>
           <a:xfrm>
-            <a:off x="5116878" y="629266"/>
-            <a:ext cx="6852872" cy="1676603"/>
-          </a:xfrm>
-        </p:spPr>
-        <p:txBody>
-          <a:bodyPr>
-            <a:noAutofit/>
-          </a:bodyPr>
-          <a:lstStyle/>
-          <a:p>
-            <a:r>
-              <a:rPr lang="en-US" b="1" dirty="0"/>
-              <a:t>Intrusion Prevention Software</a:t>
-            </a:r>
-            <a:br>
-              <a:rPr lang="en-US" dirty="0"/>
-            </a:br>
-            <a:r>
-              <a:rPr lang="en-US" sz="3200" dirty="0"/>
-              <a:t>Protects servers from brute-force attacks</a:t>
-            </a:r>
-          </a:p>
-        </p:txBody>
-      </p:sp>
-      <p:sp>
-        <p:nvSpPr>
-          <p:cNvPr id="3" name="Content Placeholder 2">
-            <a:extLst>
-              <a:ext uri="{FF2B5EF4-FFF2-40B4-BE49-F238E27FC236}">
-                <a16:creationId xmlns:a16="http://schemas.microsoft.com/office/drawing/2014/main" id="{5E01E7AD-6423-4D92-8BAA-4C06CCCFAB3F}"/>
-              </a:ext>
-            </a:extLst>
-          </p:cNvPr>
-          <p:cNvSpPr>
-            <a:spLocks noGrp="1"/>
-          </p:cNvSpPr>
-          <p:nvPr>
-            <p:ph idx="1"/>
-          </p:nvPr>
-        </p:nvSpPr>
-        <p:spPr>
-          <a:xfrm>
-            <a:off x="5116880" y="2438400"/>
-            <a:ext cx="6422848" cy="3785419"/>
+            <a:off x="5297762" y="603255"/>
+            <a:ext cx="6390654" cy="1874902"/>
           </a:xfrm>
         </p:spPr>
         <p:txBody>
@@ -5459,46 +6527,136 @@
           <a:lstStyle/>
           <a:p>
             <a:r>
-              <a:rPr lang="en-US" sz="3200" dirty="0"/>
+              <a:rPr lang="en-US" sz="4000" b="1" dirty="0">
+                <a:solidFill>
+                  <a:srgbClr val="FFFFFF"/>
+                </a:solidFill>
+              </a:rPr>
+              <a:t>Intrusion Prevention Software</a:t>
+            </a:r>
+            <a:br>
+              <a:rPr lang="en-US" sz="3100" dirty="0">
+                <a:solidFill>
+                  <a:srgbClr val="FFFFFF"/>
+                </a:solidFill>
+              </a:rPr>
+            </a:br>
+            <a:r>
+              <a:rPr lang="en-US" sz="3200" dirty="0">
+                <a:solidFill>
+                  <a:srgbClr val="FFFFFF"/>
+                </a:solidFill>
+              </a:rPr>
+              <a:t>Protects servers brute-force attacks</a:t>
+            </a:r>
+          </a:p>
+        </p:txBody>
+      </p:sp>
+      <p:sp>
+        <p:nvSpPr>
+          <p:cNvPr id="3" name="Content Placeholder 2">
+            <a:extLst>
+              <a:ext uri="{FF2B5EF4-FFF2-40B4-BE49-F238E27FC236}">
+                <a16:creationId xmlns:a16="http://schemas.microsoft.com/office/drawing/2014/main" id="{5E01E7AD-6423-4D92-8BAA-4C06CCCFAB3F}"/>
+              </a:ext>
+            </a:extLst>
+          </p:cNvPr>
+          <p:cNvSpPr>
+            <a:spLocks noGrp="1"/>
+          </p:cNvSpPr>
+          <p:nvPr>
+            <p:ph idx="1"/>
+          </p:nvPr>
+        </p:nvSpPr>
+        <p:spPr>
+          <a:xfrm>
+            <a:off x="5297762" y="2799889"/>
+            <a:ext cx="5747187" cy="2987543"/>
+          </a:xfrm>
+        </p:spPr>
+        <p:txBody>
+          <a:bodyPr anchor="t">
+            <a:normAutofit/>
+          </a:bodyPr>
+          <a:lstStyle/>
+          <a:p>
+            <a:r>
+              <a:rPr lang="en-US" sz="3200" dirty="0">
+                <a:solidFill>
+                  <a:srgbClr val="FFFFFF"/>
+                </a:solidFill>
+              </a:rPr>
               <a:t>Cyril </a:t>
             </a:r>
             <a:r>
-              <a:rPr lang="en-US" sz="3200" dirty="0" err="1"/>
+              <a:rPr lang="en-US" sz="3200" dirty="0" err="1">
+                <a:solidFill>
+                  <a:srgbClr val="FFFFFF"/>
+                </a:solidFill>
+              </a:rPr>
               <a:t>Jaquier</a:t>
             </a:r>
             <a:r>
-              <a:rPr lang="en-US" sz="3200" dirty="0"/>
+              <a:rPr lang="en-US" sz="3200" dirty="0">
+                <a:solidFill>
+                  <a:srgbClr val="FFFFFF"/>
+                </a:solidFill>
+              </a:rPr>
               <a:t>, in 2004</a:t>
             </a:r>
           </a:p>
           <a:p>
             <a:r>
-              <a:rPr lang="en-US" sz="3200" dirty="0"/>
+              <a:rPr lang="en-US" sz="3200" dirty="0">
+                <a:solidFill>
+                  <a:srgbClr val="FFFFFF"/>
+                </a:solidFill>
+              </a:rPr>
               <a:t>1</a:t>
             </a:r>
             <a:r>
-              <a:rPr lang="en-US" sz="3200" baseline="30000" dirty="0"/>
+              <a:rPr lang="en-US" sz="3200" baseline="30000" dirty="0">
+                <a:solidFill>
+                  <a:srgbClr val="FFFFFF"/>
+                </a:solidFill>
+              </a:rPr>
               <a:t>st</a:t>
             </a:r>
             <a:r>
-              <a:rPr lang="en-US" sz="3200" dirty="0"/>
+              <a:rPr lang="en-US" sz="3200" dirty="0">
+                <a:solidFill>
+                  <a:srgbClr val="FFFFFF"/>
+                </a:solidFill>
+              </a:rPr>
               <a:t> Stable in 2006 (0.6.0)</a:t>
             </a:r>
           </a:p>
           <a:p>
             <a:r>
-              <a:rPr lang="en-US" sz="3200" dirty="0"/>
+              <a:rPr lang="en-US" sz="3200" dirty="0">
+                <a:solidFill>
+                  <a:srgbClr val="FFFFFF"/>
+                </a:solidFill>
+              </a:rPr>
               <a:t>Written in Python</a:t>
             </a:r>
           </a:p>
           <a:p>
             <a:r>
-              <a:rPr lang="en-US" sz="3200" dirty="0"/>
+              <a:rPr lang="en-US" sz="3200" dirty="0">
+                <a:solidFill>
+                  <a:srgbClr val="FFFFFF"/>
+                </a:solidFill>
+              </a:rPr>
               <a:t>POSIX (Unix-like OS)</a:t>
             </a:r>
           </a:p>
           <a:p>
-            <a:endParaRPr lang="en-US" sz="3200" dirty="0"/>
+            <a:endParaRPr lang="en-US" sz="3200" dirty="0">
+              <a:solidFill>
+                <a:srgbClr val="FFFFFF"/>
+              </a:solidFill>
+            </a:endParaRPr>
           </a:p>
         </p:txBody>
       </p:sp>
@@ -5548,24 +6706,109 @@
             <p:ph type="title"/>
           </p:nvPr>
         </p:nvSpPr>
-        <p:spPr/>
-        <p:txBody>
-          <a:bodyPr/>
-          <a:lstStyle/>
-          <a:p>
-            <a:r>
-              <a:rPr lang="en-US" dirty="0"/>
-              <a:t>How it works</a:t>
-            </a:r>
-          </a:p>
-        </p:txBody>
-      </p:sp>
+        <p:spPr>
+          <a:xfrm>
+            <a:off x="0" y="5231"/>
+            <a:ext cx="12192000" cy="705969"/>
+          </a:xfrm>
+          <a:solidFill>
+            <a:schemeClr val="tx1">
+              <a:lumMod val="75000"/>
+              <a:lumOff val="25000"/>
+            </a:schemeClr>
+          </a:solidFill>
+        </p:spPr>
+        <p:txBody>
+          <a:bodyPr>
+            <a:normAutofit/>
+          </a:bodyPr>
+          <a:lstStyle/>
+          <a:p>
+            <a:pPr algn="ctr"/>
+            <a:r>
+              <a:rPr lang="en-US" b="1" dirty="0">
+                <a:solidFill>
+                  <a:schemeClr val="bg1"/>
+                </a:solidFill>
+                <a:latin typeface="+mn-lt"/>
+              </a:rPr>
+              <a:t>How it Works</a:t>
+            </a:r>
+          </a:p>
+        </p:txBody>
+      </p:sp>
+      <p:pic>
+        <p:nvPicPr>
+          <p:cNvPr id="11" name="Picture 10">
+            <a:extLst>
+              <a:ext uri="{FF2B5EF4-FFF2-40B4-BE49-F238E27FC236}">
+                <a16:creationId xmlns:a16="http://schemas.microsoft.com/office/drawing/2014/main" id="{15553F55-0857-4F9B-BCE8-91A38C820B0C}"/>
+              </a:ext>
+            </a:extLst>
+          </p:cNvPr>
+          <p:cNvPicPr>
+            <a:picLocks noChangeAspect="1"/>
+          </p:cNvPicPr>
+          <p:nvPr/>
+        </p:nvPicPr>
+        <p:blipFill>
+          <a:blip r:embed="rId2"/>
+          <a:stretch>
+            <a:fillRect/>
+          </a:stretch>
+        </p:blipFill>
+        <p:spPr>
+          <a:xfrm>
+            <a:off x="5254067" y="2345927"/>
+            <a:ext cx="1905000" cy="1905000"/>
+          </a:xfrm>
+          <a:prstGeom prst="rect">
+            <a:avLst/>
+          </a:prstGeom>
+        </p:spPr>
+      </p:pic>
+      <p:pic>
+        <p:nvPicPr>
+          <p:cNvPr id="5" name="Picture 4" descr="A close up of a sign&#10;&#10;Description generated with very high confidence">
+            <a:extLst>
+              <a:ext uri="{FF2B5EF4-FFF2-40B4-BE49-F238E27FC236}">
+                <a16:creationId xmlns:a16="http://schemas.microsoft.com/office/drawing/2014/main" id="{145127D7-14A1-41A3-B5E3-71DB45C0CA00}"/>
+              </a:ext>
+            </a:extLst>
+          </p:cNvPr>
+          <p:cNvPicPr>
+            <a:picLocks noChangeAspect="1"/>
+          </p:cNvPicPr>
+          <p:nvPr/>
+        </p:nvPicPr>
+        <p:blipFill>
+          <a:blip r:embed="rId3">
+            <a:extLst>
+              <a:ext uri="{28A0092B-C50C-407E-A947-70E740481C1C}">
+                <a14:useLocalDpi xmlns:a14="http://schemas.microsoft.com/office/drawing/2010/main" val="0"/>
+              </a:ext>
+            </a:extLst>
+          </a:blip>
+          <a:stretch>
+            <a:fillRect/>
+          </a:stretch>
+        </p:blipFill>
+        <p:spPr>
+          <a:xfrm>
+            <a:off x="9635765" y="2379301"/>
+            <a:ext cx="1838252" cy="1838252"/>
+          </a:xfrm>
+          <a:prstGeom prst="rect">
+            <a:avLst/>
+          </a:prstGeom>
+        </p:spPr>
+      </p:pic>
       <p:grpSp>
         <p:nvGrpSpPr>
-          <p:cNvPr id="7" name="Group 6">
-            <a:extLst>
-              <a:ext uri="{FF2B5EF4-FFF2-40B4-BE49-F238E27FC236}">
-                <a16:creationId xmlns:a16="http://schemas.microsoft.com/office/drawing/2014/main" id="{5E2F6689-B17F-49C5-8513-C59F87426FB7}"/>
+          <p:cNvPr id="9" name="Group 8">
+            <a:extLst>
+              <a:ext uri="{FF2B5EF4-FFF2-40B4-BE49-F238E27FC236}">
+                <a16:creationId xmlns:a16="http://schemas.microsoft.com/office/drawing/2014/main" id="{B8372BA9-C77F-48C7-A75D-648584677744}"/>
               </a:ext>
             </a:extLst>
           </p:cNvPr>
@@ -5574,57 +6817,46 @@
         </p:nvGrpSpPr>
         <p:grpSpPr>
           <a:xfrm>
-            <a:off x="5005388" y="866775"/>
-            <a:ext cx="1857376" cy="2628682"/>
-            <a:chOff x="757238" y="1825625"/>
-            <a:chExt cx="1857376" cy="2628682"/>
+            <a:off x="252413" y="2012155"/>
+            <a:ext cx="2761457" cy="2572545"/>
+            <a:chOff x="134541" y="1294605"/>
+            <a:chExt cx="2761457" cy="2572545"/>
           </a:xfrm>
         </p:grpSpPr>
         <p:pic>
           <p:nvPicPr>
-            <p:cNvPr id="1028" name="Picture 4" descr="Resultado de imagem para monitoring">
+            <p:cNvPr id="8" name="Picture 7" descr="A close up of a sign&#10;&#10;Description generated with high confidence">
               <a:extLst>
                 <a:ext uri="{FF2B5EF4-FFF2-40B4-BE49-F238E27FC236}">
-                  <a16:creationId xmlns:a16="http://schemas.microsoft.com/office/drawing/2014/main" id="{8533CA3F-7DB5-49BD-AC97-F87DF0C25227}"/>
+                  <a16:creationId xmlns:a16="http://schemas.microsoft.com/office/drawing/2014/main" id="{6622A1ED-0046-4ADA-B198-436807635D9F}"/>
                 </a:ext>
               </a:extLst>
             </p:cNvPr>
             <p:cNvPicPr>
-              <a:picLocks noChangeAspect="1" noChangeArrowheads="1"/>
+              <a:picLocks noChangeAspect="1"/>
             </p:cNvPicPr>
             <p:nvPr/>
           </p:nvPicPr>
           <p:blipFill>
-            <a:blip r:embed="rId2">
+            <a:blip r:embed="rId4">
               <a:extLst>
                 <a:ext uri="{28A0092B-C50C-407E-A947-70E740481C1C}">
                   <a14:useLocalDpi xmlns:a14="http://schemas.microsoft.com/office/drawing/2010/main" val="0"/>
                 </a:ext>
               </a:extLst>
             </a:blip>
-            <a:srcRect/>
             <a:stretch>
               <a:fillRect/>
             </a:stretch>
           </p:blipFill>
-          <p:spPr bwMode="auto">
+          <p:spPr>
             <a:xfrm>
-              <a:off x="757238" y="1825625"/>
-              <a:ext cx="1800225" cy="2543175"/>
+              <a:off x="134541" y="1294605"/>
+              <a:ext cx="2572545" cy="2572545"/>
             </a:xfrm>
             <a:prstGeom prst="rect">
               <a:avLst/>
             </a:prstGeom>
-            <a:noFill/>
-            <a:extLst>
-              <a:ext uri="{909E8E84-426E-40DD-AFC4-6F175D3DCCD1}">
-                <a14:hiddenFill xmlns:a14="http://schemas.microsoft.com/office/drawing/2010/main">
-                  <a:solidFill>
-                    <a:srgbClr val="FFFFFF"/>
-                  </a:solidFill>
-                </a14:hiddenFill>
-              </a:ext>
-            </a:extLst>
           </p:spPr>
         </p:pic>
         <p:pic>
@@ -5642,15 +6874,15 @@
             <p:nvPr/>
           </p:nvPicPr>
           <p:blipFill>
-            <a:blip r:embed="rId3"/>
+            <a:blip r:embed="rId5"/>
             <a:stretch>
               <a:fillRect/>
             </a:stretch>
           </p:blipFill>
           <p:spPr>
             <a:xfrm>
-              <a:off x="1946276" y="3597202"/>
-              <a:ext cx="668338" cy="857105"/>
+              <a:off x="2275086" y="2713407"/>
+              <a:ext cx="620912" cy="796284"/>
             </a:xfrm>
             <a:prstGeom prst="rect">
               <a:avLst/>
@@ -5658,36 +6890,238 @@
           </p:spPr>
         </p:pic>
       </p:grpSp>
-      <p:pic>
-        <p:nvPicPr>
-          <p:cNvPr id="11" name="Picture 10">
-            <a:extLst>
-              <a:ext uri="{FF2B5EF4-FFF2-40B4-BE49-F238E27FC236}">
-                <a16:creationId xmlns:a16="http://schemas.microsoft.com/office/drawing/2014/main" id="{15553F55-0857-4F9B-BCE8-91A38C820B0C}"/>
-              </a:ext>
-            </a:extLst>
-          </p:cNvPr>
-          <p:cNvPicPr>
-            <a:picLocks noChangeAspect="1"/>
-          </p:cNvPicPr>
+      <p:sp>
+        <p:nvSpPr>
+          <p:cNvPr id="10" name="TextBox 9">
+            <a:extLst>
+              <a:ext uri="{FF2B5EF4-FFF2-40B4-BE49-F238E27FC236}">
+                <a16:creationId xmlns:a16="http://schemas.microsoft.com/office/drawing/2014/main" id="{565D7CFE-1989-4229-A429-DB070FB90241}"/>
+              </a:ext>
+            </a:extLst>
+          </p:cNvPr>
+          <p:cNvSpPr txBox="1"/>
           <p:nvPr/>
-        </p:nvPicPr>
-        <p:blipFill>
-          <a:blip r:embed="rId4"/>
-          <a:stretch>
-            <a:fillRect/>
-          </a:stretch>
-        </p:blipFill>
+        </p:nvSpPr>
         <p:spPr>
           <a:xfrm>
-            <a:off x="7594600" y="3829050"/>
-            <a:ext cx="1905000" cy="1905000"/>
+            <a:off x="45641" y="4619552"/>
+            <a:ext cx="3175000" cy="584775"/>
           </a:xfrm>
           <a:prstGeom prst="rect">
             <a:avLst/>
           </a:prstGeom>
+          <a:noFill/>
         </p:spPr>
-      </p:pic>
+        <p:txBody>
+          <a:bodyPr wrap="square" rtlCol="0">
+            <a:spAutoFit/>
+          </a:bodyPr>
+          <a:lstStyle/>
+          <a:p>
+            <a:pPr algn="ctr"/>
+            <a:r>
+              <a:rPr lang="en-US" sz="3200" dirty="0"/>
+              <a:t>Monitors log files</a:t>
+            </a:r>
+          </a:p>
+        </p:txBody>
+      </p:sp>
+      <p:sp>
+        <p:nvSpPr>
+          <p:cNvPr id="13" name="TextBox 12">
+            <a:extLst>
+              <a:ext uri="{FF2B5EF4-FFF2-40B4-BE49-F238E27FC236}">
+                <a16:creationId xmlns:a16="http://schemas.microsoft.com/office/drawing/2014/main" id="{1775F863-23E6-43B4-B3F6-62087AEBA5E5}"/>
+              </a:ext>
+            </a:extLst>
+          </p:cNvPr>
+          <p:cNvSpPr txBox="1"/>
+          <p:nvPr/>
+        </p:nvSpPr>
+        <p:spPr>
+          <a:xfrm>
+            <a:off x="4619067" y="4619552"/>
+            <a:ext cx="3175000" cy="584775"/>
+          </a:xfrm>
+          <a:prstGeom prst="rect">
+            <a:avLst/>
+          </a:prstGeom>
+          <a:noFill/>
+        </p:spPr>
+        <p:txBody>
+          <a:bodyPr wrap="square" rtlCol="0">
+            <a:spAutoFit/>
+          </a:bodyPr>
+          <a:lstStyle/>
+          <a:p>
+            <a:pPr algn="ctr"/>
+            <a:r>
+              <a:rPr lang="en-US" sz="3200" dirty="0"/>
+              <a:t>Pattern</a:t>
+            </a:r>
+          </a:p>
+        </p:txBody>
+      </p:sp>
+      <p:sp>
+        <p:nvSpPr>
+          <p:cNvPr id="14" name="TextBox 13">
+            <a:extLst>
+              <a:ext uri="{FF2B5EF4-FFF2-40B4-BE49-F238E27FC236}">
+                <a16:creationId xmlns:a16="http://schemas.microsoft.com/office/drawing/2014/main" id="{6035DC9F-7D57-44CD-80B1-79BD755B3EAC}"/>
+              </a:ext>
+            </a:extLst>
+          </p:cNvPr>
+          <p:cNvSpPr txBox="1"/>
+          <p:nvPr/>
+        </p:nvSpPr>
+        <p:spPr>
+          <a:xfrm>
+            <a:off x="8967391" y="4619552"/>
+            <a:ext cx="3175000" cy="584775"/>
+          </a:xfrm>
+          <a:prstGeom prst="rect">
+            <a:avLst/>
+          </a:prstGeom>
+          <a:noFill/>
+        </p:spPr>
+        <p:txBody>
+          <a:bodyPr wrap="square" rtlCol="0">
+            <a:spAutoFit/>
+          </a:bodyPr>
+          <a:lstStyle/>
+          <a:p>
+            <a:pPr algn="ctr"/>
+            <a:r>
+              <a:rPr lang="en-US" sz="3200" dirty="0"/>
+              <a:t>Do something</a:t>
+            </a:r>
+          </a:p>
+        </p:txBody>
+      </p:sp>
+      <p:sp>
+        <p:nvSpPr>
+          <p:cNvPr id="12" name="Arrow: Chevron 11">
+            <a:extLst>
+              <a:ext uri="{FF2B5EF4-FFF2-40B4-BE49-F238E27FC236}">
+                <a16:creationId xmlns:a16="http://schemas.microsoft.com/office/drawing/2014/main" id="{D3C14AF8-299C-4896-A3C7-958501CB2363}"/>
+              </a:ext>
+            </a:extLst>
+          </p:cNvPr>
+          <p:cNvSpPr/>
+          <p:nvPr/>
+        </p:nvSpPr>
+        <p:spPr>
+          <a:xfrm>
+            <a:off x="3790076" y="2900285"/>
+            <a:ext cx="444500" cy="796284"/>
+          </a:xfrm>
+          <a:prstGeom prst="chevron">
+            <a:avLst/>
+          </a:prstGeom>
+          <a:solidFill>
+            <a:schemeClr val="bg1">
+              <a:lumMod val="85000"/>
+            </a:schemeClr>
+          </a:solidFill>
+          <a:ln>
+            <a:solidFill>
+              <a:schemeClr val="bg1">
+                <a:lumMod val="65000"/>
+              </a:schemeClr>
+            </a:solidFill>
+          </a:ln>
+        </p:spPr>
+        <p:style>
+          <a:lnRef idx="2">
+            <a:schemeClr val="accent1">
+              <a:shade val="50000"/>
+            </a:schemeClr>
+          </a:lnRef>
+          <a:fillRef idx="1">
+            <a:schemeClr val="accent1"/>
+          </a:fillRef>
+          <a:effectRef idx="0">
+            <a:schemeClr val="accent1"/>
+          </a:effectRef>
+          <a:fontRef idx="minor">
+            <a:schemeClr val="lt1"/>
+          </a:fontRef>
+        </p:style>
+        <p:txBody>
+          <a:bodyPr rtlCol="0" anchor="ctr"/>
+          <a:lstStyle/>
+          <a:p>
+            <a:pPr algn="ctr"/>
+            <a:endParaRPr lang="en-US">
+              <a:solidFill>
+                <a:schemeClr val="tx1"/>
+              </a:solidFill>
+            </a:endParaRPr>
+          </a:p>
+        </p:txBody>
+      </p:sp>
+      <p:sp>
+        <p:nvSpPr>
+          <p:cNvPr id="16" name="Arrow: Chevron 15">
+            <a:extLst>
+              <a:ext uri="{FF2B5EF4-FFF2-40B4-BE49-F238E27FC236}">
+                <a16:creationId xmlns:a16="http://schemas.microsoft.com/office/drawing/2014/main" id="{F37EA005-92EA-42CA-9243-08D22EE9354D}"/>
+              </a:ext>
+            </a:extLst>
+          </p:cNvPr>
+          <p:cNvSpPr/>
+          <p:nvPr/>
+        </p:nvSpPr>
+        <p:spPr>
+          <a:xfrm>
+            <a:off x="8178558" y="2900285"/>
+            <a:ext cx="444500" cy="796284"/>
+          </a:xfrm>
+          <a:prstGeom prst="chevron">
+            <a:avLst/>
+          </a:prstGeom>
+          <a:solidFill>
+            <a:schemeClr val="bg1">
+              <a:lumMod val="85000"/>
+            </a:schemeClr>
+          </a:solidFill>
+          <a:ln>
+            <a:solidFill>
+              <a:schemeClr val="bg1">
+                <a:lumMod val="65000"/>
+              </a:schemeClr>
+            </a:solidFill>
+          </a:ln>
+        </p:spPr>
+        <p:style>
+          <a:lnRef idx="2">
+            <a:schemeClr val="accent1">
+              <a:shade val="50000"/>
+            </a:schemeClr>
+          </a:lnRef>
+          <a:fillRef idx="1">
+            <a:schemeClr val="accent1"/>
+          </a:fillRef>
+          <a:effectRef idx="0">
+            <a:schemeClr val="accent1"/>
+          </a:effectRef>
+          <a:fontRef idx="minor">
+            <a:schemeClr val="lt1"/>
+          </a:fontRef>
+        </p:style>
+        <p:txBody>
+          <a:bodyPr rtlCol="0" anchor="ctr"/>
+          <a:lstStyle/>
+          <a:p>
+            <a:pPr algn="ctr"/>
+            <a:endParaRPr lang="en-US">
+              <a:solidFill>
+                <a:schemeClr val="tx1"/>
+              </a:solidFill>
+            </a:endParaRPr>
+          </a:p>
+        </p:txBody>
+      </p:sp>
     </p:spTree>
     <p:extLst>
       <p:ext uri="{BB962C8B-B14F-4D97-AF65-F5344CB8AC3E}">
@@ -5697,6 +7131,2274 @@
   </p:cSld>
   <p:clrMapOvr>
     <a:masterClrMapping/>
+  </p:clrMapOvr>
+</p:sld>
+</file>
+
+<file path=ppt/slides/slide6.xml><?xml version="1.0" encoding="utf-8"?>
+<p:sld xmlns:a="http://schemas.openxmlformats.org/drawingml/2006/main" xmlns:r="http://schemas.openxmlformats.org/officeDocument/2006/relationships" xmlns:p="http://schemas.openxmlformats.org/presentationml/2006/main">
+  <p:cSld>
+    <p:spTree>
+      <p:nvGrpSpPr>
+        <p:cNvPr id="1" name=""/>
+        <p:cNvGrpSpPr/>
+        <p:nvPr/>
+      </p:nvGrpSpPr>
+      <p:grpSpPr>
+        <a:xfrm>
+          <a:off x="0" y="0"/>
+          <a:ext cx="0" cy="0"/>
+          <a:chOff x="0" y="0"/>
+          <a:chExt cx="0" cy="0"/>
+        </a:xfrm>
+      </p:grpSpPr>
+      <p:grpSp>
+        <p:nvGrpSpPr>
+          <p:cNvPr id="27" name="Group 26">
+            <a:extLst>
+              <a:ext uri="{FF2B5EF4-FFF2-40B4-BE49-F238E27FC236}">
+                <a16:creationId xmlns:a16="http://schemas.microsoft.com/office/drawing/2014/main" id="{3855DBAA-0AF0-4C17-BC4E-8A9F1662D4D2}"/>
+              </a:ext>
+            </a:extLst>
+          </p:cNvPr>
+          <p:cNvGrpSpPr/>
+          <p:nvPr/>
+        </p:nvGrpSpPr>
+        <p:grpSpPr>
+          <a:xfrm>
+            <a:off x="253790" y="928966"/>
+            <a:ext cx="3214113" cy="1727390"/>
+            <a:chOff x="4311440" y="928966"/>
+            <a:chExt cx="3214113" cy="1727390"/>
+          </a:xfrm>
+        </p:grpSpPr>
+        <p:pic>
+          <p:nvPicPr>
+            <p:cNvPr id="11" name="Picture 10">
+              <a:extLst>
+                <a:ext uri="{FF2B5EF4-FFF2-40B4-BE49-F238E27FC236}">
+                  <a16:creationId xmlns:a16="http://schemas.microsoft.com/office/drawing/2014/main" id="{15553F55-0857-4F9B-BCE8-91A38C820B0C}"/>
+                </a:ext>
+              </a:extLst>
+            </p:cNvPr>
+            <p:cNvPicPr>
+              <a:picLocks noChangeAspect="1"/>
+            </p:cNvPicPr>
+            <p:nvPr/>
+          </p:nvPicPr>
+          <p:blipFill>
+            <a:blip r:embed="rId2"/>
+            <a:stretch>
+              <a:fillRect/>
+            </a:stretch>
+          </p:blipFill>
+          <p:spPr>
+            <a:xfrm>
+              <a:off x="5396752" y="1612867"/>
+              <a:ext cx="1043489" cy="1043489"/>
+            </a:xfrm>
+            <a:prstGeom prst="rect">
+              <a:avLst/>
+            </a:prstGeom>
+          </p:spPr>
+        </p:pic>
+        <p:sp>
+          <p:nvSpPr>
+            <p:cNvPr id="15" name="TextBox 14">
+              <a:extLst>
+                <a:ext uri="{FF2B5EF4-FFF2-40B4-BE49-F238E27FC236}">
+                  <a16:creationId xmlns:a16="http://schemas.microsoft.com/office/drawing/2014/main" id="{0D47C143-AB3E-4CBA-8ABA-CDEC568DE1B2}"/>
+                </a:ext>
+              </a:extLst>
+            </p:cNvPr>
+            <p:cNvSpPr txBox="1"/>
+            <p:nvPr/>
+          </p:nvSpPr>
+          <p:spPr>
+            <a:xfrm>
+              <a:off x="4311440" y="928966"/>
+              <a:ext cx="3214113" cy="584775"/>
+            </a:xfrm>
+            <a:prstGeom prst="rect">
+              <a:avLst/>
+            </a:prstGeom>
+            <a:noFill/>
+          </p:spPr>
+          <p:txBody>
+            <a:bodyPr wrap="square" rtlCol="0">
+              <a:spAutoFit/>
+            </a:bodyPr>
+            <a:lstStyle/>
+            <a:p>
+              <a:pPr algn="ctr"/>
+              <a:r>
+                <a:rPr lang="en-US" sz="3200" dirty="0"/>
+                <a:t>Pattern -&gt; Filter</a:t>
+              </a:r>
+            </a:p>
+          </p:txBody>
+        </p:sp>
+      </p:grpSp>
+      <p:pic>
+        <p:nvPicPr>
+          <p:cNvPr id="18" name="Picture 17">
+            <a:extLst>
+              <a:ext uri="{FF2B5EF4-FFF2-40B4-BE49-F238E27FC236}">
+                <a16:creationId xmlns:a16="http://schemas.microsoft.com/office/drawing/2014/main" id="{D53A0208-C203-4227-851B-CF53E4569D25}"/>
+              </a:ext>
+            </a:extLst>
+          </p:cNvPr>
+          <p:cNvPicPr>
+            <a:picLocks noChangeAspect="1"/>
+          </p:cNvPicPr>
+          <p:nvPr/>
+        </p:nvPicPr>
+        <p:blipFill>
+          <a:blip r:embed="rId3">
+            <a:extLst>
+              <a:ext uri="{28A0092B-C50C-407E-A947-70E740481C1C}">
+                <a14:useLocalDpi xmlns:a14="http://schemas.microsoft.com/office/drawing/2010/main" val="0"/>
+              </a:ext>
+            </a:extLst>
+          </a:blip>
+          <a:stretch>
+            <a:fillRect/>
+          </a:stretch>
+        </p:blipFill>
+        <p:spPr>
+          <a:xfrm>
+            <a:off x="9242063" y="2232135"/>
+            <a:ext cx="2143125" cy="2143125"/>
+          </a:xfrm>
+          <a:prstGeom prst="rect">
+            <a:avLst/>
+          </a:prstGeom>
+        </p:spPr>
+      </p:pic>
+      <p:sp>
+        <p:nvSpPr>
+          <p:cNvPr id="19" name="TextBox 18">
+            <a:extLst>
+              <a:ext uri="{FF2B5EF4-FFF2-40B4-BE49-F238E27FC236}">
+                <a16:creationId xmlns:a16="http://schemas.microsoft.com/office/drawing/2014/main" id="{320BB493-EB16-4029-8E60-744DB0CD172A}"/>
+              </a:ext>
+            </a:extLst>
+          </p:cNvPr>
+          <p:cNvSpPr txBox="1"/>
+          <p:nvPr/>
+        </p:nvSpPr>
+        <p:spPr>
+          <a:xfrm>
+            <a:off x="9531266" y="4578172"/>
+            <a:ext cx="1564717" cy="584775"/>
+          </a:xfrm>
+          <a:prstGeom prst="rect">
+            <a:avLst/>
+          </a:prstGeom>
+          <a:noFill/>
+        </p:spPr>
+        <p:txBody>
+          <a:bodyPr wrap="square" rtlCol="0">
+            <a:spAutoFit/>
+          </a:bodyPr>
+          <a:lstStyle/>
+          <a:p>
+            <a:pPr algn="ctr"/>
+            <a:r>
+              <a:rPr lang="en-US" sz="3200" dirty="0"/>
+              <a:t>Jail</a:t>
+            </a:r>
+          </a:p>
+        </p:txBody>
+      </p:sp>
+      <p:grpSp>
+        <p:nvGrpSpPr>
+          <p:cNvPr id="26" name="Group 25">
+            <a:extLst>
+              <a:ext uri="{FF2B5EF4-FFF2-40B4-BE49-F238E27FC236}">
+                <a16:creationId xmlns:a16="http://schemas.microsoft.com/office/drawing/2014/main" id="{8898E240-BB91-476B-A172-3A3E48B119E7}"/>
+              </a:ext>
+            </a:extLst>
+          </p:cNvPr>
+          <p:cNvGrpSpPr/>
+          <p:nvPr/>
+        </p:nvGrpSpPr>
+        <p:grpSpPr>
+          <a:xfrm>
+            <a:off x="59503" y="4644303"/>
+            <a:ext cx="3602686" cy="2006870"/>
+            <a:chOff x="4117153" y="4644303"/>
+            <a:chExt cx="3602686" cy="2006870"/>
+          </a:xfrm>
+        </p:grpSpPr>
+        <p:sp>
+          <p:nvSpPr>
+            <p:cNvPr id="17" name="TextBox 16">
+              <a:extLst>
+                <a:ext uri="{FF2B5EF4-FFF2-40B4-BE49-F238E27FC236}">
+                  <a16:creationId xmlns:a16="http://schemas.microsoft.com/office/drawing/2014/main" id="{2E546757-703D-468C-8181-A5489064352B}"/>
+                </a:ext>
+              </a:extLst>
+            </p:cNvPr>
+            <p:cNvSpPr txBox="1"/>
+            <p:nvPr/>
+          </p:nvSpPr>
+          <p:spPr>
+            <a:xfrm>
+              <a:off x="4117153" y="6066398"/>
+              <a:ext cx="3602686" cy="584775"/>
+            </a:xfrm>
+            <a:prstGeom prst="rect">
+              <a:avLst/>
+            </a:prstGeom>
+            <a:noFill/>
+          </p:spPr>
+          <p:txBody>
+            <a:bodyPr wrap="square" rtlCol="0">
+              <a:spAutoFit/>
+            </a:bodyPr>
+            <a:lstStyle/>
+            <a:p>
+              <a:pPr algn="ctr"/>
+              <a:r>
+                <a:rPr lang="en-US" sz="3200" dirty="0"/>
+                <a:t>Do… -&gt; Action(s)</a:t>
+              </a:r>
+            </a:p>
+          </p:txBody>
+        </p:sp>
+        <p:grpSp>
+          <p:nvGrpSpPr>
+            <p:cNvPr id="25" name="Group 24">
+              <a:extLst>
+                <a:ext uri="{FF2B5EF4-FFF2-40B4-BE49-F238E27FC236}">
+                  <a16:creationId xmlns:a16="http://schemas.microsoft.com/office/drawing/2014/main" id="{16F05038-25FF-4771-B440-1E6C5D2067AB}"/>
+                </a:ext>
+              </a:extLst>
+            </p:cNvPr>
+            <p:cNvGrpSpPr/>
+            <p:nvPr/>
+          </p:nvGrpSpPr>
+          <p:grpSpPr>
+            <a:xfrm>
+              <a:off x="5233923" y="4644303"/>
+              <a:ext cx="1369146" cy="1216747"/>
+              <a:chOff x="5233924" y="4644303"/>
+              <a:chExt cx="1369146" cy="1216747"/>
+            </a:xfrm>
+          </p:grpSpPr>
+          <p:pic>
+            <p:nvPicPr>
+              <p:cNvPr id="5" name="Picture 4" descr="A close up of a sign&#10;&#10;Description generated with very high confidence">
+                <a:extLst>
+                  <a:ext uri="{FF2B5EF4-FFF2-40B4-BE49-F238E27FC236}">
+                    <a16:creationId xmlns:a16="http://schemas.microsoft.com/office/drawing/2014/main" id="{145127D7-14A1-41A3-B5E3-71DB45C0CA00}"/>
+                  </a:ext>
+                </a:extLst>
+              </p:cNvPr>
+              <p:cNvPicPr>
+                <a:picLocks noChangeAspect="1"/>
+              </p:cNvPicPr>
+              <p:nvPr/>
+            </p:nvPicPr>
+            <p:blipFill>
+              <a:blip r:embed="rId4">
+                <a:extLst>
+                  <a:ext uri="{28A0092B-C50C-407E-A947-70E740481C1C}">
+                    <a14:useLocalDpi xmlns:a14="http://schemas.microsoft.com/office/drawing/2010/main" val="0"/>
+                  </a:ext>
+                </a:extLst>
+              </a:blip>
+              <a:stretch>
+                <a:fillRect/>
+              </a:stretch>
+            </p:blipFill>
+            <p:spPr>
+              <a:xfrm>
+                <a:off x="5233924" y="5252677"/>
+                <a:ext cx="608373" cy="608373"/>
+              </a:xfrm>
+              <a:prstGeom prst="rect">
+                <a:avLst/>
+              </a:prstGeom>
+            </p:spPr>
+          </p:pic>
+          <p:pic>
+            <p:nvPicPr>
+              <p:cNvPr id="22" name="Picture 21" descr="A close up of a sign&#10;&#10;Description generated with very high confidence">
+                <a:extLst>
+                  <a:ext uri="{FF2B5EF4-FFF2-40B4-BE49-F238E27FC236}">
+                    <a16:creationId xmlns:a16="http://schemas.microsoft.com/office/drawing/2014/main" id="{EC5718F2-4A1D-461D-B346-172D95480B21}"/>
+                  </a:ext>
+                </a:extLst>
+              </p:cNvPr>
+              <p:cNvPicPr>
+                <a:picLocks noChangeAspect="1"/>
+              </p:cNvPicPr>
+              <p:nvPr/>
+            </p:nvPicPr>
+            <p:blipFill>
+              <a:blip r:embed="rId4">
+                <a:extLst>
+                  <a:ext uri="{28A0092B-C50C-407E-A947-70E740481C1C}">
+                    <a14:useLocalDpi xmlns:a14="http://schemas.microsoft.com/office/drawing/2010/main" val="0"/>
+                  </a:ext>
+                </a:extLst>
+              </a:blip>
+              <a:stretch>
+                <a:fillRect/>
+              </a:stretch>
+            </p:blipFill>
+            <p:spPr>
+              <a:xfrm>
+                <a:off x="5614311" y="4644303"/>
+                <a:ext cx="608373" cy="608373"/>
+              </a:xfrm>
+              <a:prstGeom prst="rect">
+                <a:avLst/>
+              </a:prstGeom>
+            </p:spPr>
+          </p:pic>
+          <p:pic>
+            <p:nvPicPr>
+              <p:cNvPr id="23" name="Picture 22" descr="A close up of a sign&#10;&#10;Description generated with very high confidence">
+                <a:extLst>
+                  <a:ext uri="{FF2B5EF4-FFF2-40B4-BE49-F238E27FC236}">
+                    <a16:creationId xmlns:a16="http://schemas.microsoft.com/office/drawing/2014/main" id="{8DAC223D-2094-4EE2-929E-3983096EA738}"/>
+                  </a:ext>
+                </a:extLst>
+              </p:cNvPr>
+              <p:cNvPicPr>
+                <a:picLocks noChangeAspect="1"/>
+              </p:cNvPicPr>
+              <p:nvPr/>
+            </p:nvPicPr>
+            <p:blipFill>
+              <a:blip r:embed="rId4">
+                <a:extLst>
+                  <a:ext uri="{28A0092B-C50C-407E-A947-70E740481C1C}">
+                    <a14:useLocalDpi xmlns:a14="http://schemas.microsoft.com/office/drawing/2010/main" val="0"/>
+                  </a:ext>
+                </a:extLst>
+              </a:blip>
+              <a:stretch>
+                <a:fillRect/>
+              </a:stretch>
+            </p:blipFill>
+            <p:spPr>
+              <a:xfrm>
+                <a:off x="5994697" y="5252676"/>
+                <a:ext cx="608373" cy="608373"/>
+              </a:xfrm>
+              <a:prstGeom prst="rect">
+                <a:avLst/>
+              </a:prstGeom>
+            </p:spPr>
+          </p:pic>
+        </p:grpSp>
+      </p:grpSp>
+      <p:sp>
+        <p:nvSpPr>
+          <p:cNvPr id="24" name="Right Brace 23">
+            <a:extLst>
+              <a:ext uri="{FF2B5EF4-FFF2-40B4-BE49-F238E27FC236}">
+                <a16:creationId xmlns:a16="http://schemas.microsoft.com/office/drawing/2014/main" id="{C8AA0D1F-FF42-4FE7-9ED5-930334E5BB17}"/>
+              </a:ext>
+            </a:extLst>
+          </p:cNvPr>
+          <p:cNvSpPr/>
+          <p:nvPr/>
+        </p:nvSpPr>
+        <p:spPr>
+          <a:xfrm>
+            <a:off x="7423150" y="1221353"/>
+            <a:ext cx="1441450" cy="5173097"/>
+          </a:xfrm>
+          <a:prstGeom prst="rightBrace">
+            <a:avLst/>
+          </a:prstGeom>
+          <a:ln w="19050">
+            <a:solidFill>
+              <a:schemeClr val="bg1">
+                <a:lumMod val="50000"/>
+              </a:schemeClr>
+            </a:solidFill>
+          </a:ln>
+        </p:spPr>
+        <p:style>
+          <a:lnRef idx="1">
+            <a:schemeClr val="accent1"/>
+          </a:lnRef>
+          <a:fillRef idx="0">
+            <a:schemeClr val="accent1"/>
+          </a:fillRef>
+          <a:effectRef idx="0">
+            <a:schemeClr val="accent1"/>
+          </a:effectRef>
+          <a:fontRef idx="minor">
+            <a:schemeClr val="tx1"/>
+          </a:fontRef>
+        </p:style>
+        <p:txBody>
+          <a:bodyPr rtlCol="0" anchor="ctr"/>
+          <a:lstStyle/>
+          <a:p>
+            <a:pPr algn="ctr"/>
+            <a:endParaRPr lang="en-US"/>
+          </a:p>
+        </p:txBody>
+      </p:sp>
+      <p:sp>
+        <p:nvSpPr>
+          <p:cNvPr id="31" name="Title 1">
+            <a:extLst>
+              <a:ext uri="{FF2B5EF4-FFF2-40B4-BE49-F238E27FC236}">
+                <a16:creationId xmlns:a16="http://schemas.microsoft.com/office/drawing/2014/main" id="{823730B9-3BD3-4481-9DAC-34E6AB26E36F}"/>
+              </a:ext>
+            </a:extLst>
+          </p:cNvPr>
+          <p:cNvSpPr>
+            <a:spLocks noGrp="1"/>
+          </p:cNvSpPr>
+          <p:nvPr>
+            <p:ph type="title"/>
+          </p:nvPr>
+        </p:nvSpPr>
+        <p:spPr>
+          <a:xfrm>
+            <a:off x="0" y="5231"/>
+            <a:ext cx="12192000" cy="705969"/>
+          </a:xfrm>
+          <a:solidFill>
+            <a:schemeClr val="tx1">
+              <a:lumMod val="75000"/>
+              <a:lumOff val="25000"/>
+            </a:schemeClr>
+          </a:solidFill>
+        </p:spPr>
+        <p:txBody>
+          <a:bodyPr>
+            <a:normAutofit/>
+          </a:bodyPr>
+          <a:lstStyle/>
+          <a:p>
+            <a:pPr algn="ctr"/>
+            <a:r>
+              <a:rPr lang="en-US" b="1" dirty="0">
+                <a:solidFill>
+                  <a:schemeClr val="bg1"/>
+                </a:solidFill>
+                <a:latin typeface="+mn-lt"/>
+              </a:rPr>
+              <a:t>Components</a:t>
+            </a:r>
+          </a:p>
+        </p:txBody>
+      </p:sp>
+    </p:spTree>
+    <p:extLst>
+      <p:ext uri="{BB962C8B-B14F-4D97-AF65-F5344CB8AC3E}">
+        <p14:creationId xmlns:p14="http://schemas.microsoft.com/office/powerpoint/2010/main" val="985310026"/>
+      </p:ext>
+    </p:extLst>
+  </p:cSld>
+  <p:clrMapOvr>
+    <a:masterClrMapping/>
+  </p:clrMapOvr>
+</p:sld>
+</file>
+
+<file path=ppt/slides/slide7.xml><?xml version="1.0" encoding="utf-8"?>
+<p:sld xmlns:a="http://schemas.openxmlformats.org/drawingml/2006/main" xmlns:r="http://schemas.openxmlformats.org/officeDocument/2006/relationships" xmlns:p="http://schemas.openxmlformats.org/presentationml/2006/main">
+  <p:cSld>
+    <p:spTree>
+      <p:nvGrpSpPr>
+        <p:cNvPr id="1" name=""/>
+        <p:cNvGrpSpPr/>
+        <p:nvPr/>
+      </p:nvGrpSpPr>
+      <p:grpSpPr>
+        <a:xfrm>
+          <a:off x="0" y="0"/>
+          <a:ext cx="0" cy="0"/>
+          <a:chOff x="0" y="0"/>
+          <a:chExt cx="0" cy="0"/>
+        </a:xfrm>
+      </p:grpSpPr>
+      <p:grpSp>
+        <p:nvGrpSpPr>
+          <p:cNvPr id="27" name="Group 26">
+            <a:extLst>
+              <a:ext uri="{FF2B5EF4-FFF2-40B4-BE49-F238E27FC236}">
+                <a16:creationId xmlns:a16="http://schemas.microsoft.com/office/drawing/2014/main" id="{3855DBAA-0AF0-4C17-BC4E-8A9F1662D4D2}"/>
+              </a:ext>
+            </a:extLst>
+          </p:cNvPr>
+          <p:cNvGrpSpPr/>
+          <p:nvPr/>
+        </p:nvGrpSpPr>
+        <p:grpSpPr>
+          <a:xfrm>
+            <a:off x="253790" y="928966"/>
+            <a:ext cx="3214113" cy="1727390"/>
+            <a:chOff x="4311440" y="928966"/>
+            <a:chExt cx="3214113" cy="1727390"/>
+          </a:xfrm>
+        </p:grpSpPr>
+        <p:pic>
+          <p:nvPicPr>
+            <p:cNvPr id="11" name="Picture 10">
+              <a:extLst>
+                <a:ext uri="{FF2B5EF4-FFF2-40B4-BE49-F238E27FC236}">
+                  <a16:creationId xmlns:a16="http://schemas.microsoft.com/office/drawing/2014/main" id="{15553F55-0857-4F9B-BCE8-91A38C820B0C}"/>
+                </a:ext>
+              </a:extLst>
+            </p:cNvPr>
+            <p:cNvPicPr>
+              <a:picLocks noChangeAspect="1"/>
+            </p:cNvPicPr>
+            <p:nvPr/>
+          </p:nvPicPr>
+          <p:blipFill>
+            <a:blip r:embed="rId2"/>
+            <a:stretch>
+              <a:fillRect/>
+            </a:stretch>
+          </p:blipFill>
+          <p:spPr>
+            <a:xfrm>
+              <a:off x="5396752" y="1612867"/>
+              <a:ext cx="1043489" cy="1043489"/>
+            </a:xfrm>
+            <a:prstGeom prst="rect">
+              <a:avLst/>
+            </a:prstGeom>
+          </p:spPr>
+        </p:pic>
+        <p:sp>
+          <p:nvSpPr>
+            <p:cNvPr id="15" name="TextBox 14">
+              <a:extLst>
+                <a:ext uri="{FF2B5EF4-FFF2-40B4-BE49-F238E27FC236}">
+                  <a16:creationId xmlns:a16="http://schemas.microsoft.com/office/drawing/2014/main" id="{0D47C143-AB3E-4CBA-8ABA-CDEC568DE1B2}"/>
+                </a:ext>
+              </a:extLst>
+            </p:cNvPr>
+            <p:cNvSpPr txBox="1"/>
+            <p:nvPr/>
+          </p:nvSpPr>
+          <p:spPr>
+            <a:xfrm>
+              <a:off x="4311440" y="928966"/>
+              <a:ext cx="3214113" cy="584775"/>
+            </a:xfrm>
+            <a:prstGeom prst="rect">
+              <a:avLst/>
+            </a:prstGeom>
+            <a:noFill/>
+          </p:spPr>
+          <p:txBody>
+            <a:bodyPr wrap="square" rtlCol="0">
+              <a:spAutoFit/>
+            </a:bodyPr>
+            <a:lstStyle/>
+            <a:p>
+              <a:pPr algn="ctr"/>
+              <a:r>
+                <a:rPr lang="en-US" sz="3200" dirty="0">
+                  <a:solidFill>
+                    <a:schemeClr val="bg1">
+                      <a:lumMod val="75000"/>
+                    </a:schemeClr>
+                  </a:solidFill>
+                </a:rPr>
+                <a:t>Pattern -&gt; Filter</a:t>
+              </a:r>
+            </a:p>
+          </p:txBody>
+        </p:sp>
+      </p:grpSp>
+      <p:pic>
+        <p:nvPicPr>
+          <p:cNvPr id="18" name="Picture 17">
+            <a:extLst>
+              <a:ext uri="{FF2B5EF4-FFF2-40B4-BE49-F238E27FC236}">
+                <a16:creationId xmlns:a16="http://schemas.microsoft.com/office/drawing/2014/main" id="{D53A0208-C203-4227-851B-CF53E4569D25}"/>
+              </a:ext>
+            </a:extLst>
+          </p:cNvPr>
+          <p:cNvPicPr>
+            <a:picLocks noChangeAspect="1"/>
+          </p:cNvPicPr>
+          <p:nvPr/>
+        </p:nvPicPr>
+        <p:blipFill>
+          <a:blip r:embed="rId3">
+            <a:extLst>
+              <a:ext uri="{28A0092B-C50C-407E-A947-70E740481C1C}">
+                <a14:useLocalDpi xmlns:a14="http://schemas.microsoft.com/office/drawing/2010/main" val="0"/>
+              </a:ext>
+            </a:extLst>
+          </a:blip>
+          <a:stretch>
+            <a:fillRect/>
+          </a:stretch>
+        </p:blipFill>
+        <p:spPr>
+          <a:xfrm>
+            <a:off x="9242063" y="2232135"/>
+            <a:ext cx="2143125" cy="2143125"/>
+          </a:xfrm>
+          <a:prstGeom prst="rect">
+            <a:avLst/>
+          </a:prstGeom>
+        </p:spPr>
+      </p:pic>
+      <p:sp>
+        <p:nvSpPr>
+          <p:cNvPr id="19" name="TextBox 18">
+            <a:extLst>
+              <a:ext uri="{FF2B5EF4-FFF2-40B4-BE49-F238E27FC236}">
+                <a16:creationId xmlns:a16="http://schemas.microsoft.com/office/drawing/2014/main" id="{320BB493-EB16-4029-8E60-744DB0CD172A}"/>
+              </a:ext>
+            </a:extLst>
+          </p:cNvPr>
+          <p:cNvSpPr txBox="1"/>
+          <p:nvPr/>
+        </p:nvSpPr>
+        <p:spPr>
+          <a:xfrm>
+            <a:off x="9531266" y="4578172"/>
+            <a:ext cx="1564717" cy="584775"/>
+          </a:xfrm>
+          <a:prstGeom prst="rect">
+            <a:avLst/>
+          </a:prstGeom>
+          <a:noFill/>
+        </p:spPr>
+        <p:txBody>
+          <a:bodyPr wrap="square" rtlCol="0">
+            <a:spAutoFit/>
+          </a:bodyPr>
+          <a:lstStyle/>
+          <a:p>
+            <a:pPr algn="ctr"/>
+            <a:r>
+              <a:rPr lang="en-US" sz="3200" dirty="0"/>
+              <a:t>Jail</a:t>
+            </a:r>
+          </a:p>
+        </p:txBody>
+      </p:sp>
+      <p:grpSp>
+        <p:nvGrpSpPr>
+          <p:cNvPr id="26" name="Group 25">
+            <a:extLst>
+              <a:ext uri="{FF2B5EF4-FFF2-40B4-BE49-F238E27FC236}">
+                <a16:creationId xmlns:a16="http://schemas.microsoft.com/office/drawing/2014/main" id="{8898E240-BB91-476B-A172-3A3E48B119E7}"/>
+              </a:ext>
+            </a:extLst>
+          </p:cNvPr>
+          <p:cNvGrpSpPr/>
+          <p:nvPr/>
+        </p:nvGrpSpPr>
+        <p:grpSpPr>
+          <a:xfrm>
+            <a:off x="59503" y="4644303"/>
+            <a:ext cx="3602686" cy="2006870"/>
+            <a:chOff x="4117153" y="4644303"/>
+            <a:chExt cx="3602686" cy="2006870"/>
+          </a:xfrm>
+        </p:grpSpPr>
+        <p:sp>
+          <p:nvSpPr>
+            <p:cNvPr id="17" name="TextBox 16">
+              <a:extLst>
+                <a:ext uri="{FF2B5EF4-FFF2-40B4-BE49-F238E27FC236}">
+                  <a16:creationId xmlns:a16="http://schemas.microsoft.com/office/drawing/2014/main" id="{2E546757-703D-468C-8181-A5489064352B}"/>
+                </a:ext>
+              </a:extLst>
+            </p:cNvPr>
+            <p:cNvSpPr txBox="1"/>
+            <p:nvPr/>
+          </p:nvSpPr>
+          <p:spPr>
+            <a:xfrm>
+              <a:off x="4117153" y="6066398"/>
+              <a:ext cx="3602686" cy="584775"/>
+            </a:xfrm>
+            <a:prstGeom prst="rect">
+              <a:avLst/>
+            </a:prstGeom>
+            <a:noFill/>
+          </p:spPr>
+          <p:txBody>
+            <a:bodyPr wrap="square" rtlCol="0">
+              <a:spAutoFit/>
+            </a:bodyPr>
+            <a:lstStyle/>
+            <a:p>
+              <a:pPr algn="ctr"/>
+              <a:r>
+                <a:rPr lang="en-US" sz="3200" dirty="0">
+                  <a:solidFill>
+                    <a:schemeClr val="bg1">
+                      <a:lumMod val="75000"/>
+                    </a:schemeClr>
+                  </a:solidFill>
+                </a:rPr>
+                <a:t>Do… -&gt; Action(s)</a:t>
+              </a:r>
+            </a:p>
+          </p:txBody>
+        </p:sp>
+        <p:grpSp>
+          <p:nvGrpSpPr>
+            <p:cNvPr id="25" name="Group 24">
+              <a:extLst>
+                <a:ext uri="{FF2B5EF4-FFF2-40B4-BE49-F238E27FC236}">
+                  <a16:creationId xmlns:a16="http://schemas.microsoft.com/office/drawing/2014/main" id="{16F05038-25FF-4771-B440-1E6C5D2067AB}"/>
+                </a:ext>
+              </a:extLst>
+            </p:cNvPr>
+            <p:cNvGrpSpPr/>
+            <p:nvPr/>
+          </p:nvGrpSpPr>
+          <p:grpSpPr>
+            <a:xfrm>
+              <a:off x="5233923" y="4644303"/>
+              <a:ext cx="1369146" cy="1216747"/>
+              <a:chOff x="5233924" y="4644303"/>
+              <a:chExt cx="1369146" cy="1216747"/>
+            </a:xfrm>
+          </p:grpSpPr>
+          <p:pic>
+            <p:nvPicPr>
+              <p:cNvPr id="5" name="Picture 4" descr="A close up of a sign&#10;&#10;Description generated with very high confidence">
+                <a:extLst>
+                  <a:ext uri="{FF2B5EF4-FFF2-40B4-BE49-F238E27FC236}">
+                    <a16:creationId xmlns:a16="http://schemas.microsoft.com/office/drawing/2014/main" id="{145127D7-14A1-41A3-B5E3-71DB45C0CA00}"/>
+                  </a:ext>
+                </a:extLst>
+              </p:cNvPr>
+              <p:cNvPicPr>
+                <a:picLocks noChangeAspect="1"/>
+              </p:cNvPicPr>
+              <p:nvPr/>
+            </p:nvPicPr>
+            <p:blipFill>
+              <a:blip r:embed="rId4">
+                <a:extLst>
+                  <a:ext uri="{28A0092B-C50C-407E-A947-70E740481C1C}">
+                    <a14:useLocalDpi xmlns:a14="http://schemas.microsoft.com/office/drawing/2010/main" val="0"/>
+                  </a:ext>
+                </a:extLst>
+              </a:blip>
+              <a:stretch>
+                <a:fillRect/>
+              </a:stretch>
+            </p:blipFill>
+            <p:spPr>
+              <a:xfrm>
+                <a:off x="5233924" y="5252677"/>
+                <a:ext cx="608373" cy="608373"/>
+              </a:xfrm>
+              <a:prstGeom prst="rect">
+                <a:avLst/>
+              </a:prstGeom>
+            </p:spPr>
+          </p:pic>
+          <p:pic>
+            <p:nvPicPr>
+              <p:cNvPr id="22" name="Picture 21" descr="A close up of a sign&#10;&#10;Description generated with very high confidence">
+                <a:extLst>
+                  <a:ext uri="{FF2B5EF4-FFF2-40B4-BE49-F238E27FC236}">
+                    <a16:creationId xmlns:a16="http://schemas.microsoft.com/office/drawing/2014/main" id="{EC5718F2-4A1D-461D-B346-172D95480B21}"/>
+                  </a:ext>
+                </a:extLst>
+              </p:cNvPr>
+              <p:cNvPicPr>
+                <a:picLocks noChangeAspect="1"/>
+              </p:cNvPicPr>
+              <p:nvPr/>
+            </p:nvPicPr>
+            <p:blipFill>
+              <a:blip r:embed="rId4">
+                <a:extLst>
+                  <a:ext uri="{28A0092B-C50C-407E-A947-70E740481C1C}">
+                    <a14:useLocalDpi xmlns:a14="http://schemas.microsoft.com/office/drawing/2010/main" val="0"/>
+                  </a:ext>
+                </a:extLst>
+              </a:blip>
+              <a:stretch>
+                <a:fillRect/>
+              </a:stretch>
+            </p:blipFill>
+            <p:spPr>
+              <a:xfrm>
+                <a:off x="5614311" y="4644303"/>
+                <a:ext cx="608373" cy="608373"/>
+              </a:xfrm>
+              <a:prstGeom prst="rect">
+                <a:avLst/>
+              </a:prstGeom>
+            </p:spPr>
+          </p:pic>
+          <p:pic>
+            <p:nvPicPr>
+              <p:cNvPr id="23" name="Picture 22" descr="A close up of a sign&#10;&#10;Description generated with very high confidence">
+                <a:extLst>
+                  <a:ext uri="{FF2B5EF4-FFF2-40B4-BE49-F238E27FC236}">
+                    <a16:creationId xmlns:a16="http://schemas.microsoft.com/office/drawing/2014/main" id="{8DAC223D-2094-4EE2-929E-3983096EA738}"/>
+                  </a:ext>
+                </a:extLst>
+              </p:cNvPr>
+              <p:cNvPicPr>
+                <a:picLocks noChangeAspect="1"/>
+              </p:cNvPicPr>
+              <p:nvPr/>
+            </p:nvPicPr>
+            <p:blipFill>
+              <a:blip r:embed="rId4">
+                <a:extLst>
+                  <a:ext uri="{28A0092B-C50C-407E-A947-70E740481C1C}">
+                    <a14:useLocalDpi xmlns:a14="http://schemas.microsoft.com/office/drawing/2010/main" val="0"/>
+                  </a:ext>
+                </a:extLst>
+              </a:blip>
+              <a:stretch>
+                <a:fillRect/>
+              </a:stretch>
+            </p:blipFill>
+            <p:spPr>
+              <a:xfrm>
+                <a:off x="5994697" y="5252676"/>
+                <a:ext cx="608373" cy="608373"/>
+              </a:xfrm>
+              <a:prstGeom prst="rect">
+                <a:avLst/>
+              </a:prstGeom>
+            </p:spPr>
+          </p:pic>
+        </p:grpSp>
+      </p:grpSp>
+      <p:sp>
+        <p:nvSpPr>
+          <p:cNvPr id="24" name="Right Brace 23">
+            <a:extLst>
+              <a:ext uri="{FF2B5EF4-FFF2-40B4-BE49-F238E27FC236}">
+                <a16:creationId xmlns:a16="http://schemas.microsoft.com/office/drawing/2014/main" id="{C8AA0D1F-FF42-4FE7-9ED5-930334E5BB17}"/>
+              </a:ext>
+            </a:extLst>
+          </p:cNvPr>
+          <p:cNvSpPr/>
+          <p:nvPr/>
+        </p:nvSpPr>
+        <p:spPr>
+          <a:xfrm>
+            <a:off x="7423150" y="1221353"/>
+            <a:ext cx="1441450" cy="5173097"/>
+          </a:xfrm>
+          <a:prstGeom prst="rightBrace">
+            <a:avLst/>
+          </a:prstGeom>
+          <a:ln w="19050">
+            <a:solidFill>
+              <a:schemeClr val="bg1">
+                <a:lumMod val="50000"/>
+              </a:schemeClr>
+            </a:solidFill>
+          </a:ln>
+        </p:spPr>
+        <p:style>
+          <a:lnRef idx="1">
+            <a:schemeClr val="accent1"/>
+          </a:lnRef>
+          <a:fillRef idx="0">
+            <a:schemeClr val="accent1"/>
+          </a:fillRef>
+          <a:effectRef idx="0">
+            <a:schemeClr val="accent1"/>
+          </a:effectRef>
+          <a:fontRef idx="minor">
+            <a:schemeClr val="tx1"/>
+          </a:fontRef>
+        </p:style>
+        <p:txBody>
+          <a:bodyPr rtlCol="0" anchor="ctr"/>
+          <a:lstStyle/>
+          <a:p>
+            <a:pPr algn="ctr"/>
+            <a:endParaRPr lang="en-US"/>
+          </a:p>
+        </p:txBody>
+      </p:sp>
+      <p:sp>
+        <p:nvSpPr>
+          <p:cNvPr id="3" name="TextBox 2">
+            <a:extLst>
+              <a:ext uri="{FF2B5EF4-FFF2-40B4-BE49-F238E27FC236}">
+                <a16:creationId xmlns:a16="http://schemas.microsoft.com/office/drawing/2014/main" id="{5B915B2A-6613-4EED-9747-ADAEA8E79303}"/>
+              </a:ext>
+            </a:extLst>
+          </p:cNvPr>
+          <p:cNvSpPr txBox="1"/>
+          <p:nvPr/>
+        </p:nvSpPr>
+        <p:spPr>
+          <a:xfrm>
+            <a:off x="3469214" y="1472744"/>
+            <a:ext cx="3711937" cy="584775"/>
+          </a:xfrm>
+          <a:prstGeom prst="rect">
+            <a:avLst/>
+          </a:prstGeom>
+          <a:noFill/>
+        </p:spPr>
+        <p:txBody>
+          <a:bodyPr wrap="square" rtlCol="0">
+            <a:spAutoFit/>
+          </a:bodyPr>
+          <a:lstStyle/>
+          <a:p>
+            <a:pPr algn="ctr"/>
+            <a:r>
+              <a:rPr lang="en-US" sz="3200" b="1" dirty="0"/>
+              <a:t>Regular Expression</a:t>
+            </a:r>
+          </a:p>
+        </p:txBody>
+      </p:sp>
+      <p:sp>
+        <p:nvSpPr>
+          <p:cNvPr id="8" name="TextBox 7">
+            <a:extLst>
+              <a:ext uri="{FF2B5EF4-FFF2-40B4-BE49-F238E27FC236}">
+                <a16:creationId xmlns:a16="http://schemas.microsoft.com/office/drawing/2014/main" id="{F15F9A74-6552-40C2-8687-C33F2CB6B233}"/>
+              </a:ext>
+            </a:extLst>
+          </p:cNvPr>
+          <p:cNvSpPr txBox="1"/>
+          <p:nvPr/>
+        </p:nvSpPr>
+        <p:spPr>
+          <a:xfrm>
+            <a:off x="2588332" y="2065424"/>
+            <a:ext cx="5473701" cy="461665"/>
+          </a:xfrm>
+          <a:prstGeom prst="rect">
+            <a:avLst/>
+          </a:prstGeom>
+          <a:solidFill>
+            <a:schemeClr val="tx1">
+              <a:lumMod val="50000"/>
+              <a:lumOff val="50000"/>
+            </a:schemeClr>
+          </a:solidFill>
+        </p:spPr>
+        <p:txBody>
+          <a:bodyPr wrap="square" rtlCol="0">
+            <a:spAutoFit/>
+          </a:bodyPr>
+          <a:lstStyle/>
+          <a:p>
+            <a:pPr algn="ctr"/>
+            <a:r>
+              <a:rPr lang="en-US" sz="2400" dirty="0">
+                <a:solidFill>
+                  <a:schemeClr val="bg1"/>
+                </a:solidFill>
+              </a:rPr>
+              <a:t>[</a:t>
+            </a:r>
+            <a:r>
+              <a:rPr lang="en-US" sz="2400" dirty="0" err="1">
+                <a:solidFill>
+                  <a:schemeClr val="bg1"/>
+                </a:solidFill>
+              </a:rPr>
+              <a:t>iI</a:t>
+            </a:r>
+            <a:r>
+              <a:rPr lang="en-US" sz="2400" dirty="0">
+                <a:solidFill>
+                  <a:schemeClr val="bg1"/>
+                </a:solidFill>
+              </a:rPr>
+              <a:t>](?:</a:t>
+            </a:r>
+            <a:r>
+              <a:rPr lang="en-US" sz="2400" dirty="0" err="1">
+                <a:solidFill>
+                  <a:schemeClr val="bg1"/>
+                </a:solidFill>
+              </a:rPr>
+              <a:t>llegal|nvalid</a:t>
+            </a:r>
+            <a:r>
+              <a:rPr lang="en-US" sz="2400" dirty="0">
+                <a:solidFill>
+                  <a:schemeClr val="bg1"/>
+                </a:solidFill>
+              </a:rPr>
+              <a:t>) user .* from &lt;HOST&gt;</a:t>
+            </a:r>
+          </a:p>
+        </p:txBody>
+      </p:sp>
+      <p:sp>
+        <p:nvSpPr>
+          <p:cNvPr id="21" name="TextBox 20">
+            <a:extLst>
+              <a:ext uri="{FF2B5EF4-FFF2-40B4-BE49-F238E27FC236}">
+                <a16:creationId xmlns:a16="http://schemas.microsoft.com/office/drawing/2014/main" id="{A7D811A6-53AE-4AB0-BA69-83C510B9B3BA}"/>
+              </a:ext>
+            </a:extLst>
+          </p:cNvPr>
+          <p:cNvSpPr txBox="1"/>
+          <p:nvPr/>
+        </p:nvSpPr>
+        <p:spPr>
+          <a:xfrm>
+            <a:off x="3469214" y="5228613"/>
+            <a:ext cx="3711937" cy="584775"/>
+          </a:xfrm>
+          <a:prstGeom prst="rect">
+            <a:avLst/>
+          </a:prstGeom>
+          <a:noFill/>
+        </p:spPr>
+        <p:txBody>
+          <a:bodyPr wrap="square" rtlCol="0">
+            <a:spAutoFit/>
+          </a:bodyPr>
+          <a:lstStyle/>
+          <a:p>
+            <a:pPr algn="ctr"/>
+            <a:r>
+              <a:rPr lang="en-US" sz="3200" b="1" dirty="0"/>
+              <a:t>Scripts</a:t>
+            </a:r>
+          </a:p>
+        </p:txBody>
+      </p:sp>
+      <p:sp>
+        <p:nvSpPr>
+          <p:cNvPr id="28" name="TextBox 27">
+            <a:extLst>
+              <a:ext uri="{FF2B5EF4-FFF2-40B4-BE49-F238E27FC236}">
+                <a16:creationId xmlns:a16="http://schemas.microsoft.com/office/drawing/2014/main" id="{0AEE05DE-7F15-4F10-BEDE-12F4C99FA789}"/>
+              </a:ext>
+            </a:extLst>
+          </p:cNvPr>
+          <p:cNvSpPr txBox="1"/>
+          <p:nvPr/>
+        </p:nvSpPr>
+        <p:spPr>
+          <a:xfrm>
+            <a:off x="2588332" y="4701282"/>
+            <a:ext cx="5473701" cy="461665"/>
+          </a:xfrm>
+          <a:prstGeom prst="rect">
+            <a:avLst/>
+          </a:prstGeom>
+          <a:solidFill>
+            <a:schemeClr val="tx1">
+              <a:lumMod val="50000"/>
+              <a:lumOff val="50000"/>
+            </a:schemeClr>
+          </a:solidFill>
+        </p:spPr>
+        <p:txBody>
+          <a:bodyPr wrap="square" rtlCol="0">
+            <a:spAutoFit/>
+          </a:bodyPr>
+          <a:lstStyle/>
+          <a:p>
+            <a:pPr algn="ctr"/>
+            <a:r>
+              <a:rPr lang="en-US" sz="2400" dirty="0">
+                <a:solidFill>
+                  <a:schemeClr val="bg1"/>
+                </a:solidFill>
+              </a:rPr>
+              <a:t>Block &lt;HOST&gt; for 10 minutes</a:t>
+            </a:r>
+          </a:p>
+        </p:txBody>
+      </p:sp>
+      <p:sp>
+        <p:nvSpPr>
+          <p:cNvPr id="30" name="Title 1">
+            <a:extLst>
+              <a:ext uri="{FF2B5EF4-FFF2-40B4-BE49-F238E27FC236}">
+                <a16:creationId xmlns:a16="http://schemas.microsoft.com/office/drawing/2014/main" id="{73C91928-F803-4AD6-9AAA-D39BAB1FD570}"/>
+              </a:ext>
+            </a:extLst>
+          </p:cNvPr>
+          <p:cNvSpPr>
+            <a:spLocks noGrp="1"/>
+          </p:cNvSpPr>
+          <p:nvPr>
+            <p:ph type="title"/>
+          </p:nvPr>
+        </p:nvSpPr>
+        <p:spPr>
+          <a:xfrm>
+            <a:off x="0" y="5231"/>
+            <a:ext cx="12192000" cy="705969"/>
+          </a:xfrm>
+          <a:solidFill>
+            <a:schemeClr val="tx1">
+              <a:lumMod val="75000"/>
+              <a:lumOff val="25000"/>
+            </a:schemeClr>
+          </a:solidFill>
+        </p:spPr>
+        <p:txBody>
+          <a:bodyPr>
+            <a:normAutofit/>
+          </a:bodyPr>
+          <a:lstStyle/>
+          <a:p>
+            <a:pPr algn="ctr"/>
+            <a:r>
+              <a:rPr lang="en-US" b="1" dirty="0">
+                <a:solidFill>
+                  <a:schemeClr val="bg1"/>
+                </a:solidFill>
+                <a:latin typeface="+mn-lt"/>
+              </a:rPr>
+              <a:t>Components</a:t>
+            </a:r>
+          </a:p>
+        </p:txBody>
+      </p:sp>
+    </p:spTree>
+    <p:extLst>
+      <p:ext uri="{BB962C8B-B14F-4D97-AF65-F5344CB8AC3E}">
+        <p14:creationId xmlns:p14="http://schemas.microsoft.com/office/powerpoint/2010/main" val="195365457"/>
+      </p:ext>
+    </p:extLst>
+  </p:cSld>
+  <p:clrMapOvr>
+    <a:masterClrMapping/>
+  </p:clrMapOvr>
+</p:sld>
+</file>
+
+<file path=ppt/slides/slide8.xml><?xml version="1.0" encoding="utf-8"?>
+<p:sld xmlns:a="http://schemas.openxmlformats.org/drawingml/2006/main" xmlns:r="http://schemas.openxmlformats.org/officeDocument/2006/relationships" xmlns:p="http://schemas.openxmlformats.org/presentationml/2006/main">
+  <p:cSld>
+    <p:bg>
+      <p:bgPr>
+        <a:solidFill>
+          <a:schemeClr val="bg1"/>
+        </a:solidFill>
+        <a:effectLst/>
+      </p:bgPr>
+    </p:bg>
+    <p:spTree>
+      <p:nvGrpSpPr>
+        <p:cNvPr id="1" name=""/>
+        <p:cNvGrpSpPr/>
+        <p:nvPr/>
+      </p:nvGrpSpPr>
+      <p:grpSpPr>
+        <a:xfrm>
+          <a:off x="0" y="0"/>
+          <a:ext cx="0" cy="0"/>
+          <a:chOff x="0" y="0"/>
+          <a:chExt cx="0" cy="0"/>
+        </a:xfrm>
+      </p:grpSpPr>
+      <p:sp>
+        <p:nvSpPr>
+          <p:cNvPr id="10" name="Rectangle 9">
+            <a:extLst>
+              <a:ext uri="{FF2B5EF4-FFF2-40B4-BE49-F238E27FC236}">
+                <a16:creationId xmlns:a16="http://schemas.microsoft.com/office/drawing/2014/main" id="{56C20283-73E0-40EC-8AD8-057F581F64C2}"/>
+              </a:ext>
+              <a:ext uri="{C183D7F6-B498-43B3-948B-1728B52AA6E4}">
+                <adec:decorative xmlns:adec="http://schemas.microsoft.com/office/drawing/2017/decorative" val="1"/>
+              </a:ext>
+            </a:extLst>
+          </p:cNvPr>
+          <p:cNvSpPr>
+            <a:spLocks noGrp="1" noRot="1" noChangeAspect="1" noMove="1" noResize="1" noEditPoints="1" noAdjustHandles="1" noChangeArrowheads="1" noChangeShapeType="1" noTextEdit="1"/>
+          </p:cNvSpPr>
+          <p:nvPr>
+            <p:extLst>
+              <p:ext uri="{386F3935-93C4-4BCD-93E2-E3B085C9AB24}">
+                <p16:designElem xmlns:p16="http://schemas.microsoft.com/office/powerpoint/2015/main" val="1"/>
+              </p:ext>
+            </p:extLst>
+          </p:nvPr>
+        </p:nvSpPr>
+        <p:spPr>
+          <a:xfrm>
+            <a:off x="1524" y="0"/>
+            <a:ext cx="12188952" cy="6858000"/>
+          </a:xfrm>
+          <a:prstGeom prst="rect">
+            <a:avLst/>
+          </a:prstGeom>
+          <a:solidFill>
+            <a:schemeClr val="tx1"/>
+          </a:solidFill>
+          <a:ln>
+            <a:noFill/>
+          </a:ln>
+        </p:spPr>
+        <p:style>
+          <a:lnRef idx="2">
+            <a:schemeClr val="accent1">
+              <a:shade val="50000"/>
+            </a:schemeClr>
+          </a:lnRef>
+          <a:fillRef idx="1">
+            <a:schemeClr val="accent1"/>
+          </a:fillRef>
+          <a:effectRef idx="0">
+            <a:schemeClr val="accent1"/>
+          </a:effectRef>
+          <a:fontRef idx="minor">
+            <a:schemeClr val="lt1"/>
+          </a:fontRef>
+        </p:style>
+        <p:txBody>
+          <a:bodyPr rtlCol="0" anchor="ctr"/>
+          <a:lstStyle/>
+          <a:p>
+            <a:pPr algn="ctr"/>
+            <a:endParaRPr lang="en-US"/>
+          </a:p>
+        </p:txBody>
+      </p:sp>
+      <p:sp>
+        <p:nvSpPr>
+          <p:cNvPr id="12" name="Freeform 28">
+            <a:extLst>
+              <a:ext uri="{FF2B5EF4-FFF2-40B4-BE49-F238E27FC236}">
+                <a16:creationId xmlns:a16="http://schemas.microsoft.com/office/drawing/2014/main" id="{3FCC729B-E528-40C3-82D3-BA4375575E87}"/>
+              </a:ext>
+              <a:ext uri="{C183D7F6-B498-43B3-948B-1728B52AA6E4}">
+                <adec:decorative xmlns:adec="http://schemas.microsoft.com/office/drawing/2017/decorative" val="1"/>
+              </a:ext>
+            </a:extLst>
+          </p:cNvPr>
+          <p:cNvSpPr>
+            <a:spLocks noGrp="1" noRot="1" noChangeAspect="1" noMove="1" noResize="1" noEditPoints="1" noAdjustHandles="1" noChangeArrowheads="1" noChangeShapeType="1" noTextEdit="1"/>
+          </p:cNvSpPr>
+          <p:nvPr>
+            <p:extLst>
+              <p:ext uri="{386F3935-93C4-4BCD-93E2-E3B085C9AB24}">
+                <p16:designElem xmlns:p16="http://schemas.microsoft.com/office/powerpoint/2015/main" val="1"/>
+              </p:ext>
+            </p:extLst>
+          </p:nvPr>
+        </p:nvSpPr>
+        <p:spPr>
+          <a:xfrm flipH="1" flipV="1">
+            <a:off x="960120" y="0"/>
+            <a:ext cx="11218661" cy="6858000"/>
+          </a:xfrm>
+          <a:custGeom>
+            <a:avLst/>
+            <a:gdLst>
+              <a:gd name="connsiteX0" fmla="*/ 0 w 11218661"/>
+              <a:gd name="connsiteY0" fmla="*/ 0 h 6858000"/>
+              <a:gd name="connsiteX1" fmla="*/ 8042507 w 11218661"/>
+              <a:gd name="connsiteY1" fmla="*/ 0 h 6858000"/>
+              <a:gd name="connsiteX2" fmla="*/ 11218661 w 11218661"/>
+              <a:gd name="connsiteY2" fmla="*/ 6858000 h 6858000"/>
+              <a:gd name="connsiteX3" fmla="*/ 0 w 11218661"/>
+              <a:gd name="connsiteY3" fmla="*/ 6858000 h 6858000"/>
+            </a:gdLst>
+            <a:ahLst/>
+            <a:cxnLst>
+              <a:cxn ang="0">
+                <a:pos x="connsiteX0" y="connsiteY0"/>
+              </a:cxn>
+              <a:cxn ang="0">
+                <a:pos x="connsiteX1" y="connsiteY1"/>
+              </a:cxn>
+              <a:cxn ang="0">
+                <a:pos x="connsiteX2" y="connsiteY2"/>
+              </a:cxn>
+              <a:cxn ang="0">
+                <a:pos x="connsiteX3" y="connsiteY3"/>
+              </a:cxn>
+            </a:cxnLst>
+            <a:rect l="l" t="t" r="r" b="b"/>
+            <a:pathLst>
+              <a:path w="11218661" h="6858000">
+                <a:moveTo>
+                  <a:pt x="0" y="0"/>
+                </a:moveTo>
+                <a:lnTo>
+                  <a:pt x="8042507" y="0"/>
+                </a:lnTo>
+                <a:lnTo>
+                  <a:pt x="11218661" y="6858000"/>
+                </a:lnTo>
+                <a:lnTo>
+                  <a:pt x="0" y="6858000"/>
+                </a:lnTo>
+                <a:close/>
+              </a:path>
+            </a:pathLst>
+          </a:custGeom>
+          <a:solidFill>
+            <a:schemeClr val="bg1">
+              <a:lumMod val="85000"/>
+              <a:lumOff val="15000"/>
+              <a:alpha val="70000"/>
+            </a:schemeClr>
+          </a:solidFill>
+          <a:ln>
+            <a:noFill/>
+          </a:ln>
+        </p:spPr>
+        <p:style>
+          <a:lnRef idx="2">
+            <a:schemeClr val="accent1">
+              <a:shade val="50000"/>
+            </a:schemeClr>
+          </a:lnRef>
+          <a:fillRef idx="1">
+            <a:schemeClr val="accent1"/>
+          </a:fillRef>
+          <a:effectRef idx="0">
+            <a:schemeClr val="accent1"/>
+          </a:effectRef>
+          <a:fontRef idx="minor">
+            <a:schemeClr val="lt1"/>
+          </a:fontRef>
+        </p:style>
+        <p:txBody>
+          <a:bodyPr wrap="square" rtlCol="0" anchor="ctr">
+            <a:noAutofit/>
+          </a:bodyPr>
+          <a:lstStyle/>
+          <a:p>
+            <a:pPr algn="ctr"/>
+            <a:endParaRPr lang="en-US"/>
+          </a:p>
+        </p:txBody>
+      </p:sp>
+      <p:sp>
+        <p:nvSpPr>
+          <p:cNvPr id="14" name="Freeform 26">
+            <a:extLst>
+              <a:ext uri="{FF2B5EF4-FFF2-40B4-BE49-F238E27FC236}">
+                <a16:creationId xmlns:a16="http://schemas.microsoft.com/office/drawing/2014/main" id="{58F1FB8D-1842-4A04-998D-6CF047AB2790}"/>
+              </a:ext>
+              <a:ext uri="{C183D7F6-B498-43B3-948B-1728B52AA6E4}">
+                <adec:decorative xmlns:adec="http://schemas.microsoft.com/office/drawing/2017/decorative" val="1"/>
+              </a:ext>
+            </a:extLst>
+          </p:cNvPr>
+          <p:cNvSpPr>
+            <a:spLocks noGrp="1" noRot="1" noChangeAspect="1" noMove="1" noResize="1" noEditPoints="1" noAdjustHandles="1" noChangeArrowheads="1" noChangeShapeType="1" noTextEdit="1"/>
+          </p:cNvSpPr>
+          <p:nvPr>
+            <p:extLst>
+              <p:ext uri="{386F3935-93C4-4BCD-93E2-E3B085C9AB24}">
+                <p16:designElem xmlns:p16="http://schemas.microsoft.com/office/powerpoint/2015/main" val="1"/>
+              </p:ext>
+            </p:extLst>
+          </p:nvPr>
+        </p:nvSpPr>
+        <p:spPr>
+          <a:xfrm flipH="1" flipV="1">
+            <a:off x="1420248" y="0"/>
+            <a:ext cx="10771752" cy="6858000"/>
+          </a:xfrm>
+          <a:custGeom>
+            <a:avLst/>
+            <a:gdLst>
+              <a:gd name="connsiteX0" fmla="*/ 0 w 10771752"/>
+              <a:gd name="connsiteY0" fmla="*/ 0 h 6858000"/>
+              <a:gd name="connsiteX1" fmla="*/ 7595598 w 10771752"/>
+              <a:gd name="connsiteY1" fmla="*/ 0 h 6858000"/>
+              <a:gd name="connsiteX2" fmla="*/ 10771752 w 10771752"/>
+              <a:gd name="connsiteY2" fmla="*/ 6858000 h 6858000"/>
+              <a:gd name="connsiteX3" fmla="*/ 0 w 10771752"/>
+              <a:gd name="connsiteY3" fmla="*/ 6858000 h 6858000"/>
+            </a:gdLst>
+            <a:ahLst/>
+            <a:cxnLst>
+              <a:cxn ang="0">
+                <a:pos x="connsiteX0" y="connsiteY0"/>
+              </a:cxn>
+              <a:cxn ang="0">
+                <a:pos x="connsiteX1" y="connsiteY1"/>
+              </a:cxn>
+              <a:cxn ang="0">
+                <a:pos x="connsiteX2" y="connsiteY2"/>
+              </a:cxn>
+              <a:cxn ang="0">
+                <a:pos x="connsiteX3" y="connsiteY3"/>
+              </a:cxn>
+            </a:cxnLst>
+            <a:rect l="l" t="t" r="r" b="b"/>
+            <a:pathLst>
+              <a:path w="10771752" h="6858000">
+                <a:moveTo>
+                  <a:pt x="0" y="0"/>
+                </a:moveTo>
+                <a:lnTo>
+                  <a:pt x="7595598" y="0"/>
+                </a:lnTo>
+                <a:lnTo>
+                  <a:pt x="10771752" y="6858000"/>
+                </a:lnTo>
+                <a:lnTo>
+                  <a:pt x="0" y="6858000"/>
+                </a:lnTo>
+                <a:close/>
+              </a:path>
+            </a:pathLst>
+          </a:custGeom>
+          <a:solidFill>
+            <a:schemeClr val="bg1">
+              <a:lumMod val="85000"/>
+              <a:lumOff val="15000"/>
+            </a:schemeClr>
+          </a:solidFill>
+          <a:ln>
+            <a:noFill/>
+          </a:ln>
+        </p:spPr>
+        <p:style>
+          <a:lnRef idx="2">
+            <a:schemeClr val="accent1">
+              <a:shade val="50000"/>
+            </a:schemeClr>
+          </a:lnRef>
+          <a:fillRef idx="1">
+            <a:schemeClr val="accent1"/>
+          </a:fillRef>
+          <a:effectRef idx="0">
+            <a:schemeClr val="accent1"/>
+          </a:effectRef>
+          <a:fontRef idx="minor">
+            <a:schemeClr val="lt1"/>
+          </a:fontRef>
+        </p:style>
+        <p:txBody>
+          <a:bodyPr wrap="square" rtlCol="0" anchor="ctr">
+            <a:noAutofit/>
+          </a:bodyPr>
+          <a:lstStyle/>
+          <a:p>
+            <a:pPr algn="ctr"/>
+            <a:endParaRPr lang="en-US"/>
+          </a:p>
+        </p:txBody>
+      </p:sp>
+      <p:pic>
+        <p:nvPicPr>
+          <p:cNvPr id="5" name="Picture 4">
+            <a:extLst>
+              <a:ext uri="{FF2B5EF4-FFF2-40B4-BE49-F238E27FC236}">
+                <a16:creationId xmlns:a16="http://schemas.microsoft.com/office/drawing/2014/main" id="{F67A36AD-90E1-4BCB-A8F8-54B73AE35D75}"/>
+              </a:ext>
+            </a:extLst>
+          </p:cNvPr>
+          <p:cNvPicPr>
+            <a:picLocks noChangeAspect="1"/>
+          </p:cNvPicPr>
+          <p:nvPr/>
+        </p:nvPicPr>
+        <p:blipFill>
+          <a:blip r:embed="rId2"/>
+          <a:stretch>
+            <a:fillRect/>
+          </a:stretch>
+        </p:blipFill>
+        <p:spPr>
+          <a:xfrm>
+            <a:off x="480060" y="1715781"/>
+            <a:ext cx="3425957" cy="3425957"/>
+          </a:xfrm>
+          <a:prstGeom prst="rect">
+            <a:avLst/>
+          </a:prstGeom>
+        </p:spPr>
+      </p:pic>
+      <p:sp>
+        <p:nvSpPr>
+          <p:cNvPr id="3" name="Content Placeholder 2">
+            <a:extLst>
+              <a:ext uri="{FF2B5EF4-FFF2-40B4-BE49-F238E27FC236}">
+                <a16:creationId xmlns:a16="http://schemas.microsoft.com/office/drawing/2014/main" id="{8A3578B8-698D-4D84-BD3C-4DAA75B85D9F}"/>
+              </a:ext>
+            </a:extLst>
+          </p:cNvPr>
+          <p:cNvSpPr>
+            <a:spLocks noGrp="1"/>
+          </p:cNvSpPr>
+          <p:nvPr>
+            <p:ph idx="1"/>
+          </p:nvPr>
+        </p:nvSpPr>
+        <p:spPr>
+          <a:xfrm>
+            <a:off x="6071195" y="1112043"/>
+            <a:ext cx="5344582" cy="4633913"/>
+          </a:xfrm>
+        </p:spPr>
+        <p:txBody>
+          <a:bodyPr>
+            <a:noAutofit/>
+          </a:bodyPr>
+          <a:lstStyle/>
+          <a:p>
+            <a:r>
+              <a:rPr lang="en-US" sz="3200"/>
+              <a:t>50+ Default</a:t>
+            </a:r>
+          </a:p>
+          <a:p>
+            <a:endParaRPr lang="en-US" sz="800"/>
+          </a:p>
+          <a:p>
+            <a:r>
+              <a:rPr lang="en-US" sz="3200"/>
+              <a:t>Supported Services:</a:t>
+            </a:r>
+          </a:p>
+          <a:p>
+            <a:pPr lvl="1"/>
+            <a:r>
+              <a:rPr lang="en-US" sz="3200"/>
+              <a:t>SSH</a:t>
+            </a:r>
+          </a:p>
+          <a:p>
+            <a:pPr lvl="1"/>
+            <a:r>
+              <a:rPr lang="en-US" sz="3200"/>
+              <a:t>Apache</a:t>
+            </a:r>
+          </a:p>
+          <a:p>
+            <a:pPr lvl="1"/>
+            <a:r>
+              <a:rPr lang="en-US" sz="3200"/>
+              <a:t>Exim</a:t>
+            </a:r>
+          </a:p>
+          <a:p>
+            <a:pPr lvl="1"/>
+            <a:r>
+              <a:rPr lang="en-US" sz="3200"/>
+              <a:t>Lighttpd</a:t>
+            </a:r>
+          </a:p>
+          <a:p>
+            <a:pPr lvl="1"/>
+            <a:r>
+              <a:rPr lang="en-US" sz="3200"/>
+              <a:t>Postfix</a:t>
+            </a:r>
+          </a:p>
+          <a:p>
+            <a:pPr lvl="1"/>
+            <a:r>
+              <a:rPr lang="en-US" sz="3200"/>
+              <a:t>ProFTPd</a:t>
+            </a:r>
+          </a:p>
+          <a:p>
+            <a:pPr lvl="1"/>
+            <a:r>
+              <a:rPr lang="en-US" sz="3200"/>
+              <a:t>Courier Mail Server</a:t>
+            </a:r>
+          </a:p>
+          <a:p>
+            <a:pPr lvl="1"/>
+            <a:r>
+              <a:rPr lang="en-US" sz="3200"/>
+              <a:t>Vsftpd … and more</a:t>
+            </a:r>
+            <a:endParaRPr lang="en-US" sz="3200" dirty="0"/>
+          </a:p>
+        </p:txBody>
+      </p:sp>
+      <p:sp>
+        <p:nvSpPr>
+          <p:cNvPr id="13" name="Title 1">
+            <a:extLst>
+              <a:ext uri="{FF2B5EF4-FFF2-40B4-BE49-F238E27FC236}">
+                <a16:creationId xmlns:a16="http://schemas.microsoft.com/office/drawing/2014/main" id="{D4DFD4A6-4A25-45C8-94A1-6FAD68614FDE}"/>
+              </a:ext>
+            </a:extLst>
+          </p:cNvPr>
+          <p:cNvSpPr txBox="1">
+            <a:spLocks/>
+          </p:cNvSpPr>
+          <p:nvPr/>
+        </p:nvSpPr>
+        <p:spPr>
+          <a:xfrm>
+            <a:off x="0" y="5231"/>
+            <a:ext cx="12142391" cy="705969"/>
+          </a:xfrm>
+          <a:prstGeom prst="rect">
+            <a:avLst/>
+          </a:prstGeom>
+          <a:noFill/>
+        </p:spPr>
+        <p:txBody>
+          <a:bodyPr vert="horz" lIns="91440" tIns="45720" rIns="91440" bIns="45720" rtlCol="0" anchor="ctr">
+            <a:normAutofit/>
+          </a:bodyPr>
+          <a:lstStyle>
+            <a:lvl1pPr algn="l" defTabSz="914400" rtl="0" eaLnBrk="1" latinLnBrk="0" hangingPunct="1">
+              <a:lnSpc>
+                <a:spcPct val="90000"/>
+              </a:lnSpc>
+              <a:spcBef>
+                <a:spcPct val="0"/>
+              </a:spcBef>
+              <a:buNone/>
+              <a:defRPr sz="4400" kern="1200">
+                <a:solidFill>
+                  <a:schemeClr val="tx1"/>
+                </a:solidFill>
+                <a:latin typeface="+mj-lt"/>
+                <a:ea typeface="+mj-ea"/>
+                <a:cs typeface="+mj-cs"/>
+              </a:defRPr>
+            </a:lvl1pPr>
+          </a:lstStyle>
+          <a:p>
+            <a:pPr algn="ctr"/>
+            <a:r>
+              <a:rPr lang="en-US" b="1">
+                <a:latin typeface="+mn-lt"/>
+              </a:rPr>
+              <a:t>Filters</a:t>
+            </a:r>
+            <a:endParaRPr lang="en-US" b="1" dirty="0">
+              <a:latin typeface="+mn-lt"/>
+            </a:endParaRPr>
+          </a:p>
+        </p:txBody>
+      </p:sp>
+    </p:spTree>
+    <p:extLst>
+      <p:ext uri="{BB962C8B-B14F-4D97-AF65-F5344CB8AC3E}">
+        <p14:creationId xmlns:p14="http://schemas.microsoft.com/office/powerpoint/2010/main" val="968951905"/>
+      </p:ext>
+    </p:extLst>
+  </p:cSld>
+  <p:clrMapOvr>
+    <a:overrideClrMapping bg1="dk1" tx1="lt1" bg2="dk2" tx2="lt2" accent1="accent1" accent2="accent2" accent3="accent3" accent4="accent4" accent5="accent5" accent6="accent6" hlink="hlink" folHlink="folHlink"/>
+  </p:clrMapOvr>
+</p:sld>
+</file>
+
+<file path=ppt/slides/slide9.xml><?xml version="1.0" encoding="utf-8"?>
+<p:sld xmlns:a="http://schemas.openxmlformats.org/drawingml/2006/main" xmlns:r="http://schemas.openxmlformats.org/officeDocument/2006/relationships" xmlns:p="http://schemas.openxmlformats.org/presentationml/2006/main">
+  <p:cSld>
+    <p:bg>
+      <p:bgPr>
+        <a:solidFill>
+          <a:schemeClr val="bg1"/>
+        </a:solidFill>
+        <a:effectLst/>
+      </p:bgPr>
+    </p:bg>
+    <p:spTree>
+      <p:nvGrpSpPr>
+        <p:cNvPr id="1" name=""/>
+        <p:cNvGrpSpPr/>
+        <p:nvPr/>
+      </p:nvGrpSpPr>
+      <p:grpSpPr>
+        <a:xfrm>
+          <a:off x="0" y="0"/>
+          <a:ext cx="0" cy="0"/>
+          <a:chOff x="0" y="0"/>
+          <a:chExt cx="0" cy="0"/>
+        </a:xfrm>
+      </p:grpSpPr>
+      <p:sp>
+        <p:nvSpPr>
+          <p:cNvPr id="10" name="Rectangle 9">
+            <a:extLst>
+              <a:ext uri="{FF2B5EF4-FFF2-40B4-BE49-F238E27FC236}">
+                <a16:creationId xmlns:a16="http://schemas.microsoft.com/office/drawing/2014/main" id="{56C20283-73E0-40EC-8AD8-057F581F64C2}"/>
+              </a:ext>
+              <a:ext uri="{C183D7F6-B498-43B3-948B-1728B52AA6E4}">
+                <adec:decorative xmlns:adec="http://schemas.microsoft.com/office/drawing/2017/decorative" val="1"/>
+              </a:ext>
+            </a:extLst>
+          </p:cNvPr>
+          <p:cNvSpPr>
+            <a:spLocks noGrp="1" noRot="1" noChangeAspect="1" noMove="1" noResize="1" noEditPoints="1" noAdjustHandles="1" noChangeArrowheads="1" noChangeShapeType="1" noTextEdit="1"/>
+          </p:cNvSpPr>
+          <p:nvPr>
+            <p:extLst>
+              <p:ext uri="{386F3935-93C4-4BCD-93E2-E3B085C9AB24}">
+                <p16:designElem xmlns:p16="http://schemas.microsoft.com/office/powerpoint/2015/main" val="1"/>
+              </p:ext>
+            </p:extLst>
+          </p:nvPr>
+        </p:nvSpPr>
+        <p:spPr>
+          <a:xfrm>
+            <a:off x="1524" y="0"/>
+            <a:ext cx="12188952" cy="6858000"/>
+          </a:xfrm>
+          <a:prstGeom prst="rect">
+            <a:avLst/>
+          </a:prstGeom>
+          <a:solidFill>
+            <a:schemeClr val="tx1"/>
+          </a:solidFill>
+          <a:ln>
+            <a:noFill/>
+          </a:ln>
+        </p:spPr>
+        <p:style>
+          <a:lnRef idx="2">
+            <a:schemeClr val="accent1">
+              <a:shade val="50000"/>
+            </a:schemeClr>
+          </a:lnRef>
+          <a:fillRef idx="1">
+            <a:schemeClr val="accent1"/>
+          </a:fillRef>
+          <a:effectRef idx="0">
+            <a:schemeClr val="accent1"/>
+          </a:effectRef>
+          <a:fontRef idx="minor">
+            <a:schemeClr val="lt1"/>
+          </a:fontRef>
+        </p:style>
+        <p:txBody>
+          <a:bodyPr rtlCol="0" anchor="ctr"/>
+          <a:lstStyle/>
+          <a:p>
+            <a:pPr algn="ctr"/>
+            <a:endParaRPr lang="en-US"/>
+          </a:p>
+        </p:txBody>
+      </p:sp>
+      <p:sp>
+        <p:nvSpPr>
+          <p:cNvPr id="12" name="Freeform 28">
+            <a:extLst>
+              <a:ext uri="{FF2B5EF4-FFF2-40B4-BE49-F238E27FC236}">
+                <a16:creationId xmlns:a16="http://schemas.microsoft.com/office/drawing/2014/main" id="{3FCC729B-E528-40C3-82D3-BA4375575E87}"/>
+              </a:ext>
+              <a:ext uri="{C183D7F6-B498-43B3-948B-1728B52AA6E4}">
+                <adec:decorative xmlns:adec="http://schemas.microsoft.com/office/drawing/2017/decorative" val="1"/>
+              </a:ext>
+            </a:extLst>
+          </p:cNvPr>
+          <p:cNvSpPr>
+            <a:spLocks noGrp="1" noRot="1" noChangeAspect="1" noMove="1" noResize="1" noEditPoints="1" noAdjustHandles="1" noChangeArrowheads="1" noChangeShapeType="1" noTextEdit="1"/>
+          </p:cNvSpPr>
+          <p:nvPr>
+            <p:extLst>
+              <p:ext uri="{386F3935-93C4-4BCD-93E2-E3B085C9AB24}">
+                <p16:designElem xmlns:p16="http://schemas.microsoft.com/office/powerpoint/2015/main" val="1"/>
+              </p:ext>
+            </p:extLst>
+          </p:nvPr>
+        </p:nvSpPr>
+        <p:spPr>
+          <a:xfrm flipH="1" flipV="1">
+            <a:off x="960120" y="0"/>
+            <a:ext cx="11218661" cy="6858000"/>
+          </a:xfrm>
+          <a:custGeom>
+            <a:avLst/>
+            <a:gdLst>
+              <a:gd name="connsiteX0" fmla="*/ 0 w 11218661"/>
+              <a:gd name="connsiteY0" fmla="*/ 0 h 6858000"/>
+              <a:gd name="connsiteX1" fmla="*/ 8042507 w 11218661"/>
+              <a:gd name="connsiteY1" fmla="*/ 0 h 6858000"/>
+              <a:gd name="connsiteX2" fmla="*/ 11218661 w 11218661"/>
+              <a:gd name="connsiteY2" fmla="*/ 6858000 h 6858000"/>
+              <a:gd name="connsiteX3" fmla="*/ 0 w 11218661"/>
+              <a:gd name="connsiteY3" fmla="*/ 6858000 h 6858000"/>
+            </a:gdLst>
+            <a:ahLst/>
+            <a:cxnLst>
+              <a:cxn ang="0">
+                <a:pos x="connsiteX0" y="connsiteY0"/>
+              </a:cxn>
+              <a:cxn ang="0">
+                <a:pos x="connsiteX1" y="connsiteY1"/>
+              </a:cxn>
+              <a:cxn ang="0">
+                <a:pos x="connsiteX2" y="connsiteY2"/>
+              </a:cxn>
+              <a:cxn ang="0">
+                <a:pos x="connsiteX3" y="connsiteY3"/>
+              </a:cxn>
+            </a:cxnLst>
+            <a:rect l="l" t="t" r="r" b="b"/>
+            <a:pathLst>
+              <a:path w="11218661" h="6858000">
+                <a:moveTo>
+                  <a:pt x="0" y="0"/>
+                </a:moveTo>
+                <a:lnTo>
+                  <a:pt x="8042507" y="0"/>
+                </a:lnTo>
+                <a:lnTo>
+                  <a:pt x="11218661" y="6858000"/>
+                </a:lnTo>
+                <a:lnTo>
+                  <a:pt x="0" y="6858000"/>
+                </a:lnTo>
+                <a:close/>
+              </a:path>
+            </a:pathLst>
+          </a:custGeom>
+          <a:solidFill>
+            <a:schemeClr val="bg1">
+              <a:lumMod val="85000"/>
+              <a:lumOff val="15000"/>
+              <a:alpha val="70000"/>
+            </a:schemeClr>
+          </a:solidFill>
+          <a:ln>
+            <a:noFill/>
+          </a:ln>
+        </p:spPr>
+        <p:style>
+          <a:lnRef idx="2">
+            <a:schemeClr val="accent1">
+              <a:shade val="50000"/>
+            </a:schemeClr>
+          </a:lnRef>
+          <a:fillRef idx="1">
+            <a:schemeClr val="accent1"/>
+          </a:fillRef>
+          <a:effectRef idx="0">
+            <a:schemeClr val="accent1"/>
+          </a:effectRef>
+          <a:fontRef idx="minor">
+            <a:schemeClr val="lt1"/>
+          </a:fontRef>
+        </p:style>
+        <p:txBody>
+          <a:bodyPr wrap="square" rtlCol="0" anchor="ctr">
+            <a:noAutofit/>
+          </a:bodyPr>
+          <a:lstStyle/>
+          <a:p>
+            <a:pPr algn="ctr"/>
+            <a:endParaRPr lang="en-US"/>
+          </a:p>
+        </p:txBody>
+      </p:sp>
+      <p:sp>
+        <p:nvSpPr>
+          <p:cNvPr id="14" name="Freeform 26">
+            <a:extLst>
+              <a:ext uri="{FF2B5EF4-FFF2-40B4-BE49-F238E27FC236}">
+                <a16:creationId xmlns:a16="http://schemas.microsoft.com/office/drawing/2014/main" id="{58F1FB8D-1842-4A04-998D-6CF047AB2790}"/>
+              </a:ext>
+              <a:ext uri="{C183D7F6-B498-43B3-948B-1728B52AA6E4}">
+                <adec:decorative xmlns:adec="http://schemas.microsoft.com/office/drawing/2017/decorative" val="1"/>
+              </a:ext>
+            </a:extLst>
+          </p:cNvPr>
+          <p:cNvSpPr>
+            <a:spLocks noGrp="1" noRot="1" noChangeAspect="1" noMove="1" noResize="1" noEditPoints="1" noAdjustHandles="1" noChangeArrowheads="1" noChangeShapeType="1" noTextEdit="1"/>
+          </p:cNvSpPr>
+          <p:nvPr>
+            <p:extLst>
+              <p:ext uri="{386F3935-93C4-4BCD-93E2-E3B085C9AB24}">
+                <p16:designElem xmlns:p16="http://schemas.microsoft.com/office/powerpoint/2015/main" val="1"/>
+              </p:ext>
+            </p:extLst>
+          </p:nvPr>
+        </p:nvSpPr>
+        <p:spPr>
+          <a:xfrm flipH="1" flipV="1">
+            <a:off x="1420248" y="0"/>
+            <a:ext cx="10771752" cy="6858000"/>
+          </a:xfrm>
+          <a:custGeom>
+            <a:avLst/>
+            <a:gdLst>
+              <a:gd name="connsiteX0" fmla="*/ 0 w 10771752"/>
+              <a:gd name="connsiteY0" fmla="*/ 0 h 6858000"/>
+              <a:gd name="connsiteX1" fmla="*/ 7595598 w 10771752"/>
+              <a:gd name="connsiteY1" fmla="*/ 0 h 6858000"/>
+              <a:gd name="connsiteX2" fmla="*/ 10771752 w 10771752"/>
+              <a:gd name="connsiteY2" fmla="*/ 6858000 h 6858000"/>
+              <a:gd name="connsiteX3" fmla="*/ 0 w 10771752"/>
+              <a:gd name="connsiteY3" fmla="*/ 6858000 h 6858000"/>
+            </a:gdLst>
+            <a:ahLst/>
+            <a:cxnLst>
+              <a:cxn ang="0">
+                <a:pos x="connsiteX0" y="connsiteY0"/>
+              </a:cxn>
+              <a:cxn ang="0">
+                <a:pos x="connsiteX1" y="connsiteY1"/>
+              </a:cxn>
+              <a:cxn ang="0">
+                <a:pos x="connsiteX2" y="connsiteY2"/>
+              </a:cxn>
+              <a:cxn ang="0">
+                <a:pos x="connsiteX3" y="connsiteY3"/>
+              </a:cxn>
+            </a:cxnLst>
+            <a:rect l="l" t="t" r="r" b="b"/>
+            <a:pathLst>
+              <a:path w="10771752" h="6858000">
+                <a:moveTo>
+                  <a:pt x="0" y="0"/>
+                </a:moveTo>
+                <a:lnTo>
+                  <a:pt x="7595598" y="0"/>
+                </a:lnTo>
+                <a:lnTo>
+                  <a:pt x="10771752" y="6858000"/>
+                </a:lnTo>
+                <a:lnTo>
+                  <a:pt x="0" y="6858000"/>
+                </a:lnTo>
+                <a:close/>
+              </a:path>
+            </a:pathLst>
+          </a:custGeom>
+          <a:solidFill>
+            <a:schemeClr val="bg1">
+              <a:lumMod val="85000"/>
+              <a:lumOff val="15000"/>
+            </a:schemeClr>
+          </a:solidFill>
+          <a:ln>
+            <a:noFill/>
+          </a:ln>
+        </p:spPr>
+        <p:style>
+          <a:lnRef idx="2">
+            <a:schemeClr val="accent1">
+              <a:shade val="50000"/>
+            </a:schemeClr>
+          </a:lnRef>
+          <a:fillRef idx="1">
+            <a:schemeClr val="accent1"/>
+          </a:fillRef>
+          <a:effectRef idx="0">
+            <a:schemeClr val="accent1"/>
+          </a:effectRef>
+          <a:fontRef idx="minor">
+            <a:schemeClr val="lt1"/>
+          </a:fontRef>
+        </p:style>
+        <p:txBody>
+          <a:bodyPr wrap="square" rtlCol="0" anchor="ctr">
+            <a:noAutofit/>
+          </a:bodyPr>
+          <a:lstStyle/>
+          <a:p>
+            <a:pPr algn="ctr"/>
+            <a:endParaRPr lang="en-US"/>
+          </a:p>
+        </p:txBody>
+      </p:sp>
+      <p:sp>
+        <p:nvSpPr>
+          <p:cNvPr id="3" name="Content Placeholder 2">
+            <a:extLst>
+              <a:ext uri="{FF2B5EF4-FFF2-40B4-BE49-F238E27FC236}">
+                <a16:creationId xmlns:a16="http://schemas.microsoft.com/office/drawing/2014/main" id="{8A3578B8-698D-4D84-BD3C-4DAA75B85D9F}"/>
+              </a:ext>
+            </a:extLst>
+          </p:cNvPr>
+          <p:cNvSpPr>
+            <a:spLocks noGrp="1"/>
+          </p:cNvSpPr>
+          <p:nvPr>
+            <p:ph idx="1"/>
+          </p:nvPr>
+        </p:nvSpPr>
+        <p:spPr>
+          <a:xfrm>
+            <a:off x="6096000" y="1073150"/>
+            <a:ext cx="5344582" cy="5160963"/>
+          </a:xfrm>
+        </p:spPr>
+        <p:txBody>
+          <a:bodyPr>
+            <a:noAutofit/>
+          </a:bodyPr>
+          <a:lstStyle/>
+          <a:p>
+            <a:r>
+              <a:rPr lang="en-US" sz="3200" dirty="0"/>
+              <a:t>80+ Default</a:t>
+            </a:r>
+          </a:p>
+          <a:p>
+            <a:endParaRPr lang="en-US" sz="3200" dirty="0"/>
+          </a:p>
+          <a:p>
+            <a:r>
+              <a:rPr lang="en-US" sz="3200" dirty="0" err="1"/>
+              <a:t>Netfilter</a:t>
+            </a:r>
+            <a:endParaRPr lang="en-US" sz="3200" dirty="0"/>
+          </a:p>
+          <a:p>
+            <a:r>
+              <a:rPr lang="en-US" sz="3200" dirty="0"/>
+              <a:t>IP Tables</a:t>
+            </a:r>
+          </a:p>
+          <a:p>
+            <a:r>
+              <a:rPr lang="en-US" sz="3200" dirty="0"/>
+              <a:t>TCP Wrapper </a:t>
+            </a:r>
+            <a:r>
+              <a:rPr lang="en-US" sz="2400" dirty="0"/>
+              <a:t>(/</a:t>
+            </a:r>
+            <a:r>
+              <a:rPr lang="en-US" sz="2400" dirty="0" err="1"/>
+              <a:t>etc</a:t>
+            </a:r>
+            <a:r>
+              <a:rPr lang="en-US" sz="2400" dirty="0"/>
+              <a:t>/</a:t>
+            </a:r>
+            <a:r>
+              <a:rPr lang="en-US" sz="2400" dirty="0" err="1"/>
+              <a:t>hosts.deny</a:t>
+            </a:r>
+            <a:r>
+              <a:rPr lang="en-US" sz="2400" dirty="0"/>
+              <a:t>)</a:t>
+            </a:r>
+          </a:p>
+          <a:p>
+            <a:r>
+              <a:rPr lang="en-US" sz="3200" dirty="0"/>
+              <a:t>Many other firewalls</a:t>
+            </a:r>
+          </a:p>
+          <a:p>
+            <a:r>
+              <a:rPr lang="en-US" sz="3200" dirty="0"/>
+              <a:t>Python-based actions</a:t>
+            </a:r>
+          </a:p>
+        </p:txBody>
+      </p:sp>
+      <p:sp>
+        <p:nvSpPr>
+          <p:cNvPr id="13" name="Title 1">
+            <a:extLst>
+              <a:ext uri="{FF2B5EF4-FFF2-40B4-BE49-F238E27FC236}">
+                <a16:creationId xmlns:a16="http://schemas.microsoft.com/office/drawing/2014/main" id="{D4DFD4A6-4A25-45C8-94A1-6FAD68614FDE}"/>
+              </a:ext>
+            </a:extLst>
+          </p:cNvPr>
+          <p:cNvSpPr txBox="1">
+            <a:spLocks/>
+          </p:cNvSpPr>
+          <p:nvPr/>
+        </p:nvSpPr>
+        <p:spPr>
+          <a:xfrm>
+            <a:off x="0" y="5231"/>
+            <a:ext cx="12142391" cy="705969"/>
+          </a:xfrm>
+          <a:prstGeom prst="rect">
+            <a:avLst/>
+          </a:prstGeom>
+          <a:noFill/>
+        </p:spPr>
+        <p:txBody>
+          <a:bodyPr vert="horz" lIns="91440" tIns="45720" rIns="91440" bIns="45720" rtlCol="0" anchor="ctr">
+            <a:normAutofit/>
+          </a:bodyPr>
+          <a:lstStyle>
+            <a:lvl1pPr algn="l" defTabSz="914400" rtl="0" eaLnBrk="1" latinLnBrk="0" hangingPunct="1">
+              <a:lnSpc>
+                <a:spcPct val="90000"/>
+              </a:lnSpc>
+              <a:spcBef>
+                <a:spcPct val="0"/>
+              </a:spcBef>
+              <a:buNone/>
+              <a:defRPr sz="4400" kern="1200">
+                <a:solidFill>
+                  <a:schemeClr val="tx1"/>
+                </a:solidFill>
+                <a:latin typeface="+mj-lt"/>
+                <a:ea typeface="+mj-ea"/>
+                <a:cs typeface="+mj-cs"/>
+              </a:defRPr>
+            </a:lvl1pPr>
+          </a:lstStyle>
+          <a:p>
+            <a:pPr algn="ctr"/>
+            <a:r>
+              <a:rPr lang="en-US" b="1" dirty="0">
+                <a:latin typeface="+mn-lt"/>
+              </a:rPr>
+              <a:t>Actions</a:t>
+            </a:r>
+          </a:p>
+        </p:txBody>
+      </p:sp>
+      <p:grpSp>
+        <p:nvGrpSpPr>
+          <p:cNvPr id="11" name="Group 10">
+            <a:extLst>
+              <a:ext uri="{FF2B5EF4-FFF2-40B4-BE49-F238E27FC236}">
+                <a16:creationId xmlns:a16="http://schemas.microsoft.com/office/drawing/2014/main" id="{51D2B859-694C-4A8A-A0FF-E271CEFFC2F8}"/>
+              </a:ext>
+            </a:extLst>
+          </p:cNvPr>
+          <p:cNvGrpSpPr/>
+          <p:nvPr/>
+        </p:nvGrpSpPr>
+        <p:grpSpPr>
+          <a:xfrm>
+            <a:off x="858772" y="2154561"/>
+            <a:ext cx="2900428" cy="2548878"/>
+            <a:chOff x="5233924" y="4644303"/>
+            <a:chExt cx="1369146" cy="1216747"/>
+          </a:xfrm>
+        </p:grpSpPr>
+        <p:pic>
+          <p:nvPicPr>
+            <p:cNvPr id="15" name="Picture 14" descr="A close up of a sign&#10;&#10;Description generated with very high confidence">
+              <a:extLst>
+                <a:ext uri="{FF2B5EF4-FFF2-40B4-BE49-F238E27FC236}">
+                  <a16:creationId xmlns:a16="http://schemas.microsoft.com/office/drawing/2014/main" id="{BD648085-E280-40AA-BEE6-E17B8BF3D504}"/>
+                </a:ext>
+              </a:extLst>
+            </p:cNvPr>
+            <p:cNvPicPr>
+              <a:picLocks noChangeAspect="1"/>
+            </p:cNvPicPr>
+            <p:nvPr/>
+          </p:nvPicPr>
+          <p:blipFill>
+            <a:blip r:embed="rId2">
+              <a:extLst>
+                <a:ext uri="{28A0092B-C50C-407E-A947-70E740481C1C}">
+                  <a14:useLocalDpi xmlns:a14="http://schemas.microsoft.com/office/drawing/2010/main" val="0"/>
+                </a:ext>
+              </a:extLst>
+            </a:blip>
+            <a:stretch>
+              <a:fillRect/>
+            </a:stretch>
+          </p:blipFill>
+          <p:spPr>
+            <a:xfrm>
+              <a:off x="5233924" y="5252677"/>
+              <a:ext cx="608373" cy="608373"/>
+            </a:xfrm>
+            <a:prstGeom prst="rect">
+              <a:avLst/>
+            </a:prstGeom>
+          </p:spPr>
+        </p:pic>
+        <p:pic>
+          <p:nvPicPr>
+            <p:cNvPr id="16" name="Picture 15" descr="A close up of a sign&#10;&#10;Description generated with very high confidence">
+              <a:extLst>
+                <a:ext uri="{FF2B5EF4-FFF2-40B4-BE49-F238E27FC236}">
+                  <a16:creationId xmlns:a16="http://schemas.microsoft.com/office/drawing/2014/main" id="{CD7832DC-CCFB-4FF8-B118-3BB8DD1BFE4F}"/>
+                </a:ext>
+              </a:extLst>
+            </p:cNvPr>
+            <p:cNvPicPr>
+              <a:picLocks noChangeAspect="1"/>
+            </p:cNvPicPr>
+            <p:nvPr/>
+          </p:nvPicPr>
+          <p:blipFill>
+            <a:blip r:embed="rId2">
+              <a:extLst>
+                <a:ext uri="{28A0092B-C50C-407E-A947-70E740481C1C}">
+                  <a14:useLocalDpi xmlns:a14="http://schemas.microsoft.com/office/drawing/2010/main" val="0"/>
+                </a:ext>
+              </a:extLst>
+            </a:blip>
+            <a:stretch>
+              <a:fillRect/>
+            </a:stretch>
+          </p:blipFill>
+          <p:spPr>
+            <a:xfrm>
+              <a:off x="5614311" y="4644303"/>
+              <a:ext cx="608373" cy="608373"/>
+            </a:xfrm>
+            <a:prstGeom prst="rect">
+              <a:avLst/>
+            </a:prstGeom>
+          </p:spPr>
+        </p:pic>
+        <p:pic>
+          <p:nvPicPr>
+            <p:cNvPr id="17" name="Picture 16" descr="A close up of a sign&#10;&#10;Description generated with very high confidence">
+              <a:extLst>
+                <a:ext uri="{FF2B5EF4-FFF2-40B4-BE49-F238E27FC236}">
+                  <a16:creationId xmlns:a16="http://schemas.microsoft.com/office/drawing/2014/main" id="{C46D8C03-5E27-498D-80CF-AC2518601A22}"/>
+                </a:ext>
+              </a:extLst>
+            </p:cNvPr>
+            <p:cNvPicPr>
+              <a:picLocks noChangeAspect="1"/>
+            </p:cNvPicPr>
+            <p:nvPr/>
+          </p:nvPicPr>
+          <p:blipFill>
+            <a:blip r:embed="rId2">
+              <a:extLst>
+                <a:ext uri="{28A0092B-C50C-407E-A947-70E740481C1C}">
+                  <a14:useLocalDpi xmlns:a14="http://schemas.microsoft.com/office/drawing/2010/main" val="0"/>
+                </a:ext>
+              </a:extLst>
+            </a:blip>
+            <a:stretch>
+              <a:fillRect/>
+            </a:stretch>
+          </p:blipFill>
+          <p:spPr>
+            <a:xfrm>
+              <a:off x="5994697" y="5252676"/>
+              <a:ext cx="608373" cy="608373"/>
+            </a:xfrm>
+            <a:prstGeom prst="rect">
+              <a:avLst/>
+            </a:prstGeom>
+          </p:spPr>
+        </p:pic>
+      </p:grpSp>
+    </p:spTree>
+    <p:extLst>
+      <p:ext uri="{BB962C8B-B14F-4D97-AF65-F5344CB8AC3E}">
+        <p14:creationId xmlns:p14="http://schemas.microsoft.com/office/powerpoint/2010/main" val="3743128135"/>
+      </p:ext>
+    </p:extLst>
+  </p:cSld>
+  <p:clrMapOvr>
+    <a:overrideClrMapping bg1="dk1" tx1="lt1" bg2="dk2" tx2="lt2" accent1="accent1" accent2="accent2" accent3="accent3" accent4="accent4" accent5="accent5" accent6="accent6" hlink="hlink" folHlink="folHlink"/>
   </p:clrMapOvr>
 </p:sld>
 </file>

--- a/MondayPresentations/5_fail2ban/Fail2Ban.pptx
+++ b/MondayPresentations/5_fail2ban/Fail2Ban.pptx
@@ -221,7 +221,7 @@
           <a:p>
             <a:fld id="{26EC06EC-96D1-47F8-BC7B-CDB1F3A5A8A0}" type="datetimeFigureOut">
               <a:rPr lang="en-US" smtClean="0"/>
-              <a:t>7/1/2018</a:t>
+              <a:t>7/2/2018</a:t>
             </a:fld>
             <a:endParaRPr lang="en-US"/>
           </a:p>
@@ -1193,6 +1193,90 @@
 </p:notes>
 </file>
 
+<file path=ppt/notesSlides/notesSlide4.xml><?xml version="1.0" encoding="utf-8"?>
+<p:notes xmlns:a="http://schemas.openxmlformats.org/drawingml/2006/main" xmlns:r="http://schemas.openxmlformats.org/officeDocument/2006/relationships" xmlns:p="http://schemas.openxmlformats.org/presentationml/2006/main">
+  <p:cSld>
+    <p:spTree>
+      <p:nvGrpSpPr>
+        <p:cNvPr id="1" name=""/>
+        <p:cNvGrpSpPr/>
+        <p:nvPr/>
+      </p:nvGrpSpPr>
+      <p:grpSpPr>
+        <a:xfrm>
+          <a:off x="0" y="0"/>
+          <a:ext cx="0" cy="0"/>
+          <a:chOff x="0" y="0"/>
+          <a:chExt cx="0" cy="0"/>
+        </a:xfrm>
+      </p:grpSpPr>
+      <p:sp>
+        <p:nvSpPr>
+          <p:cNvPr id="2" name="Slide Image Placeholder 1"/>
+          <p:cNvSpPr>
+            <a:spLocks noGrp="1" noRot="1" noChangeAspect="1"/>
+          </p:cNvSpPr>
+          <p:nvPr>
+            <p:ph type="sldImg"/>
+          </p:nvPr>
+        </p:nvSpPr>
+        <p:spPr/>
+      </p:sp>
+      <p:sp>
+        <p:nvSpPr>
+          <p:cNvPr id="3" name="Notes Placeholder 2"/>
+          <p:cNvSpPr>
+            <a:spLocks noGrp="1"/>
+          </p:cNvSpPr>
+          <p:nvPr>
+            <p:ph type="body" idx="1"/>
+          </p:nvPr>
+        </p:nvSpPr>
+        <p:spPr/>
+        <p:txBody>
+          <a:bodyPr/>
+          <a:lstStyle/>
+          <a:p>
+            <a:endParaRPr lang="en-US" dirty="0"/>
+          </a:p>
+        </p:txBody>
+      </p:sp>
+      <p:sp>
+        <p:nvSpPr>
+          <p:cNvPr id="4" name="Slide Number Placeholder 3"/>
+          <p:cNvSpPr>
+            <a:spLocks noGrp="1"/>
+          </p:cNvSpPr>
+          <p:nvPr>
+            <p:ph type="sldNum" sz="quarter" idx="10"/>
+          </p:nvPr>
+        </p:nvSpPr>
+        <p:spPr/>
+        <p:txBody>
+          <a:bodyPr/>
+          <a:lstStyle/>
+          <a:p>
+            <a:fld id="{3D333A4B-B0C0-41D5-8830-D1E3718BA891}" type="slidenum">
+              <a:rPr lang="en-US" smtClean="0"/>
+              <a:t>13</a:t>
+            </a:fld>
+            <a:endParaRPr lang="en-US"/>
+          </a:p>
+        </p:txBody>
+      </p:sp>
+    </p:spTree>
+    <p:extLst>
+      <p:ext uri="{BB962C8B-B14F-4D97-AF65-F5344CB8AC3E}">
+        <p14:creationId xmlns:p14="http://schemas.microsoft.com/office/powerpoint/2010/main" val="36774307"/>
+      </p:ext>
+    </p:extLst>
+  </p:cSld>
+  <p:clrMapOvr>
+    <a:masterClrMapping/>
+  </p:clrMapOvr>
+</p:notes>
+</file>
+
 <file path=ppt/slideLayouts/slideLayout1.xml><?xml version="1.0" encoding="utf-8"?>
 <p:sldLayout xmlns:a="http://schemas.openxmlformats.org/drawingml/2006/main" xmlns:r="http://schemas.openxmlformats.org/officeDocument/2006/relationships" xmlns:p="http://schemas.openxmlformats.org/presentationml/2006/main" type="title" preserve="1">
   <p:cSld name="Title Slide">
@@ -1340,7 +1424,7 @@
           <a:p>
             <a:fld id="{F552E4DF-CF9E-431C-BABE-2D0DA00FD989}" type="datetimeFigureOut">
               <a:rPr lang="en-US" smtClean="0"/>
-              <a:t>7/1/2018</a:t>
+              <a:t>7/2/2018</a:t>
             </a:fld>
             <a:endParaRPr lang="en-US"/>
           </a:p>
@@ -1538,7 +1622,7 @@
           <a:p>
             <a:fld id="{F552E4DF-CF9E-431C-BABE-2D0DA00FD989}" type="datetimeFigureOut">
               <a:rPr lang="en-US" smtClean="0"/>
-              <a:t>7/1/2018</a:t>
+              <a:t>7/2/2018</a:t>
             </a:fld>
             <a:endParaRPr lang="en-US"/>
           </a:p>
@@ -1746,7 +1830,7 @@
           <a:p>
             <a:fld id="{F552E4DF-CF9E-431C-BABE-2D0DA00FD989}" type="datetimeFigureOut">
               <a:rPr lang="en-US" smtClean="0"/>
-              <a:t>7/1/2018</a:t>
+              <a:t>7/2/2018</a:t>
             </a:fld>
             <a:endParaRPr lang="en-US"/>
           </a:p>
@@ -1944,7 +2028,7 @@
           <a:p>
             <a:fld id="{F552E4DF-CF9E-431C-BABE-2D0DA00FD989}" type="datetimeFigureOut">
               <a:rPr lang="en-US" smtClean="0"/>
-              <a:t>7/1/2018</a:t>
+              <a:t>7/2/2018</a:t>
             </a:fld>
             <a:endParaRPr lang="en-US"/>
           </a:p>
@@ -2219,7 +2303,7 @@
           <a:p>
             <a:fld id="{F552E4DF-CF9E-431C-BABE-2D0DA00FD989}" type="datetimeFigureOut">
               <a:rPr lang="en-US" smtClean="0"/>
-              <a:t>7/1/2018</a:t>
+              <a:t>7/2/2018</a:t>
             </a:fld>
             <a:endParaRPr lang="en-US"/>
           </a:p>
@@ -2484,7 +2568,7 @@
           <a:p>
             <a:fld id="{F552E4DF-CF9E-431C-BABE-2D0DA00FD989}" type="datetimeFigureOut">
               <a:rPr lang="en-US" smtClean="0"/>
-              <a:t>7/1/2018</a:t>
+              <a:t>7/2/2018</a:t>
             </a:fld>
             <a:endParaRPr lang="en-US"/>
           </a:p>
@@ -2896,7 +2980,7 @@
           <a:p>
             <a:fld id="{F552E4DF-CF9E-431C-BABE-2D0DA00FD989}" type="datetimeFigureOut">
               <a:rPr lang="en-US" smtClean="0"/>
-              <a:t>7/1/2018</a:t>
+              <a:t>7/2/2018</a:t>
             </a:fld>
             <a:endParaRPr lang="en-US"/>
           </a:p>
@@ -3037,7 +3121,7 @@
           <a:p>
             <a:fld id="{F552E4DF-CF9E-431C-BABE-2D0DA00FD989}" type="datetimeFigureOut">
               <a:rPr lang="en-US" smtClean="0"/>
-              <a:t>7/1/2018</a:t>
+              <a:t>7/2/2018</a:t>
             </a:fld>
             <a:endParaRPr lang="en-US"/>
           </a:p>
@@ -3150,7 +3234,7 @@
           <a:p>
             <a:fld id="{F552E4DF-CF9E-431C-BABE-2D0DA00FD989}" type="datetimeFigureOut">
               <a:rPr lang="en-US" smtClean="0"/>
-              <a:t>7/1/2018</a:t>
+              <a:t>7/2/2018</a:t>
             </a:fld>
             <a:endParaRPr lang="en-US"/>
           </a:p>
@@ -3461,7 +3545,7 @@
           <a:p>
             <a:fld id="{F552E4DF-CF9E-431C-BABE-2D0DA00FD989}" type="datetimeFigureOut">
               <a:rPr lang="en-US" smtClean="0"/>
-              <a:t>7/1/2018</a:t>
+              <a:t>7/2/2018</a:t>
             </a:fld>
             <a:endParaRPr lang="en-US"/>
           </a:p>
@@ -3749,7 +3833,7 @@
           <a:p>
             <a:fld id="{F552E4DF-CF9E-431C-BABE-2D0DA00FD989}" type="datetimeFigureOut">
               <a:rPr lang="en-US" smtClean="0"/>
-              <a:t>7/1/2018</a:t>
+              <a:t>7/2/2018</a:t>
             </a:fld>
             <a:endParaRPr lang="en-US"/>
           </a:p>
@@ -3990,7 +4074,7 @@
           <a:p>
             <a:fld id="{F552E4DF-CF9E-431C-BABE-2D0DA00FD989}" type="datetimeFigureOut">
               <a:rPr lang="en-US" smtClean="0"/>
-              <a:t>7/1/2018</a:t>
+              <a:t>7/2/2018</a:t>
             </a:fld>
             <a:endParaRPr lang="en-US"/>
           </a:p>
@@ -5586,7 +5670,7 @@
           </p:nvPr>
         </p:nvPicPr>
         <p:blipFill>
-          <a:blip r:embed="rId2"/>
+          <a:blip r:embed="rId3"/>
           <a:stretch>
             <a:fillRect/>
           </a:stretch>
@@ -5601,6 +5685,46 @@
           </a:prstGeom>
         </p:spPr>
       </p:pic>
+      <p:sp>
+        <p:nvSpPr>
+          <p:cNvPr id="2" name="TextBox 1">
+            <a:extLst>
+              <a:ext uri="{FF2B5EF4-FFF2-40B4-BE49-F238E27FC236}">
+                <a16:creationId xmlns:a16="http://schemas.microsoft.com/office/drawing/2014/main" id="{06415251-53F6-45A7-A87E-F55D6E85B378}"/>
+              </a:ext>
+            </a:extLst>
+          </p:cNvPr>
+          <p:cNvSpPr txBox="1"/>
+          <p:nvPr/>
+        </p:nvSpPr>
+        <p:spPr>
+          <a:xfrm>
+            <a:off x="7727950" y="6508750"/>
+            <a:ext cx="4464050" cy="338554"/>
+          </a:xfrm>
+          <a:prstGeom prst="rect">
+            <a:avLst/>
+          </a:prstGeom>
+          <a:noFill/>
+        </p:spPr>
+        <p:txBody>
+          <a:bodyPr wrap="square" rtlCol="0">
+            <a:spAutoFit/>
+          </a:bodyPr>
+          <a:lstStyle/>
+          <a:p>
+            <a:pPr algn="r"/>
+            <a:r>
+              <a:rPr lang="en-US" sz="1600" dirty="0">
+                <a:solidFill>
+                  <a:schemeClr val="bg1"/>
+                </a:solidFill>
+              </a:rPr>
+              <a:t>Created with RRD Tools</a:t>
+            </a:r>
+          </a:p>
+        </p:txBody>
+      </p:sp>
     </p:spTree>
     <p:extLst>
       <p:ext uri="{BB962C8B-B14F-4D97-AF65-F5344CB8AC3E}">
@@ -6571,7 +6695,7 @@
         <p:spPr>
           <a:xfrm>
             <a:off x="5297762" y="2799889"/>
-            <a:ext cx="5747187" cy="2987543"/>
+            <a:ext cx="5747187" cy="3340560"/>
           </a:xfrm>
         </p:spPr>
         <p:txBody>
@@ -6650,13 +6774,6 @@
               </a:rPr>
               <a:t>POSIX (Unix-like OS)</a:t>
             </a:r>
-          </a:p>
-          <a:p>
-            <a:endParaRPr lang="en-US" sz="3200" dirty="0">
-              <a:solidFill>
-                <a:srgbClr val="FFFFFF"/>
-              </a:solidFill>
-            </a:endParaRPr>
           </a:p>
         </p:txBody>
       </p:sp>
@@ -7595,6 +7712,93 @@
           </a:p>
         </p:txBody>
       </p:sp>
+      <p:grpSp>
+        <p:nvGrpSpPr>
+          <p:cNvPr id="16" name="Group 15">
+            <a:extLst>
+              <a:ext uri="{FF2B5EF4-FFF2-40B4-BE49-F238E27FC236}">
+                <a16:creationId xmlns:a16="http://schemas.microsoft.com/office/drawing/2014/main" id="{A0135E10-A7AF-401D-90A0-045F1140E6A2}"/>
+              </a:ext>
+            </a:extLst>
+          </p:cNvPr>
+          <p:cNvGrpSpPr/>
+          <p:nvPr/>
+        </p:nvGrpSpPr>
+        <p:grpSpPr>
+          <a:xfrm>
+            <a:off x="9663113" y="1211806"/>
+            <a:ext cx="1086689" cy="946150"/>
+            <a:chOff x="134541" y="1294605"/>
+            <a:chExt cx="2761457" cy="2572545"/>
+          </a:xfrm>
+        </p:grpSpPr>
+        <p:pic>
+          <p:nvPicPr>
+            <p:cNvPr id="20" name="Picture 19" descr="A close up of a sign&#10;&#10;Description generated with high confidence">
+              <a:extLst>
+                <a:ext uri="{FF2B5EF4-FFF2-40B4-BE49-F238E27FC236}">
+                  <a16:creationId xmlns:a16="http://schemas.microsoft.com/office/drawing/2014/main" id="{548EE045-E73C-46AA-A85D-4598328D29FB}"/>
+                </a:ext>
+              </a:extLst>
+            </p:cNvPr>
+            <p:cNvPicPr>
+              <a:picLocks noChangeAspect="1"/>
+            </p:cNvPicPr>
+            <p:nvPr/>
+          </p:nvPicPr>
+          <p:blipFill>
+            <a:blip r:embed="rId5">
+              <a:extLst>
+                <a:ext uri="{28A0092B-C50C-407E-A947-70E740481C1C}">
+                  <a14:useLocalDpi xmlns:a14="http://schemas.microsoft.com/office/drawing/2010/main" val="0"/>
+                </a:ext>
+              </a:extLst>
+            </a:blip>
+            <a:stretch>
+              <a:fillRect/>
+            </a:stretch>
+          </p:blipFill>
+          <p:spPr>
+            <a:xfrm>
+              <a:off x="134541" y="1294605"/>
+              <a:ext cx="2572545" cy="2572545"/>
+            </a:xfrm>
+            <a:prstGeom prst="rect">
+              <a:avLst/>
+            </a:prstGeom>
+          </p:spPr>
+        </p:pic>
+        <p:pic>
+          <p:nvPicPr>
+            <p:cNvPr id="21" name="Picture 20">
+              <a:extLst>
+                <a:ext uri="{FF2B5EF4-FFF2-40B4-BE49-F238E27FC236}">
+                  <a16:creationId xmlns:a16="http://schemas.microsoft.com/office/drawing/2014/main" id="{1ED9D93F-2ADF-48EA-80FE-009F2E568616}"/>
+                </a:ext>
+              </a:extLst>
+            </p:cNvPr>
+            <p:cNvPicPr>
+              <a:picLocks noChangeAspect="1"/>
+            </p:cNvPicPr>
+            <p:nvPr/>
+          </p:nvPicPr>
+          <p:blipFill>
+            <a:blip r:embed="rId6"/>
+            <a:stretch>
+              <a:fillRect/>
+            </a:stretch>
+          </p:blipFill>
+          <p:spPr>
+            <a:xfrm>
+              <a:off x="2275086" y="2713407"/>
+              <a:ext cx="620912" cy="796284"/>
+            </a:xfrm>
+            <a:prstGeom prst="rect">
+              <a:avLst/>
+            </a:prstGeom>
+          </p:spPr>
+        </p:pic>
+      </p:grpSp>
     </p:spTree>
     <p:extLst>
       <p:ext uri="{BB962C8B-B14F-4D97-AF65-F5344CB8AC3E}">
@@ -8274,6 +8478,93 @@
           </a:p>
         </p:txBody>
       </p:sp>
+      <p:grpSp>
+        <p:nvGrpSpPr>
+          <p:cNvPr id="20" name="Group 19">
+            <a:extLst>
+              <a:ext uri="{FF2B5EF4-FFF2-40B4-BE49-F238E27FC236}">
+                <a16:creationId xmlns:a16="http://schemas.microsoft.com/office/drawing/2014/main" id="{15286CE1-98A7-44D7-BA54-51E9380E64EA}"/>
+              </a:ext>
+            </a:extLst>
+          </p:cNvPr>
+          <p:cNvGrpSpPr/>
+          <p:nvPr/>
+        </p:nvGrpSpPr>
+        <p:grpSpPr>
+          <a:xfrm>
+            <a:off x="9663113" y="1211806"/>
+            <a:ext cx="1086689" cy="946150"/>
+            <a:chOff x="134541" y="1294605"/>
+            <a:chExt cx="2761457" cy="2572545"/>
+          </a:xfrm>
+        </p:grpSpPr>
+        <p:pic>
+          <p:nvPicPr>
+            <p:cNvPr id="29" name="Picture 28" descr="A close up of a sign&#10;&#10;Description generated with high confidence">
+              <a:extLst>
+                <a:ext uri="{FF2B5EF4-FFF2-40B4-BE49-F238E27FC236}">
+                  <a16:creationId xmlns:a16="http://schemas.microsoft.com/office/drawing/2014/main" id="{3E7C9B39-7FF2-464D-9932-E139486E6970}"/>
+                </a:ext>
+              </a:extLst>
+            </p:cNvPr>
+            <p:cNvPicPr>
+              <a:picLocks noChangeAspect="1"/>
+            </p:cNvPicPr>
+            <p:nvPr/>
+          </p:nvPicPr>
+          <p:blipFill>
+            <a:blip r:embed="rId5">
+              <a:extLst>
+                <a:ext uri="{28A0092B-C50C-407E-A947-70E740481C1C}">
+                  <a14:useLocalDpi xmlns:a14="http://schemas.microsoft.com/office/drawing/2010/main" val="0"/>
+                </a:ext>
+              </a:extLst>
+            </a:blip>
+            <a:stretch>
+              <a:fillRect/>
+            </a:stretch>
+          </p:blipFill>
+          <p:spPr>
+            <a:xfrm>
+              <a:off x="134541" y="1294605"/>
+              <a:ext cx="2572545" cy="2572545"/>
+            </a:xfrm>
+            <a:prstGeom prst="rect">
+              <a:avLst/>
+            </a:prstGeom>
+          </p:spPr>
+        </p:pic>
+        <p:pic>
+          <p:nvPicPr>
+            <p:cNvPr id="31" name="Picture 30">
+              <a:extLst>
+                <a:ext uri="{FF2B5EF4-FFF2-40B4-BE49-F238E27FC236}">
+                  <a16:creationId xmlns:a16="http://schemas.microsoft.com/office/drawing/2014/main" id="{0337B37F-ECAF-4281-8AFF-06A47FBAF089}"/>
+                </a:ext>
+              </a:extLst>
+            </p:cNvPr>
+            <p:cNvPicPr>
+              <a:picLocks noChangeAspect="1"/>
+            </p:cNvPicPr>
+            <p:nvPr/>
+          </p:nvPicPr>
+          <p:blipFill>
+            <a:blip r:embed="rId6"/>
+            <a:stretch>
+              <a:fillRect/>
+            </a:stretch>
+          </p:blipFill>
+          <p:spPr>
+            <a:xfrm>
+              <a:off x="2275086" y="2713407"/>
+              <a:ext cx="620912" cy="796284"/>
+            </a:xfrm>
+            <a:prstGeom prst="rect">
+              <a:avLst/>
+            </a:prstGeom>
+          </p:spPr>
+        </p:pic>
+      </p:grpSp>
     </p:spTree>
     <p:extLst>
       <p:ext uri="{BB962C8B-B14F-4D97-AF65-F5344CB8AC3E}">
